--- a/TPLink_PPT_Template_V1_16x9.pptx
+++ b/TPLink_PPT_Template_V1_16x9.pptx
@@ -5,10 +5,10 @@
     <p:sldMasterId id="2147493455" r:id="rId4"/>
   </p:sldMasterIdLst>
   <p:notesMasterIdLst>
-    <p:notesMasterId r:id="rId11"/>
+    <p:notesMasterId r:id="rId14"/>
   </p:notesMasterIdLst>
   <p:handoutMasterIdLst>
-    <p:handoutMasterId r:id="rId12"/>
+    <p:handoutMasterId r:id="rId15"/>
   </p:handoutMasterIdLst>
   <p:sldIdLst>
     <p:sldId id="256" r:id="rId5"/>
@@ -17,6 +17,9 @@
     <p:sldId id="259" r:id="rId8"/>
     <p:sldId id="260" r:id="rId9"/>
     <p:sldId id="261" r:id="rId10"/>
+    <p:sldId id="262" r:id="rId11"/>
+    <p:sldId id="263" r:id="rId12"/>
+    <p:sldId id="264" r:id="rId13"/>
   </p:sldIdLst>
   <p:sldSz cx="9144000" cy="5143500" type="screen16x9"/>
   <p:notesSz cx="6858000" cy="9144000"/>
@@ -126,6 +129,9 @@
             <p14:sldId id="259"/>
             <p14:sldId id="260"/>
             <p14:sldId id="261"/>
+            <p14:sldId id="262"/>
+            <p14:sldId id="263"/>
+            <p14:sldId id="264"/>
           </p14:sldIdLst>
         </p14:section>
       </p14:sectionLst>
@@ -152,7 +158,7 @@
             <a:srgbClr val="A4A3A4"/>
           </p15:clr>
         </p15:guide>
-        <p15:guide id="5" orient="horz" pos="1721">
+        <p15:guide id="5" orient="horz" pos="1733" userDrawn="1">
           <p15:clr>
             <a:srgbClr val="A4A3A4"/>
           </p15:clr>
@@ -19633,1152 +19639,6 @@
           </a:p>
         </p:txBody>
       </p:sp>
-      <p:grpSp>
-        <p:nvGrpSpPr>
-          <p:cNvPr id="12" name="组合 11"/>
-          <p:cNvGrpSpPr>
-            <a:grpSpLocks noChangeAspect="1"/>
-          </p:cNvGrpSpPr>
-          <p:nvPr/>
-        </p:nvGrpSpPr>
-        <p:grpSpPr>
-          <a:xfrm>
-            <a:off x="8187070" y="137560"/>
-            <a:ext cx="369284" cy="329673"/>
-            <a:chOff x="4939427" y="858005"/>
-            <a:chExt cx="1280312" cy="1103973"/>
-          </a:xfrm>
-        </p:grpSpPr>
-        <p:grpSp>
-          <p:nvGrpSpPr>
-            <p:cNvPr id="45" name="组合 44"/>
-            <p:cNvGrpSpPr/>
-            <p:nvPr/>
-          </p:nvGrpSpPr>
-          <p:grpSpPr>
-            <a:xfrm>
-              <a:off x="4939427" y="858005"/>
-              <a:ext cx="1280312" cy="1103973"/>
-              <a:chOff x="540674" y="2478267"/>
-              <a:chExt cx="1205922" cy="1039829"/>
-            </a:xfrm>
-          </p:grpSpPr>
-          <p:sp>
-            <p:nvSpPr>
-              <p:cNvPr id="55" name="六边形 54"/>
-              <p:cNvSpPr/>
-              <p:nvPr/>
-            </p:nvSpPr>
-            <p:spPr>
-              <a:xfrm>
-                <a:off x="540674" y="2478267"/>
-                <a:ext cx="1205922" cy="1039829"/>
-              </a:xfrm>
-              <a:prstGeom prst="hexagon">
-                <a:avLst/>
-              </a:prstGeom>
-              <a:gradFill flip="none" rotWithShape="1">
-                <a:gsLst>
-                  <a:gs pos="100000">
-                    <a:srgbClr val="FCFCFC"/>
-                  </a:gs>
-                  <a:gs pos="0">
-                    <a:srgbClr val="CCCCCC"/>
-                  </a:gs>
-                </a:gsLst>
-                <a:lin ang="7200000" scaled="0"/>
-                <a:tileRect/>
-              </a:gradFill>
-              <a:ln w="12700">
-                <a:gradFill>
-                  <a:gsLst>
-                    <a:gs pos="89000">
-                      <a:schemeClr val="bg1">
-                        <a:lumMod val="85000"/>
-                      </a:schemeClr>
-                    </a:gs>
-                    <a:gs pos="0">
-                      <a:schemeClr val="bg1"/>
-                    </a:gs>
-                  </a:gsLst>
-                  <a:lin ang="7200000" scaled="0"/>
-                </a:gradFill>
-              </a:ln>
-              <a:effectLst>
-                <a:outerShdw blurRad="254000" dist="127000" dir="8160000" algn="tr" rotWithShape="0">
-                  <a:prstClr val="black">
-                    <a:alpha val="34000"/>
-                  </a:prstClr>
-                </a:outerShdw>
-              </a:effectLst>
-            </p:spPr>
-            <p:style>
-              <a:lnRef idx="2">
-                <a:schemeClr val="accent1">
-                  <a:shade val="50000"/>
-                </a:schemeClr>
-              </a:lnRef>
-              <a:fillRef idx="1">
-                <a:schemeClr val="accent1"/>
-              </a:fillRef>
-              <a:effectRef idx="0">
-                <a:schemeClr val="accent1"/>
-              </a:effectRef>
-              <a:fontRef idx="minor">
-                <a:schemeClr val="lt1"/>
-              </a:fontRef>
-            </p:style>
-            <p:txBody>
-              <a:bodyPr rtlCol="0" anchor="ctr"/>
-              <a:lstStyle/>
-              <a:p>
-                <a:pPr algn="ctr"/>
-                <a:endParaRPr lang="zh-CN" altLang="en-US" dirty="0">
-                  <a:latin typeface="+mj-ea"/>
-                  <a:ea typeface="+mj-ea"/>
-                </a:endParaRPr>
-              </a:p>
-            </p:txBody>
-          </p:sp>
-          <p:sp>
-            <p:nvSpPr>
-              <p:cNvPr id="56" name="六边形 55"/>
-              <p:cNvSpPr/>
-              <p:nvPr/>
-            </p:nvSpPr>
-            <p:spPr>
-              <a:xfrm>
-                <a:off x="662776" y="2583551"/>
-                <a:ext cx="961719" cy="829261"/>
-              </a:xfrm>
-              <a:prstGeom prst="hexagon">
-                <a:avLst/>
-              </a:prstGeom>
-              <a:solidFill>
-                <a:srgbClr val="4ACBD6"/>
-              </a:solidFill>
-              <a:ln>
-                <a:noFill/>
-              </a:ln>
-              <a:effectLst>
-                <a:innerShdw blurRad="63500" dist="50800" dir="18900000">
-                  <a:prstClr val="black">
-                    <a:alpha val="50000"/>
-                  </a:prstClr>
-                </a:innerShdw>
-              </a:effectLst>
-            </p:spPr>
-            <p:style>
-              <a:lnRef idx="2">
-                <a:schemeClr val="accent1">
-                  <a:shade val="50000"/>
-                </a:schemeClr>
-              </a:lnRef>
-              <a:fillRef idx="1">
-                <a:schemeClr val="accent1"/>
-              </a:fillRef>
-              <a:effectRef idx="0">
-                <a:schemeClr val="accent1"/>
-              </a:effectRef>
-              <a:fontRef idx="minor">
-                <a:schemeClr val="lt1"/>
-              </a:fontRef>
-            </p:style>
-            <p:txBody>
-              <a:bodyPr rtlCol="0" anchor="ctr"/>
-              <a:lstStyle/>
-              <a:p>
-                <a:pPr algn="ctr" defTabSz="914400"/>
-                <a:endParaRPr lang="zh-CN" altLang="en-US" sz="1800" dirty="0">
-                  <a:solidFill>
-                    <a:schemeClr val="bg1"/>
-                  </a:solidFill>
-                </a:endParaRPr>
-              </a:p>
-            </p:txBody>
-          </p:sp>
-        </p:grpSp>
-        <p:grpSp>
-          <p:nvGrpSpPr>
-            <p:cNvPr id="46" name="组合 45"/>
-            <p:cNvGrpSpPr/>
-            <p:nvPr/>
-          </p:nvGrpSpPr>
-          <p:grpSpPr>
-            <a:xfrm>
-              <a:off x="5389945" y="1176421"/>
-              <a:ext cx="479631" cy="449916"/>
-              <a:chOff x="3108756" y="2110160"/>
-              <a:chExt cx="745081" cy="698920"/>
-            </a:xfrm>
-            <a:solidFill>
-              <a:schemeClr val="bg1"/>
-            </a:solidFill>
-          </p:grpSpPr>
-          <p:sp>
-            <p:nvSpPr>
-              <p:cNvPr id="47" name="Freeform 489"/>
-              <p:cNvSpPr>
-                <a:spLocks/>
-              </p:cNvSpPr>
-              <p:nvPr/>
-            </p:nvSpPr>
-            <p:spPr bwMode="auto">
-              <a:xfrm>
-                <a:off x="3608602" y="2110160"/>
-                <a:ext cx="245235" cy="303659"/>
-              </a:xfrm>
-              <a:custGeom>
-                <a:avLst/>
-                <a:gdLst>
-                  <a:gd name="T0" fmla="*/ 248 w 340"/>
-                  <a:gd name="T1" fmla="*/ 0 h 421"/>
-                  <a:gd name="T2" fmla="*/ 0 w 340"/>
-                  <a:gd name="T3" fmla="*/ 357 h 421"/>
-                  <a:gd name="T4" fmla="*/ 94 w 340"/>
-                  <a:gd name="T5" fmla="*/ 421 h 421"/>
-                  <a:gd name="T6" fmla="*/ 340 w 340"/>
-                  <a:gd name="T7" fmla="*/ 66 h 421"/>
-                  <a:gd name="T8" fmla="*/ 248 w 340"/>
-                  <a:gd name="T9" fmla="*/ 0 h 421"/>
-                </a:gdLst>
-                <a:ahLst/>
-                <a:cxnLst>
-                  <a:cxn ang="0">
-                    <a:pos x="T0" y="T1"/>
-                  </a:cxn>
-                  <a:cxn ang="0">
-                    <a:pos x="T2" y="T3"/>
-                  </a:cxn>
-                  <a:cxn ang="0">
-                    <a:pos x="T4" y="T5"/>
-                  </a:cxn>
-                  <a:cxn ang="0">
-                    <a:pos x="T6" y="T7"/>
-                  </a:cxn>
-                  <a:cxn ang="0">
-                    <a:pos x="T8" y="T9"/>
-                  </a:cxn>
-                </a:cxnLst>
-                <a:rect l="0" t="0" r="r" b="b"/>
-                <a:pathLst>
-                  <a:path w="340" h="421">
-                    <a:moveTo>
-                      <a:pt x="248" y="0"/>
-                    </a:moveTo>
-                    <a:lnTo>
-                      <a:pt x="0" y="357"/>
-                    </a:lnTo>
-                    <a:lnTo>
-                      <a:pt x="94" y="421"/>
-                    </a:lnTo>
-                    <a:lnTo>
-                      <a:pt x="340" y="66"/>
-                    </a:lnTo>
-                    <a:lnTo>
-                      <a:pt x="248" y="0"/>
-                    </a:lnTo>
-                    <a:close/>
-                  </a:path>
-                </a:pathLst>
-              </a:custGeom>
-              <a:grpFill/>
-              <a:ln>
-                <a:noFill/>
-              </a:ln>
-              <a:extLst>
-                <a:ext uri="{91240B29-F687-4f45-9708-019B960494DF}">
-                  <a14:hiddenLine xmlns="" xmlns:a14="http://schemas.microsoft.com/office/drawing/2010/main" w="9525">
-                    <a:solidFill>
-                      <a:srgbClr val="000000"/>
-                    </a:solidFill>
-                    <a:round/>
-                    <a:headEnd/>
-                    <a:tailEnd/>
-                  </a14:hiddenLine>
-                </a:ext>
-              </a:extLst>
-            </p:spPr>
-            <p:txBody>
-              <a:bodyPr vert="horz" wrap="square" lIns="91440" tIns="45720" rIns="91440" bIns="45720" numCol="1" anchor="t" anchorCtr="0" compatLnSpc="1">
-                <a:prstTxWarp prst="textNoShape">
-                  <a:avLst/>
-                </a:prstTxWarp>
-              </a:bodyPr>
-              <a:lstStyle/>
-              <a:p>
-                <a:endParaRPr lang="zh-CN" altLang="en-US"/>
-              </a:p>
-            </p:txBody>
-          </p:sp>
-          <p:sp>
-            <p:nvSpPr>
-              <p:cNvPr id="48" name="Freeform 490"/>
-              <p:cNvSpPr>
-                <a:spLocks/>
-              </p:cNvSpPr>
-              <p:nvPr/>
-            </p:nvSpPr>
-            <p:spPr bwMode="auto">
-              <a:xfrm>
-                <a:off x="3584800" y="2379197"/>
-                <a:ext cx="81505" cy="68522"/>
-              </a:xfrm>
-              <a:custGeom>
-                <a:avLst/>
-                <a:gdLst>
-                  <a:gd name="T0" fmla="*/ 14 w 113"/>
-                  <a:gd name="T1" fmla="*/ 12 h 95"/>
-                  <a:gd name="T2" fmla="*/ 0 w 113"/>
-                  <a:gd name="T3" fmla="*/ 33 h 95"/>
-                  <a:gd name="T4" fmla="*/ 14 w 113"/>
-                  <a:gd name="T5" fmla="*/ 43 h 95"/>
-                  <a:gd name="T6" fmla="*/ 26 w 113"/>
-                  <a:gd name="T7" fmla="*/ 52 h 95"/>
-                  <a:gd name="T8" fmla="*/ 90 w 113"/>
-                  <a:gd name="T9" fmla="*/ 95 h 95"/>
-                  <a:gd name="T10" fmla="*/ 113 w 113"/>
-                  <a:gd name="T11" fmla="*/ 62 h 95"/>
-                  <a:gd name="T12" fmla="*/ 23 w 113"/>
-                  <a:gd name="T13" fmla="*/ 0 h 95"/>
-                  <a:gd name="T14" fmla="*/ 14 w 113"/>
-                  <a:gd name="T15" fmla="*/ 12 h 95"/>
-                </a:gdLst>
-                <a:ahLst/>
-                <a:cxnLst>
-                  <a:cxn ang="0">
-                    <a:pos x="T0" y="T1"/>
-                  </a:cxn>
-                  <a:cxn ang="0">
-                    <a:pos x="T2" y="T3"/>
-                  </a:cxn>
-                  <a:cxn ang="0">
-                    <a:pos x="T4" y="T5"/>
-                  </a:cxn>
-                  <a:cxn ang="0">
-                    <a:pos x="T6" y="T7"/>
-                  </a:cxn>
-                  <a:cxn ang="0">
-                    <a:pos x="T8" y="T9"/>
-                  </a:cxn>
-                  <a:cxn ang="0">
-                    <a:pos x="T10" y="T11"/>
-                  </a:cxn>
-                  <a:cxn ang="0">
-                    <a:pos x="T12" y="T13"/>
-                  </a:cxn>
-                  <a:cxn ang="0">
-                    <a:pos x="T14" y="T15"/>
-                  </a:cxn>
-                </a:cxnLst>
-                <a:rect l="0" t="0" r="r" b="b"/>
-                <a:pathLst>
-                  <a:path w="113" h="95">
-                    <a:moveTo>
-                      <a:pt x="14" y="12"/>
-                    </a:moveTo>
-                    <a:lnTo>
-                      <a:pt x="0" y="33"/>
-                    </a:lnTo>
-                    <a:lnTo>
-                      <a:pt x="14" y="43"/>
-                    </a:lnTo>
-                    <a:lnTo>
-                      <a:pt x="26" y="52"/>
-                    </a:lnTo>
-                    <a:lnTo>
-                      <a:pt x="90" y="95"/>
-                    </a:lnTo>
-                    <a:lnTo>
-                      <a:pt x="113" y="62"/>
-                    </a:lnTo>
-                    <a:lnTo>
-                      <a:pt x="23" y="0"/>
-                    </a:lnTo>
-                    <a:lnTo>
-                      <a:pt x="14" y="12"/>
-                    </a:lnTo>
-                    <a:close/>
-                  </a:path>
-                </a:pathLst>
-              </a:custGeom>
-              <a:grpFill/>
-              <a:ln>
-                <a:noFill/>
-              </a:ln>
-              <a:extLst>
-                <a:ext uri="{91240B29-F687-4f45-9708-019B960494DF}">
-                  <a14:hiddenLine xmlns="" xmlns:a14="http://schemas.microsoft.com/office/drawing/2010/main" w="9525">
-                    <a:solidFill>
-                      <a:srgbClr val="000000"/>
-                    </a:solidFill>
-                    <a:round/>
-                    <a:headEnd/>
-                    <a:tailEnd/>
-                  </a14:hiddenLine>
-                </a:ext>
-              </a:extLst>
-            </p:spPr>
-            <p:txBody>
-              <a:bodyPr vert="horz" wrap="square" lIns="91440" tIns="45720" rIns="91440" bIns="45720" numCol="1" anchor="t" anchorCtr="0" compatLnSpc="1">
-                <a:prstTxWarp prst="textNoShape">
-                  <a:avLst/>
-                </a:prstTxWarp>
-              </a:bodyPr>
-              <a:lstStyle/>
-              <a:p>
-                <a:endParaRPr lang="zh-CN" altLang="en-US"/>
-              </a:p>
-            </p:txBody>
-          </p:sp>
-          <p:sp>
-            <p:nvSpPr>
-              <p:cNvPr id="49" name="Freeform 491"/>
-              <p:cNvSpPr>
-                <a:spLocks/>
-              </p:cNvSpPr>
-              <p:nvPr/>
-            </p:nvSpPr>
-            <p:spPr bwMode="auto">
-              <a:xfrm>
-                <a:off x="3463625" y="2415261"/>
-                <a:ext cx="177435" cy="226482"/>
-              </a:xfrm>
-              <a:custGeom>
-                <a:avLst/>
-                <a:gdLst>
-                  <a:gd name="T0" fmla="*/ 66 w 104"/>
-                  <a:gd name="T1" fmla="*/ 0 h 133"/>
-                  <a:gd name="T2" fmla="*/ 60 w 104"/>
-                  <a:gd name="T3" fmla="*/ 8 h 133"/>
-                  <a:gd name="T4" fmla="*/ 59 w 104"/>
-                  <a:gd name="T5" fmla="*/ 10 h 133"/>
-                  <a:gd name="T6" fmla="*/ 11 w 104"/>
-                  <a:gd name="T7" fmla="*/ 29 h 133"/>
-                  <a:gd name="T8" fmla="*/ 0 w 104"/>
-                  <a:gd name="T9" fmla="*/ 129 h 133"/>
-                  <a:gd name="T10" fmla="*/ 37 w 104"/>
-                  <a:gd name="T11" fmla="*/ 76 h 133"/>
-                  <a:gd name="T12" fmla="*/ 37 w 104"/>
-                  <a:gd name="T13" fmla="*/ 51 h 133"/>
-                  <a:gd name="T14" fmla="*/ 60 w 104"/>
-                  <a:gd name="T15" fmla="*/ 43 h 133"/>
-                  <a:gd name="T16" fmla="*/ 63 w 104"/>
-                  <a:gd name="T17" fmla="*/ 44 h 133"/>
-                  <a:gd name="T18" fmla="*/ 66 w 104"/>
-                  <a:gd name="T19" fmla="*/ 71 h 133"/>
-                  <a:gd name="T20" fmla="*/ 60 w 104"/>
-                  <a:gd name="T21" fmla="*/ 77 h 133"/>
-                  <a:gd name="T22" fmla="*/ 42 w 104"/>
-                  <a:gd name="T23" fmla="*/ 80 h 133"/>
-                  <a:gd name="T24" fmla="*/ 6 w 104"/>
-                  <a:gd name="T25" fmla="*/ 133 h 133"/>
-                  <a:gd name="T26" fmla="*/ 54 w 104"/>
-                  <a:gd name="T27" fmla="*/ 109 h 133"/>
-                  <a:gd name="T28" fmla="*/ 60 w 104"/>
-                  <a:gd name="T29" fmla="*/ 106 h 133"/>
-                  <a:gd name="T30" fmla="*/ 77 w 104"/>
-                  <a:gd name="T31" fmla="*/ 98 h 133"/>
-                  <a:gd name="T32" fmla="*/ 96 w 104"/>
-                  <a:gd name="T33" fmla="*/ 88 h 133"/>
-                  <a:gd name="T34" fmla="*/ 97 w 104"/>
-                  <a:gd name="T35" fmla="*/ 37 h 133"/>
-                  <a:gd name="T36" fmla="*/ 104 w 104"/>
-                  <a:gd name="T37" fmla="*/ 26 h 133"/>
-                  <a:gd name="T38" fmla="*/ 77 w 104"/>
-                  <a:gd name="T39" fmla="*/ 7 h 133"/>
-                  <a:gd name="T40" fmla="*/ 66 w 104"/>
-                  <a:gd name="T41" fmla="*/ 0 h 133"/>
-                </a:gdLst>
-                <a:ahLst/>
-                <a:cxnLst>
-                  <a:cxn ang="0">
-                    <a:pos x="T0" y="T1"/>
-                  </a:cxn>
-                  <a:cxn ang="0">
-                    <a:pos x="T2" y="T3"/>
-                  </a:cxn>
-                  <a:cxn ang="0">
-                    <a:pos x="T4" y="T5"/>
-                  </a:cxn>
-                  <a:cxn ang="0">
-                    <a:pos x="T6" y="T7"/>
-                  </a:cxn>
-                  <a:cxn ang="0">
-                    <a:pos x="T8" y="T9"/>
-                  </a:cxn>
-                  <a:cxn ang="0">
-                    <a:pos x="T10" y="T11"/>
-                  </a:cxn>
-                  <a:cxn ang="0">
-                    <a:pos x="T12" y="T13"/>
-                  </a:cxn>
-                  <a:cxn ang="0">
-                    <a:pos x="T14" y="T15"/>
-                  </a:cxn>
-                  <a:cxn ang="0">
-                    <a:pos x="T16" y="T17"/>
-                  </a:cxn>
-                  <a:cxn ang="0">
-                    <a:pos x="T18" y="T19"/>
-                  </a:cxn>
-                  <a:cxn ang="0">
-                    <a:pos x="T20" y="T21"/>
-                  </a:cxn>
-                  <a:cxn ang="0">
-                    <a:pos x="T22" y="T23"/>
-                  </a:cxn>
-                  <a:cxn ang="0">
-                    <a:pos x="T24" y="T25"/>
-                  </a:cxn>
-                  <a:cxn ang="0">
-                    <a:pos x="T26" y="T27"/>
-                  </a:cxn>
-                  <a:cxn ang="0">
-                    <a:pos x="T28" y="T29"/>
-                  </a:cxn>
-                  <a:cxn ang="0">
-                    <a:pos x="T30" y="T31"/>
-                  </a:cxn>
-                  <a:cxn ang="0">
-                    <a:pos x="T32" y="T33"/>
-                  </a:cxn>
-                  <a:cxn ang="0">
-                    <a:pos x="T34" y="T35"/>
-                  </a:cxn>
-                  <a:cxn ang="0">
-                    <a:pos x="T36" y="T37"/>
-                  </a:cxn>
-                  <a:cxn ang="0">
-                    <a:pos x="T38" y="T39"/>
-                  </a:cxn>
-                  <a:cxn ang="0">
-                    <a:pos x="T40" y="T41"/>
-                  </a:cxn>
-                </a:cxnLst>
-                <a:rect l="0" t="0" r="r" b="b"/>
-                <a:pathLst>
-                  <a:path w="104" h="133">
-                    <a:moveTo>
-                      <a:pt x="66" y="0"/>
-                    </a:moveTo>
-                    <a:cubicBezTo>
-                      <a:pt x="60" y="8"/>
-                      <a:pt x="60" y="8"/>
-                      <a:pt x="60" y="8"/>
-                    </a:cubicBezTo>
-                    <a:cubicBezTo>
-                      <a:pt x="59" y="10"/>
-                      <a:pt x="59" y="10"/>
-                      <a:pt x="59" y="10"/>
-                    </a:cubicBezTo>
-                    <a:cubicBezTo>
-                      <a:pt x="11" y="29"/>
-                      <a:pt x="11" y="29"/>
-                      <a:pt x="11" y="29"/>
-                    </a:cubicBezTo>
-                    <a:cubicBezTo>
-                      <a:pt x="0" y="129"/>
-                      <a:pt x="0" y="129"/>
-                      <a:pt x="0" y="129"/>
-                    </a:cubicBezTo>
-                    <a:cubicBezTo>
-                      <a:pt x="37" y="76"/>
-                      <a:pt x="37" y="76"/>
-                      <a:pt x="37" y="76"/>
-                    </a:cubicBezTo>
-                    <a:cubicBezTo>
-                      <a:pt x="32" y="70"/>
-                      <a:pt x="31" y="60"/>
-                      <a:pt x="37" y="51"/>
-                    </a:cubicBezTo>
-                    <a:cubicBezTo>
-                      <a:pt x="43" y="43"/>
-                      <a:pt x="52" y="40"/>
-                      <a:pt x="60" y="43"/>
-                    </a:cubicBezTo>
-                    <a:cubicBezTo>
-                      <a:pt x="61" y="43"/>
-                      <a:pt x="62" y="44"/>
-                      <a:pt x="63" y="44"/>
-                    </a:cubicBezTo>
-                    <a:cubicBezTo>
-                      <a:pt x="71" y="50"/>
-                      <a:pt x="72" y="62"/>
-                      <a:pt x="66" y="71"/>
-                    </a:cubicBezTo>
-                    <a:cubicBezTo>
-                      <a:pt x="64" y="74"/>
-                      <a:pt x="62" y="76"/>
-                      <a:pt x="60" y="77"/>
-                    </a:cubicBezTo>
-                    <a:cubicBezTo>
-                      <a:pt x="55" y="81"/>
-                      <a:pt x="48" y="82"/>
-                      <a:pt x="42" y="80"/>
-                    </a:cubicBezTo>
-                    <a:cubicBezTo>
-                      <a:pt x="6" y="133"/>
-                      <a:pt x="6" y="133"/>
-                      <a:pt x="6" y="133"/>
-                    </a:cubicBezTo>
-                    <a:cubicBezTo>
-                      <a:pt x="54" y="109"/>
-                      <a:pt x="54" y="109"/>
-                      <a:pt x="54" y="109"/>
-                    </a:cubicBezTo>
-                    <a:cubicBezTo>
-                      <a:pt x="60" y="106"/>
-                      <a:pt x="60" y="106"/>
-                      <a:pt x="60" y="106"/>
-                    </a:cubicBezTo>
-                    <a:cubicBezTo>
-                      <a:pt x="77" y="98"/>
-                      <a:pt x="77" y="98"/>
-                      <a:pt x="77" y="98"/>
-                    </a:cubicBezTo>
-                    <a:cubicBezTo>
-                      <a:pt x="96" y="88"/>
-                      <a:pt x="96" y="88"/>
-                      <a:pt x="96" y="88"/>
-                    </a:cubicBezTo>
-                    <a:cubicBezTo>
-                      <a:pt x="97" y="37"/>
-                      <a:pt x="97" y="37"/>
-                      <a:pt x="97" y="37"/>
-                    </a:cubicBezTo>
-                    <a:cubicBezTo>
-                      <a:pt x="104" y="26"/>
-                      <a:pt x="104" y="26"/>
-                      <a:pt x="104" y="26"/>
-                    </a:cubicBezTo>
-                    <a:cubicBezTo>
-                      <a:pt x="77" y="7"/>
-                      <a:pt x="77" y="7"/>
-                      <a:pt x="77" y="7"/>
-                    </a:cubicBezTo>
-                    <a:lnTo>
-                      <a:pt x="66" y="0"/>
-                    </a:lnTo>
-                    <a:close/>
-                  </a:path>
-                </a:pathLst>
-              </a:custGeom>
-              <a:grpFill/>
-              <a:ln>
-                <a:noFill/>
-              </a:ln>
-              <a:extLst>
-                <a:ext uri="{91240B29-F687-4f45-9708-019B960494DF}">
-                  <a14:hiddenLine xmlns="" xmlns:a14="http://schemas.microsoft.com/office/drawing/2010/main" w="9525">
-                    <a:solidFill>
-                      <a:srgbClr val="000000"/>
-                    </a:solidFill>
-                    <a:round/>
-                    <a:headEnd/>
-                    <a:tailEnd/>
-                  </a14:hiddenLine>
-                </a:ext>
-              </a:extLst>
-            </p:spPr>
-            <p:txBody>
-              <a:bodyPr vert="horz" wrap="square" lIns="91440" tIns="45720" rIns="91440" bIns="45720" numCol="1" anchor="t" anchorCtr="0" compatLnSpc="1">
-                <a:prstTxWarp prst="textNoShape">
-                  <a:avLst/>
-                </a:prstTxWarp>
-              </a:bodyPr>
-              <a:lstStyle/>
-              <a:p>
-                <a:endParaRPr lang="zh-CN" altLang="en-US"/>
-              </a:p>
-            </p:txBody>
-          </p:sp>
-          <p:sp>
-            <p:nvSpPr>
-              <p:cNvPr id="50" name="Rectangle 492"/>
-              <p:cNvSpPr>
-                <a:spLocks noChangeArrowheads="1"/>
-              </p:cNvSpPr>
-              <p:nvPr/>
-            </p:nvSpPr>
-            <p:spPr bwMode="auto">
-              <a:xfrm>
-                <a:off x="3237144" y="2495323"/>
-                <a:ext cx="168779" cy="15147"/>
-              </a:xfrm>
-              <a:prstGeom prst="rect">
-                <a:avLst/>
-              </a:prstGeom>
-              <a:grpFill/>
-              <a:ln>
-                <a:noFill/>
-              </a:ln>
-              <a:extLst>
-                <a:ext uri="{91240B29-F687-4f45-9708-019B960494DF}">
-                  <a14:hiddenLine xmlns="" xmlns:a14="http://schemas.microsoft.com/office/drawing/2010/main" w="9525">
-                    <a:solidFill>
-                      <a:srgbClr val="000000"/>
-                    </a:solidFill>
-                    <a:miter lim="800000"/>
-                    <a:headEnd/>
-                    <a:tailEnd/>
-                  </a14:hiddenLine>
-                </a:ext>
-              </a:extLst>
-            </p:spPr>
-            <p:txBody>
-              <a:bodyPr vert="horz" wrap="square" lIns="91440" tIns="45720" rIns="91440" bIns="45720" numCol="1" anchor="t" anchorCtr="0" compatLnSpc="1">
-                <a:prstTxWarp prst="textNoShape">
-                  <a:avLst/>
-                </a:prstTxWarp>
-              </a:bodyPr>
-              <a:lstStyle/>
-              <a:p>
-                <a:endParaRPr lang="zh-CN" altLang="en-US"/>
-              </a:p>
-            </p:txBody>
-          </p:sp>
-          <p:sp>
-            <p:nvSpPr>
-              <p:cNvPr id="51" name="Rectangle 493"/>
-              <p:cNvSpPr>
-                <a:spLocks noChangeArrowheads="1"/>
-              </p:cNvSpPr>
-              <p:nvPr/>
-            </p:nvSpPr>
-            <p:spPr bwMode="auto">
-              <a:xfrm>
-                <a:off x="3237144" y="2449161"/>
-                <a:ext cx="168779" cy="17311"/>
-              </a:xfrm>
-              <a:prstGeom prst="rect">
-                <a:avLst/>
-              </a:prstGeom>
-              <a:grpFill/>
-              <a:ln>
-                <a:noFill/>
-              </a:ln>
-              <a:extLst>
-                <a:ext uri="{91240B29-F687-4f45-9708-019B960494DF}">
-                  <a14:hiddenLine xmlns="" xmlns:a14="http://schemas.microsoft.com/office/drawing/2010/main" w="9525">
-                    <a:solidFill>
-                      <a:srgbClr val="000000"/>
-                    </a:solidFill>
-                    <a:miter lim="800000"/>
-                    <a:headEnd/>
-                    <a:tailEnd/>
-                  </a14:hiddenLine>
-                </a:ext>
-              </a:extLst>
-            </p:spPr>
-            <p:txBody>
-              <a:bodyPr vert="horz" wrap="square" lIns="91440" tIns="45720" rIns="91440" bIns="45720" numCol="1" anchor="t" anchorCtr="0" compatLnSpc="1">
-                <a:prstTxWarp prst="textNoShape">
-                  <a:avLst/>
-                </a:prstTxWarp>
-              </a:bodyPr>
-              <a:lstStyle/>
-              <a:p>
-                <a:endParaRPr lang="zh-CN" altLang="en-US"/>
-              </a:p>
-            </p:txBody>
-          </p:sp>
-          <p:sp>
-            <p:nvSpPr>
-              <p:cNvPr id="52" name="Rectangle 494"/>
-              <p:cNvSpPr>
-                <a:spLocks noChangeArrowheads="1"/>
-              </p:cNvSpPr>
-              <p:nvPr/>
-            </p:nvSpPr>
-            <p:spPr bwMode="auto">
-              <a:xfrm>
-                <a:off x="3237144" y="2403000"/>
-                <a:ext cx="168779" cy="15868"/>
-              </a:xfrm>
-              <a:prstGeom prst="rect">
-                <a:avLst/>
-              </a:prstGeom>
-              <a:grpFill/>
-              <a:ln>
-                <a:noFill/>
-              </a:ln>
-              <a:extLst>
-                <a:ext uri="{91240B29-F687-4f45-9708-019B960494DF}">
-                  <a14:hiddenLine xmlns="" xmlns:a14="http://schemas.microsoft.com/office/drawing/2010/main" w="9525">
-                    <a:solidFill>
-                      <a:srgbClr val="000000"/>
-                    </a:solidFill>
-                    <a:miter lim="800000"/>
-                    <a:headEnd/>
-                    <a:tailEnd/>
-                  </a14:hiddenLine>
-                </a:ext>
-              </a:extLst>
-            </p:spPr>
-            <p:txBody>
-              <a:bodyPr vert="horz" wrap="square" lIns="91440" tIns="45720" rIns="91440" bIns="45720" numCol="1" anchor="t" anchorCtr="0" compatLnSpc="1">
-                <a:prstTxWarp prst="textNoShape">
-                  <a:avLst/>
-                </a:prstTxWarp>
-              </a:bodyPr>
-              <a:lstStyle/>
-              <a:p>
-                <a:endParaRPr lang="zh-CN" altLang="en-US"/>
-              </a:p>
-            </p:txBody>
-          </p:sp>
-          <p:sp>
-            <p:nvSpPr>
-              <p:cNvPr id="53" name="Rectangle 495"/>
-              <p:cNvSpPr>
-                <a:spLocks noChangeArrowheads="1"/>
-              </p:cNvSpPr>
-              <p:nvPr/>
-            </p:nvSpPr>
-            <p:spPr bwMode="auto">
-              <a:xfrm>
-                <a:off x="3237144" y="2357559"/>
-                <a:ext cx="168779" cy="15147"/>
-              </a:xfrm>
-              <a:prstGeom prst="rect">
-                <a:avLst/>
-              </a:prstGeom>
-              <a:grpFill/>
-              <a:ln>
-                <a:noFill/>
-              </a:ln>
-              <a:extLst>
-                <a:ext uri="{91240B29-F687-4f45-9708-019B960494DF}">
-                  <a14:hiddenLine xmlns="" xmlns:a14="http://schemas.microsoft.com/office/drawing/2010/main" w="9525">
-                    <a:solidFill>
-                      <a:srgbClr val="000000"/>
-                    </a:solidFill>
-                    <a:miter lim="800000"/>
-                    <a:headEnd/>
-                    <a:tailEnd/>
-                  </a14:hiddenLine>
-                </a:ext>
-              </a:extLst>
-            </p:spPr>
-            <p:txBody>
-              <a:bodyPr vert="horz" wrap="square" lIns="91440" tIns="45720" rIns="91440" bIns="45720" numCol="1" anchor="t" anchorCtr="0" compatLnSpc="1">
-                <a:prstTxWarp prst="textNoShape">
-                  <a:avLst/>
-                </a:prstTxWarp>
-              </a:bodyPr>
-              <a:lstStyle/>
-              <a:p>
-                <a:endParaRPr lang="zh-CN" altLang="en-US"/>
-              </a:p>
-            </p:txBody>
-          </p:sp>
-          <p:sp>
-            <p:nvSpPr>
-              <p:cNvPr id="54" name="Freeform 496"/>
-              <p:cNvSpPr>
-                <a:spLocks/>
-              </p:cNvSpPr>
-              <p:nvPr/>
-            </p:nvSpPr>
-            <p:spPr bwMode="auto">
-              <a:xfrm>
-                <a:off x="3108756" y="2215467"/>
-                <a:ext cx="489749" cy="593613"/>
-              </a:xfrm>
-              <a:custGeom>
-                <a:avLst/>
-                <a:gdLst>
-                  <a:gd name="T0" fmla="*/ 268 w 287"/>
-                  <a:gd name="T1" fmla="*/ 303 h 348"/>
-                  <a:gd name="T2" fmla="*/ 245 w 287"/>
-                  <a:gd name="T3" fmla="*/ 331 h 348"/>
-                  <a:gd name="T4" fmla="*/ 90 w 287"/>
-                  <a:gd name="T5" fmla="*/ 331 h 348"/>
-                  <a:gd name="T6" fmla="*/ 90 w 287"/>
-                  <a:gd name="T7" fmla="*/ 281 h 348"/>
-                  <a:gd name="T8" fmla="*/ 76 w 287"/>
-                  <a:gd name="T9" fmla="*/ 263 h 348"/>
-                  <a:gd name="T10" fmla="*/ 17 w 287"/>
-                  <a:gd name="T11" fmla="*/ 263 h 348"/>
-                  <a:gd name="T12" fmla="*/ 17 w 287"/>
-                  <a:gd name="T13" fmla="*/ 59 h 348"/>
-                  <a:gd name="T14" fmla="*/ 40 w 287"/>
-                  <a:gd name="T15" fmla="*/ 27 h 348"/>
-                  <a:gd name="T16" fmla="*/ 251 w 287"/>
-                  <a:gd name="T17" fmla="*/ 27 h 348"/>
-                  <a:gd name="T18" fmla="*/ 268 w 287"/>
-                  <a:gd name="T19" fmla="*/ 52 h 348"/>
-                  <a:gd name="T20" fmla="*/ 268 w 287"/>
-                  <a:gd name="T21" fmla="*/ 104 h 348"/>
-                  <a:gd name="T22" fmla="*/ 268 w 287"/>
-                  <a:gd name="T23" fmla="*/ 104 h 348"/>
-                  <a:gd name="T24" fmla="*/ 285 w 287"/>
-                  <a:gd name="T25" fmla="*/ 83 h 348"/>
-                  <a:gd name="T26" fmla="*/ 285 w 287"/>
-                  <a:gd name="T27" fmla="*/ 45 h 348"/>
-                  <a:gd name="T28" fmla="*/ 252 w 287"/>
-                  <a:gd name="T29" fmla="*/ 8 h 348"/>
-                  <a:gd name="T30" fmla="*/ 70 w 287"/>
-                  <a:gd name="T31" fmla="*/ 8 h 348"/>
-                  <a:gd name="T32" fmla="*/ 40 w 287"/>
-                  <a:gd name="T33" fmla="*/ 8 h 348"/>
-                  <a:gd name="T34" fmla="*/ 0 w 287"/>
-                  <a:gd name="T35" fmla="*/ 44 h 348"/>
-                  <a:gd name="T36" fmla="*/ 0 w 287"/>
-                  <a:gd name="T37" fmla="*/ 294 h 348"/>
-                  <a:gd name="T38" fmla="*/ 82 w 287"/>
-                  <a:gd name="T39" fmla="*/ 346 h 348"/>
-                  <a:gd name="T40" fmla="*/ 252 w 287"/>
-                  <a:gd name="T41" fmla="*/ 346 h 348"/>
-                  <a:gd name="T42" fmla="*/ 285 w 287"/>
-                  <a:gd name="T43" fmla="*/ 321 h 348"/>
-                  <a:gd name="T44" fmla="*/ 285 w 287"/>
-                  <a:gd name="T45" fmla="*/ 228 h 348"/>
-                  <a:gd name="T46" fmla="*/ 268 w 287"/>
-                  <a:gd name="T47" fmla="*/ 238 h 348"/>
-                  <a:gd name="T48" fmla="*/ 268 w 287"/>
-                  <a:gd name="T49" fmla="*/ 303 h 348"/>
-                </a:gdLst>
-                <a:ahLst/>
-                <a:cxnLst>
-                  <a:cxn ang="0">
-                    <a:pos x="T0" y="T1"/>
-                  </a:cxn>
-                  <a:cxn ang="0">
-                    <a:pos x="T2" y="T3"/>
-                  </a:cxn>
-                  <a:cxn ang="0">
-                    <a:pos x="T4" y="T5"/>
-                  </a:cxn>
-                  <a:cxn ang="0">
-                    <a:pos x="T6" y="T7"/>
-                  </a:cxn>
-                  <a:cxn ang="0">
-                    <a:pos x="T8" y="T9"/>
-                  </a:cxn>
-                  <a:cxn ang="0">
-                    <a:pos x="T10" y="T11"/>
-                  </a:cxn>
-                  <a:cxn ang="0">
-                    <a:pos x="T12" y="T13"/>
-                  </a:cxn>
-                  <a:cxn ang="0">
-                    <a:pos x="T14" y="T15"/>
-                  </a:cxn>
-                  <a:cxn ang="0">
-                    <a:pos x="T16" y="T17"/>
-                  </a:cxn>
-                  <a:cxn ang="0">
-                    <a:pos x="T18" y="T19"/>
-                  </a:cxn>
-                  <a:cxn ang="0">
-                    <a:pos x="T20" y="T21"/>
-                  </a:cxn>
-                  <a:cxn ang="0">
-                    <a:pos x="T22" y="T23"/>
-                  </a:cxn>
-                  <a:cxn ang="0">
-                    <a:pos x="T24" y="T25"/>
-                  </a:cxn>
-                  <a:cxn ang="0">
-                    <a:pos x="T26" y="T27"/>
-                  </a:cxn>
-                  <a:cxn ang="0">
-                    <a:pos x="T28" y="T29"/>
-                  </a:cxn>
-                  <a:cxn ang="0">
-                    <a:pos x="T30" y="T31"/>
-                  </a:cxn>
-                  <a:cxn ang="0">
-                    <a:pos x="T32" y="T33"/>
-                  </a:cxn>
-                  <a:cxn ang="0">
-                    <a:pos x="T34" y="T35"/>
-                  </a:cxn>
-                  <a:cxn ang="0">
-                    <a:pos x="T36" y="T37"/>
-                  </a:cxn>
-                  <a:cxn ang="0">
-                    <a:pos x="T38" y="T39"/>
-                  </a:cxn>
-                  <a:cxn ang="0">
-                    <a:pos x="T40" y="T41"/>
-                  </a:cxn>
-                  <a:cxn ang="0">
-                    <a:pos x="T42" y="T43"/>
-                  </a:cxn>
-                  <a:cxn ang="0">
-                    <a:pos x="T44" y="T45"/>
-                  </a:cxn>
-                  <a:cxn ang="0">
-                    <a:pos x="T46" y="T47"/>
-                  </a:cxn>
-                  <a:cxn ang="0">
-                    <a:pos x="T48" y="T49"/>
-                  </a:cxn>
-                </a:cxnLst>
-                <a:rect l="0" t="0" r="r" b="b"/>
-                <a:pathLst>
-                  <a:path w="287" h="348">
-                    <a:moveTo>
-                      <a:pt x="268" y="303"/>
-                    </a:moveTo>
-                    <a:cubicBezTo>
-                      <a:pt x="268" y="303"/>
-                      <a:pt x="272" y="331"/>
-                      <a:pt x="245" y="331"/>
-                    </a:cubicBezTo>
-                    <a:cubicBezTo>
-                      <a:pt x="217" y="331"/>
-                      <a:pt x="90" y="331"/>
-                      <a:pt x="90" y="331"/>
-                    </a:cubicBezTo>
-                    <a:cubicBezTo>
-                      <a:pt x="90" y="281"/>
-                      <a:pt x="90" y="281"/>
-                      <a:pt x="90" y="281"/>
-                    </a:cubicBezTo>
-                    <a:cubicBezTo>
-                      <a:pt x="90" y="281"/>
-                      <a:pt x="91" y="263"/>
-                      <a:pt x="76" y="263"/>
-                    </a:cubicBezTo>
-                    <a:cubicBezTo>
-                      <a:pt x="60" y="263"/>
-                      <a:pt x="17" y="263"/>
-                      <a:pt x="17" y="263"/>
-                    </a:cubicBezTo>
-                    <a:cubicBezTo>
-                      <a:pt x="17" y="59"/>
-                      <a:pt x="17" y="59"/>
-                      <a:pt x="17" y="59"/>
-                    </a:cubicBezTo>
-                    <a:cubicBezTo>
-                      <a:pt x="17" y="59"/>
-                      <a:pt x="13" y="27"/>
-                      <a:pt x="40" y="27"/>
-                    </a:cubicBezTo>
-                    <a:cubicBezTo>
-                      <a:pt x="251" y="27"/>
-                      <a:pt x="251" y="27"/>
-                      <a:pt x="251" y="27"/>
-                    </a:cubicBezTo>
-                    <a:cubicBezTo>
-                      <a:pt x="251" y="27"/>
-                      <a:pt x="268" y="30"/>
-                      <a:pt x="268" y="52"/>
-                    </a:cubicBezTo>
-                    <a:cubicBezTo>
-                      <a:pt x="268" y="57"/>
-                      <a:pt x="268" y="77"/>
-                      <a:pt x="268" y="104"/>
-                    </a:cubicBezTo>
-                    <a:cubicBezTo>
-                      <a:pt x="268" y="104"/>
-                      <a:pt x="268" y="104"/>
-                      <a:pt x="268" y="104"/>
-                    </a:cubicBezTo>
-                    <a:cubicBezTo>
-                      <a:pt x="285" y="83"/>
-                      <a:pt x="285" y="83"/>
-                      <a:pt x="285" y="83"/>
-                    </a:cubicBezTo>
-                    <a:cubicBezTo>
-                      <a:pt x="285" y="60"/>
-                      <a:pt x="285" y="45"/>
-                      <a:pt x="285" y="45"/>
-                    </a:cubicBezTo>
-                    <a:cubicBezTo>
-                      <a:pt x="285" y="45"/>
-                      <a:pt x="287" y="8"/>
-                      <a:pt x="252" y="8"/>
-                    </a:cubicBezTo>
-                    <a:cubicBezTo>
-                      <a:pt x="70" y="8"/>
-                      <a:pt x="70" y="8"/>
-                      <a:pt x="70" y="8"/>
-                    </a:cubicBezTo>
-                    <a:cubicBezTo>
-                      <a:pt x="40" y="8"/>
-                      <a:pt x="40" y="8"/>
-                      <a:pt x="40" y="8"/>
-                    </a:cubicBezTo>
-                    <a:cubicBezTo>
-                      <a:pt x="40" y="8"/>
-                      <a:pt x="0" y="0"/>
-                      <a:pt x="0" y="44"/>
-                    </a:cubicBezTo>
-                    <a:cubicBezTo>
-                      <a:pt x="0" y="87"/>
-                      <a:pt x="0" y="294"/>
-                      <a:pt x="0" y="294"/>
-                    </a:cubicBezTo>
-                    <a:cubicBezTo>
-                      <a:pt x="82" y="346"/>
-                      <a:pt x="82" y="346"/>
-                      <a:pt x="82" y="346"/>
-                    </a:cubicBezTo>
-                    <a:cubicBezTo>
-                      <a:pt x="252" y="346"/>
-                      <a:pt x="252" y="346"/>
-                      <a:pt x="252" y="346"/>
-                    </a:cubicBezTo>
-                    <a:cubicBezTo>
-                      <a:pt x="252" y="346"/>
-                      <a:pt x="285" y="348"/>
-                      <a:pt x="285" y="321"/>
-                    </a:cubicBezTo>
-                    <a:cubicBezTo>
-                      <a:pt x="285" y="312"/>
-                      <a:pt x="285" y="274"/>
-                      <a:pt x="285" y="228"/>
-                    </a:cubicBezTo>
-                    <a:cubicBezTo>
-                      <a:pt x="268" y="238"/>
-                      <a:pt x="268" y="238"/>
-                      <a:pt x="268" y="238"/>
-                    </a:cubicBezTo>
-                    <a:cubicBezTo>
-                      <a:pt x="268" y="275"/>
-                      <a:pt x="268" y="303"/>
-                      <a:pt x="268" y="303"/>
-                    </a:cubicBezTo>
-                    <a:close/>
-                  </a:path>
-                </a:pathLst>
-              </a:custGeom>
-              <a:grpFill/>
-              <a:ln>
-                <a:noFill/>
-              </a:ln>
-              <a:extLst>
-                <a:ext uri="{91240B29-F687-4f45-9708-019B960494DF}">
-                  <a14:hiddenLine xmlns="" xmlns:a14="http://schemas.microsoft.com/office/drawing/2010/main" w="9525">
-                    <a:solidFill>
-                      <a:srgbClr val="000000"/>
-                    </a:solidFill>
-                    <a:round/>
-                    <a:headEnd/>
-                    <a:tailEnd/>
-                  </a14:hiddenLine>
-                </a:ext>
-              </a:extLst>
-            </p:spPr>
-            <p:txBody>
-              <a:bodyPr vert="horz" wrap="square" lIns="91440" tIns="45720" rIns="91440" bIns="45720" numCol="1" anchor="t" anchorCtr="0" compatLnSpc="1">
-                <a:prstTxWarp prst="textNoShape">
-                  <a:avLst/>
-                </a:prstTxWarp>
-              </a:bodyPr>
-              <a:lstStyle/>
-              <a:p>
-                <a:endParaRPr lang="zh-CN" altLang="en-US"/>
-              </a:p>
-            </p:txBody>
-          </p:sp>
-        </p:grpSp>
-      </p:grpSp>
       <p:grpSp>
         <p:nvGrpSpPr>
           <p:cNvPr id="13" name="组合 12"/>
@@ -28224,6 +27084,5340 @@
 </p:sld>
 </file>
 
+<file path=ppt/slides/slide7.xml><?xml version="1.0" encoding="utf-8"?>
+<p:sld xmlns:a="http://schemas.openxmlformats.org/drawingml/2006/main" xmlns:r="http://schemas.openxmlformats.org/officeDocument/2006/relationships" xmlns:p="http://schemas.openxmlformats.org/presentationml/2006/main">
+  <p:cSld>
+    <p:spTree>
+      <p:nvGrpSpPr>
+        <p:cNvPr id="1" name=""/>
+        <p:cNvGrpSpPr/>
+        <p:nvPr/>
+      </p:nvGrpSpPr>
+      <p:grpSpPr>
+        <a:xfrm>
+          <a:off x="0" y="0"/>
+          <a:ext cx="0" cy="0"/>
+          <a:chOff x="0" y="0"/>
+          <a:chExt cx="0" cy="0"/>
+        </a:xfrm>
+      </p:grpSpPr>
+      <p:sp>
+        <p:nvSpPr>
+          <p:cNvPr id="2" name="文本占位符 1"/>
+          <p:cNvSpPr>
+            <a:spLocks noGrp="1"/>
+          </p:cNvSpPr>
+          <p:nvPr>
+            <p:ph type="body" sz="quarter" idx="10"/>
+          </p:nvPr>
+        </p:nvSpPr>
+        <p:spPr>
+          <a:xfrm>
+            <a:off x="1059493" y="1553130"/>
+            <a:ext cx="3944307" cy="741839"/>
+          </a:xfrm>
+        </p:spPr>
+        <p:txBody>
+          <a:bodyPr/>
+          <a:lstStyle/>
+          <a:p>
+            <a:r>
+              <a:rPr lang="en-US" altLang="zh-CN" sz="2400" dirty="0" smtClean="0"/>
+              <a:t>PART 02: </a:t>
+            </a:r>
+            <a:r>
+              <a:rPr lang="zh-CN" altLang="en-US" sz="2400" dirty="0" smtClean="0"/>
+              <a:t>课题实现过程</a:t>
+            </a:r>
+            <a:endParaRPr lang="zh-CN" altLang="en-US" sz="2400" dirty="0"/>
+          </a:p>
+        </p:txBody>
+      </p:sp>
+      <p:sp>
+        <p:nvSpPr>
+          <p:cNvPr id="3" name="文本占位符 2"/>
+          <p:cNvSpPr>
+            <a:spLocks noGrp="1"/>
+          </p:cNvSpPr>
+          <p:nvPr>
+            <p:ph type="body" sz="quarter" idx="13"/>
+          </p:nvPr>
+        </p:nvSpPr>
+        <p:spPr>
+          <a:xfrm>
+            <a:off x="4900672" y="1456877"/>
+            <a:ext cx="3876675" cy="2132479"/>
+          </a:xfrm>
+        </p:spPr>
+        <p:txBody>
+          <a:bodyPr/>
+          <a:lstStyle/>
+          <a:p>
+            <a:r>
+              <a:rPr lang="zh-CN" altLang="en-US" sz="1800" dirty="0" smtClean="0"/>
+              <a:t>课题设计</a:t>
+            </a:r>
+            <a:r>
+              <a:rPr lang="zh-CN" altLang="en-US" sz="1800" dirty="0"/>
+              <a:t>思路</a:t>
+            </a:r>
+            <a:endParaRPr lang="en-US" altLang="zh-CN" sz="1800" dirty="0" smtClean="0"/>
+          </a:p>
+          <a:p>
+            <a:r>
+              <a:rPr lang="zh-CN" altLang="en-US" sz="1800" dirty="0" smtClean="0"/>
+              <a:t>课题具体实现</a:t>
+            </a:r>
+            <a:endParaRPr lang="en-US" altLang="zh-CN" sz="1800" dirty="0" smtClean="0"/>
+          </a:p>
+        </p:txBody>
+      </p:sp>
+    </p:spTree>
+    <p:extLst>
+      <p:ext uri="{BB962C8B-B14F-4D97-AF65-F5344CB8AC3E}">
+        <p14:creationId xmlns:p14="http://schemas.microsoft.com/office/powerpoint/2010/main" val="4224759385"/>
+      </p:ext>
+    </p:extLst>
+  </p:cSld>
+  <p:clrMapOvr>
+    <a:masterClrMapping/>
+  </p:clrMapOvr>
+</p:sld>
+</file>
+
+<file path=ppt/slides/slide8.xml><?xml version="1.0" encoding="utf-8"?>
+<p:sld xmlns:a="http://schemas.openxmlformats.org/drawingml/2006/main" xmlns:r="http://schemas.openxmlformats.org/officeDocument/2006/relationships" xmlns:p="http://schemas.openxmlformats.org/presentationml/2006/main">
+  <p:cSld>
+    <p:spTree>
+      <p:nvGrpSpPr>
+        <p:cNvPr id="1" name=""/>
+        <p:cNvGrpSpPr/>
+        <p:nvPr/>
+      </p:nvGrpSpPr>
+      <p:grpSpPr>
+        <a:xfrm>
+          <a:off x="0" y="0"/>
+          <a:ext cx="0" cy="0"/>
+          <a:chOff x="0" y="0"/>
+          <a:chExt cx="0" cy="0"/>
+        </a:xfrm>
+      </p:grpSpPr>
+      <p:grpSp>
+        <p:nvGrpSpPr>
+          <p:cNvPr id="5" name="组合 4"/>
+          <p:cNvGrpSpPr/>
+          <p:nvPr/>
+        </p:nvGrpSpPr>
+        <p:grpSpPr>
+          <a:xfrm>
+            <a:off x="2348828" y="879682"/>
+            <a:ext cx="4296717" cy="3371848"/>
+            <a:chOff x="2010444" y="709936"/>
+            <a:chExt cx="7426794" cy="5772129"/>
+          </a:xfrm>
+        </p:grpSpPr>
+        <p:grpSp>
+          <p:nvGrpSpPr>
+            <p:cNvPr id="6" name="组合 5"/>
+            <p:cNvGrpSpPr/>
+            <p:nvPr/>
+          </p:nvGrpSpPr>
+          <p:grpSpPr>
+            <a:xfrm>
+              <a:off x="2010444" y="1197604"/>
+              <a:ext cx="7426794" cy="5284461"/>
+              <a:chOff x="2010444" y="1197604"/>
+              <a:chExt cx="7426794" cy="5284461"/>
+            </a:xfrm>
+          </p:grpSpPr>
+          <p:grpSp>
+            <p:nvGrpSpPr>
+              <p:cNvPr id="8" name="组合 7"/>
+              <p:cNvGrpSpPr/>
+              <p:nvPr/>
+            </p:nvGrpSpPr>
+            <p:grpSpPr>
+              <a:xfrm>
+                <a:off x="2307237" y="4420708"/>
+                <a:ext cx="1840512" cy="1628561"/>
+                <a:chOff x="2795121" y="2838380"/>
+                <a:chExt cx="1128251" cy="998323"/>
+              </a:xfrm>
+            </p:grpSpPr>
+            <p:sp>
+              <p:nvSpPr>
+                <p:cNvPr id="33" name="Freeform 9"/>
+                <p:cNvSpPr>
+                  <a:spLocks/>
+                </p:cNvSpPr>
+                <p:nvPr/>
+              </p:nvSpPr>
+              <p:spPr bwMode="auto">
+                <a:xfrm>
+                  <a:off x="2795121" y="2838380"/>
+                  <a:ext cx="1128251" cy="998323"/>
+                </a:xfrm>
+                <a:custGeom>
+                  <a:avLst/>
+                  <a:gdLst>
+                    <a:gd name="T0" fmla="*/ 253 w 357"/>
+                    <a:gd name="T1" fmla="*/ 0 h 316"/>
+                    <a:gd name="T2" fmla="*/ 104 w 357"/>
+                    <a:gd name="T3" fmla="*/ 0 h 316"/>
+                    <a:gd name="T4" fmla="*/ 79 w 357"/>
+                    <a:gd name="T5" fmla="*/ 15 h 316"/>
+                    <a:gd name="T6" fmla="*/ 5 w 357"/>
+                    <a:gd name="T7" fmla="*/ 144 h 316"/>
+                    <a:gd name="T8" fmla="*/ 5 w 357"/>
+                    <a:gd name="T9" fmla="*/ 173 h 316"/>
+                    <a:gd name="T10" fmla="*/ 79 w 357"/>
+                    <a:gd name="T11" fmla="*/ 302 h 316"/>
+                    <a:gd name="T12" fmla="*/ 104 w 357"/>
+                    <a:gd name="T13" fmla="*/ 316 h 316"/>
+                    <a:gd name="T14" fmla="*/ 253 w 357"/>
+                    <a:gd name="T15" fmla="*/ 316 h 316"/>
+                    <a:gd name="T16" fmla="*/ 278 w 357"/>
+                    <a:gd name="T17" fmla="*/ 302 h 316"/>
+                    <a:gd name="T18" fmla="*/ 353 w 357"/>
+                    <a:gd name="T19" fmla="*/ 173 h 316"/>
+                    <a:gd name="T20" fmla="*/ 353 w 357"/>
+                    <a:gd name="T21" fmla="*/ 144 h 316"/>
+                    <a:gd name="T22" fmla="*/ 278 w 357"/>
+                    <a:gd name="T23" fmla="*/ 15 h 316"/>
+                    <a:gd name="T24" fmla="*/ 253 w 357"/>
+                    <a:gd name="T25" fmla="*/ 0 h 316"/>
+                  </a:gdLst>
+                  <a:ahLst/>
+                  <a:cxnLst>
+                    <a:cxn ang="0">
+                      <a:pos x="T0" y="T1"/>
+                    </a:cxn>
+                    <a:cxn ang="0">
+                      <a:pos x="T2" y="T3"/>
+                    </a:cxn>
+                    <a:cxn ang="0">
+                      <a:pos x="T4" y="T5"/>
+                    </a:cxn>
+                    <a:cxn ang="0">
+                      <a:pos x="T6" y="T7"/>
+                    </a:cxn>
+                    <a:cxn ang="0">
+                      <a:pos x="T8" y="T9"/>
+                    </a:cxn>
+                    <a:cxn ang="0">
+                      <a:pos x="T10" y="T11"/>
+                    </a:cxn>
+                    <a:cxn ang="0">
+                      <a:pos x="T12" y="T13"/>
+                    </a:cxn>
+                    <a:cxn ang="0">
+                      <a:pos x="T14" y="T15"/>
+                    </a:cxn>
+                    <a:cxn ang="0">
+                      <a:pos x="T16" y="T17"/>
+                    </a:cxn>
+                    <a:cxn ang="0">
+                      <a:pos x="T18" y="T19"/>
+                    </a:cxn>
+                    <a:cxn ang="0">
+                      <a:pos x="T20" y="T21"/>
+                    </a:cxn>
+                    <a:cxn ang="0">
+                      <a:pos x="T22" y="T23"/>
+                    </a:cxn>
+                    <a:cxn ang="0">
+                      <a:pos x="T24" y="T25"/>
+                    </a:cxn>
+                  </a:cxnLst>
+                  <a:rect l="0" t="0" r="r" b="b"/>
+                  <a:pathLst>
+                    <a:path w="357" h="316">
+                      <a:moveTo>
+                        <a:pt x="253" y="0"/>
+                      </a:moveTo>
+                      <a:cubicBezTo>
+                        <a:pt x="104" y="0"/>
+                        <a:pt x="104" y="0"/>
+                        <a:pt x="104" y="0"/>
+                      </a:cubicBezTo>
+                      <a:cubicBezTo>
+                        <a:pt x="95" y="0"/>
+                        <a:pt x="84" y="7"/>
+                        <a:pt x="79" y="15"/>
+                      </a:cubicBezTo>
+                      <a:cubicBezTo>
+                        <a:pt x="5" y="144"/>
+                        <a:pt x="5" y="144"/>
+                        <a:pt x="5" y="144"/>
+                      </a:cubicBezTo>
+                      <a:cubicBezTo>
+                        <a:pt x="0" y="152"/>
+                        <a:pt x="0" y="165"/>
+                        <a:pt x="5" y="173"/>
+                      </a:cubicBezTo>
+                      <a:cubicBezTo>
+                        <a:pt x="79" y="302"/>
+                        <a:pt x="79" y="302"/>
+                        <a:pt x="79" y="302"/>
+                      </a:cubicBezTo>
+                      <a:cubicBezTo>
+                        <a:pt x="84" y="310"/>
+                        <a:pt x="95" y="316"/>
+                        <a:pt x="104" y="316"/>
+                      </a:cubicBezTo>
+                      <a:cubicBezTo>
+                        <a:pt x="253" y="316"/>
+                        <a:pt x="253" y="316"/>
+                        <a:pt x="253" y="316"/>
+                      </a:cubicBezTo>
+                      <a:cubicBezTo>
+                        <a:pt x="263" y="316"/>
+                        <a:pt x="274" y="310"/>
+                        <a:pt x="278" y="302"/>
+                      </a:cubicBezTo>
+                      <a:cubicBezTo>
+                        <a:pt x="353" y="173"/>
+                        <a:pt x="353" y="173"/>
+                        <a:pt x="353" y="173"/>
+                      </a:cubicBezTo>
+                      <a:cubicBezTo>
+                        <a:pt x="357" y="165"/>
+                        <a:pt x="357" y="152"/>
+                        <a:pt x="353" y="144"/>
+                      </a:cubicBezTo>
+                      <a:cubicBezTo>
+                        <a:pt x="278" y="15"/>
+                        <a:pt x="278" y="15"/>
+                        <a:pt x="278" y="15"/>
+                      </a:cubicBezTo>
+                      <a:cubicBezTo>
+                        <a:pt x="274" y="7"/>
+                        <a:pt x="263" y="0"/>
+                        <a:pt x="253" y="0"/>
+                      </a:cubicBezTo>
+                    </a:path>
+                  </a:pathLst>
+                </a:custGeom>
+                <a:gradFill rotWithShape="1">
+                  <a:gsLst>
+                    <a:gs pos="93000">
+                      <a:srgbClr val="ECECEC"/>
+                    </a:gs>
+                    <a:gs pos="60000">
+                      <a:srgbClr val="F9F9F9"/>
+                    </a:gs>
+                    <a:gs pos="0">
+                      <a:srgbClr val="DBDBDB"/>
+                    </a:gs>
+                  </a:gsLst>
+                  <a:lin ang="7800000" scaled="0"/>
+                </a:gradFill>
+                <a:ln w="28575">
+                  <a:gradFill>
+                    <a:gsLst>
+                      <a:gs pos="0">
+                        <a:schemeClr val="bg1"/>
+                      </a:gs>
+                      <a:gs pos="100000">
+                        <a:schemeClr val="bg1">
+                          <a:lumMod val="85000"/>
+                        </a:schemeClr>
+                      </a:gs>
+                    </a:gsLst>
+                    <a:lin ang="7800000" scaled="0"/>
+                  </a:gradFill>
+                </a:ln>
+                <a:effectLst>
+                  <a:outerShdw blurRad="203200" dist="127000" dir="3600000" sx="102000" sy="102000" algn="ctr" rotWithShape="0">
+                    <a:schemeClr val="tx1">
+                      <a:lumMod val="90000"/>
+                      <a:lumOff val="10000"/>
+                      <a:alpha val="40000"/>
+                    </a:schemeClr>
+                  </a:outerShdw>
+                </a:effectLst>
+              </p:spPr>
+              <p:txBody>
+                <a:bodyPr wrap="none" anchor="ctr"/>
+                <a:lstStyle/>
+                <a:p>
+                  <a:pPr latinLnBrk="1"/>
+                  <a:endParaRPr kumimoji="1" lang="zh-CN" altLang="en-US" sz="2400">
+                    <a:solidFill>
+                      <a:srgbClr val="000000"/>
+                    </a:solidFill>
+                    <a:latin typeface="굴림" charset="-127"/>
+                    <a:ea typeface="굴림" charset="-127"/>
+                  </a:endParaRPr>
+                </a:p>
+              </p:txBody>
+            </p:sp>
+            <p:sp>
+              <p:nvSpPr>
+                <p:cNvPr id="34" name="Freeform 9"/>
+                <p:cNvSpPr>
+                  <a:spLocks/>
+                </p:cNvSpPr>
+                <p:nvPr/>
+              </p:nvSpPr>
+              <p:spPr bwMode="auto">
+                <a:xfrm>
+                  <a:off x="2928007" y="2955963"/>
+                  <a:ext cx="862479" cy="763157"/>
+                </a:xfrm>
+                <a:custGeom>
+                  <a:avLst/>
+                  <a:gdLst>
+                    <a:gd name="T0" fmla="*/ 253 w 357"/>
+                    <a:gd name="T1" fmla="*/ 0 h 316"/>
+                    <a:gd name="T2" fmla="*/ 104 w 357"/>
+                    <a:gd name="T3" fmla="*/ 0 h 316"/>
+                    <a:gd name="T4" fmla="*/ 79 w 357"/>
+                    <a:gd name="T5" fmla="*/ 15 h 316"/>
+                    <a:gd name="T6" fmla="*/ 5 w 357"/>
+                    <a:gd name="T7" fmla="*/ 144 h 316"/>
+                    <a:gd name="T8" fmla="*/ 5 w 357"/>
+                    <a:gd name="T9" fmla="*/ 173 h 316"/>
+                    <a:gd name="T10" fmla="*/ 79 w 357"/>
+                    <a:gd name="T11" fmla="*/ 302 h 316"/>
+                    <a:gd name="T12" fmla="*/ 104 w 357"/>
+                    <a:gd name="T13" fmla="*/ 316 h 316"/>
+                    <a:gd name="T14" fmla="*/ 253 w 357"/>
+                    <a:gd name="T15" fmla="*/ 316 h 316"/>
+                    <a:gd name="T16" fmla="*/ 278 w 357"/>
+                    <a:gd name="T17" fmla="*/ 302 h 316"/>
+                    <a:gd name="T18" fmla="*/ 353 w 357"/>
+                    <a:gd name="T19" fmla="*/ 173 h 316"/>
+                    <a:gd name="T20" fmla="*/ 353 w 357"/>
+                    <a:gd name="T21" fmla="*/ 144 h 316"/>
+                    <a:gd name="T22" fmla="*/ 278 w 357"/>
+                    <a:gd name="T23" fmla="*/ 15 h 316"/>
+                    <a:gd name="T24" fmla="*/ 253 w 357"/>
+                    <a:gd name="T25" fmla="*/ 0 h 316"/>
+                  </a:gdLst>
+                  <a:ahLst/>
+                  <a:cxnLst>
+                    <a:cxn ang="0">
+                      <a:pos x="T0" y="T1"/>
+                    </a:cxn>
+                    <a:cxn ang="0">
+                      <a:pos x="T2" y="T3"/>
+                    </a:cxn>
+                    <a:cxn ang="0">
+                      <a:pos x="T4" y="T5"/>
+                    </a:cxn>
+                    <a:cxn ang="0">
+                      <a:pos x="T6" y="T7"/>
+                    </a:cxn>
+                    <a:cxn ang="0">
+                      <a:pos x="T8" y="T9"/>
+                    </a:cxn>
+                    <a:cxn ang="0">
+                      <a:pos x="T10" y="T11"/>
+                    </a:cxn>
+                    <a:cxn ang="0">
+                      <a:pos x="T12" y="T13"/>
+                    </a:cxn>
+                    <a:cxn ang="0">
+                      <a:pos x="T14" y="T15"/>
+                    </a:cxn>
+                    <a:cxn ang="0">
+                      <a:pos x="T16" y="T17"/>
+                    </a:cxn>
+                    <a:cxn ang="0">
+                      <a:pos x="T18" y="T19"/>
+                    </a:cxn>
+                    <a:cxn ang="0">
+                      <a:pos x="T20" y="T21"/>
+                    </a:cxn>
+                    <a:cxn ang="0">
+                      <a:pos x="T22" y="T23"/>
+                    </a:cxn>
+                    <a:cxn ang="0">
+                      <a:pos x="T24" y="T25"/>
+                    </a:cxn>
+                  </a:cxnLst>
+                  <a:rect l="0" t="0" r="r" b="b"/>
+                  <a:pathLst>
+                    <a:path w="357" h="316">
+                      <a:moveTo>
+                        <a:pt x="253" y="0"/>
+                      </a:moveTo>
+                      <a:cubicBezTo>
+                        <a:pt x="104" y="0"/>
+                        <a:pt x="104" y="0"/>
+                        <a:pt x="104" y="0"/>
+                      </a:cubicBezTo>
+                      <a:cubicBezTo>
+                        <a:pt x="95" y="0"/>
+                        <a:pt x="84" y="7"/>
+                        <a:pt x="79" y="15"/>
+                      </a:cubicBezTo>
+                      <a:cubicBezTo>
+                        <a:pt x="5" y="144"/>
+                        <a:pt x="5" y="144"/>
+                        <a:pt x="5" y="144"/>
+                      </a:cubicBezTo>
+                      <a:cubicBezTo>
+                        <a:pt x="0" y="152"/>
+                        <a:pt x="0" y="165"/>
+                        <a:pt x="5" y="173"/>
+                      </a:cubicBezTo>
+                      <a:cubicBezTo>
+                        <a:pt x="79" y="302"/>
+                        <a:pt x="79" y="302"/>
+                        <a:pt x="79" y="302"/>
+                      </a:cubicBezTo>
+                      <a:cubicBezTo>
+                        <a:pt x="84" y="310"/>
+                        <a:pt x="95" y="316"/>
+                        <a:pt x="104" y="316"/>
+                      </a:cubicBezTo>
+                      <a:cubicBezTo>
+                        <a:pt x="253" y="316"/>
+                        <a:pt x="253" y="316"/>
+                        <a:pt x="253" y="316"/>
+                      </a:cubicBezTo>
+                      <a:cubicBezTo>
+                        <a:pt x="263" y="316"/>
+                        <a:pt x="274" y="310"/>
+                        <a:pt x="278" y="302"/>
+                      </a:cubicBezTo>
+                      <a:cubicBezTo>
+                        <a:pt x="353" y="173"/>
+                        <a:pt x="353" y="173"/>
+                        <a:pt x="353" y="173"/>
+                      </a:cubicBezTo>
+                      <a:cubicBezTo>
+                        <a:pt x="357" y="165"/>
+                        <a:pt x="357" y="152"/>
+                        <a:pt x="353" y="144"/>
+                      </a:cubicBezTo>
+                      <a:cubicBezTo>
+                        <a:pt x="278" y="15"/>
+                        <a:pt x="278" y="15"/>
+                        <a:pt x="278" y="15"/>
+                      </a:cubicBezTo>
+                      <a:cubicBezTo>
+                        <a:pt x="274" y="7"/>
+                        <a:pt x="263" y="0"/>
+                        <a:pt x="253" y="0"/>
+                      </a:cubicBezTo>
+                    </a:path>
+                  </a:pathLst>
+                </a:custGeom>
+                <a:solidFill>
+                  <a:srgbClr val="4ACBD6"/>
+                </a:solidFill>
+                <a:ln w="28575">
+                  <a:gradFill>
+                    <a:gsLst>
+                      <a:gs pos="0">
+                        <a:schemeClr val="bg1"/>
+                      </a:gs>
+                      <a:gs pos="100000">
+                        <a:schemeClr val="bg1">
+                          <a:lumMod val="85000"/>
+                        </a:schemeClr>
+                      </a:gs>
+                    </a:gsLst>
+                    <a:lin ang="4200000" scaled="0"/>
+                  </a:gradFill>
+                </a:ln>
+                <a:effectLst>
+                  <a:outerShdw blurRad="203200" dist="127000" dir="3600000" sx="102000" sy="102000" algn="ctr" rotWithShape="0">
+                    <a:schemeClr val="tx1">
+                      <a:lumMod val="90000"/>
+                      <a:lumOff val="10000"/>
+                      <a:alpha val="40000"/>
+                    </a:schemeClr>
+                  </a:outerShdw>
+                </a:effectLst>
+              </p:spPr>
+              <p:txBody>
+                <a:bodyPr wrap="none" anchor="ctr"/>
+                <a:lstStyle/>
+                <a:p>
+                  <a:pPr latinLnBrk="1"/>
+                  <a:endParaRPr kumimoji="1" lang="zh-CN" altLang="en-US" sz="2400">
+                    <a:solidFill>
+                      <a:srgbClr val="000000"/>
+                    </a:solidFill>
+                    <a:latin typeface="굴림" charset="-127"/>
+                    <a:ea typeface="굴림" charset="-127"/>
+                  </a:endParaRPr>
+                </a:p>
+              </p:txBody>
+            </p:sp>
+          </p:grpSp>
+          <p:sp>
+            <p:nvSpPr>
+              <p:cNvPr id="9" name="文本框 8"/>
+              <p:cNvSpPr txBox="1"/>
+              <p:nvPr/>
+            </p:nvSpPr>
+            <p:spPr>
+              <a:xfrm>
+                <a:off x="2531757" y="4975739"/>
+                <a:ext cx="1391476" cy="579557"/>
+              </a:xfrm>
+              <a:prstGeom prst="rect">
+                <a:avLst/>
+              </a:prstGeom>
+              <a:noFill/>
+            </p:spPr>
+            <p:txBody>
+              <a:bodyPr wrap="none" rtlCol="0">
+                <a:spAutoFit/>
+              </a:bodyPr>
+              <a:lstStyle/>
+              <a:p>
+                <a:pPr algn="ctr"/>
+                <a:r>
+                  <a:rPr lang="zh-CN" altLang="en-US" sz="1600" b="1" dirty="0">
+                    <a:solidFill>
+                      <a:schemeClr val="bg1"/>
+                    </a:solidFill>
+                  </a:rPr>
+                  <a:t>第一步</a:t>
+                </a:r>
+                <a:endParaRPr lang="zh-CN" altLang="en-US" sz="1600" b="1" dirty="0">
+                  <a:solidFill>
+                    <a:schemeClr val="bg1"/>
+                  </a:solidFill>
+                </a:endParaRPr>
+              </a:p>
+            </p:txBody>
+          </p:sp>
+          <p:sp>
+            <p:nvSpPr>
+              <p:cNvPr id="10" name="矩形 47"/>
+              <p:cNvSpPr>
+                <a:spLocks noChangeArrowheads="1"/>
+              </p:cNvSpPr>
+              <p:nvPr/>
+            </p:nvSpPr>
+            <p:spPr bwMode="auto">
+              <a:xfrm>
+                <a:off x="4185698" y="5975552"/>
+                <a:ext cx="3547661" cy="505240"/>
+              </a:xfrm>
+              <a:prstGeom prst="rect">
+                <a:avLst/>
+              </a:prstGeom>
+              <a:noFill/>
+              <a:ln>
+                <a:noFill/>
+              </a:ln>
+              <a:extLst>
+                <a:ext uri="{909E8E84-426E-40DD-AFC4-6F175D3DCCD1}">
+                  <a14:hiddenFill xmlns:a14="http://schemas.microsoft.com/office/drawing/2010/main">
+                    <a:solidFill>
+                      <a:srgbClr val="FFFFFF"/>
+                    </a:solidFill>
+                  </a14:hiddenFill>
+                </a:ext>
+                <a:ext uri="{91240B29-F687-4F45-9708-019B960494DF}">
+                  <a14:hiddenLine xmlns:a14="http://schemas.microsoft.com/office/drawing/2010/main" w="9525">
+                    <a:solidFill>
+                      <a:srgbClr val="000000"/>
+                    </a:solidFill>
+                    <a:miter lim="800000"/>
+                    <a:headEnd/>
+                    <a:tailEnd/>
+                  </a14:hiddenLine>
+                </a:ext>
+              </a:extLst>
+            </p:spPr>
+            <p:txBody>
+              <a:bodyPr wrap="square" lIns="91434" tIns="45718" rIns="91434" bIns="45718">
+                <a:spAutoFit/>
+              </a:bodyPr>
+              <a:lstStyle/>
+              <a:p>
+                <a:pPr algn="just">
+                  <a:lnSpc>
+                    <a:spcPct val="120000"/>
+                  </a:lnSpc>
+                  <a:spcBef>
+                    <a:spcPct val="0"/>
+                  </a:spcBef>
+                </a:pPr>
+                <a:r>
+                  <a:rPr lang="zh-CN" altLang="en-US" sz="1200" dirty="0">
+                    <a:solidFill>
+                      <a:schemeClr val="tx1">
+                        <a:lumMod val="75000"/>
+                        <a:lumOff val="25000"/>
+                      </a:schemeClr>
+                    </a:solidFill>
+                    <a:uFill>
+                      <a:solidFill>
+                        <a:srgbClr val="808080"/>
+                      </a:solidFill>
+                    </a:uFill>
+                    <a:latin typeface="微软雅黑" panose="020B0503020204020204" pitchFamily="34" charset="-122"/>
+                    <a:ea typeface="微软雅黑" panose="020B0503020204020204" pitchFamily="34" charset="-122"/>
+                    <a:cs typeface="+mn-ea"/>
+                  </a:rPr>
+                  <a:t>读取待清理文件和筛选文件</a:t>
+                </a:r>
+              </a:p>
+            </p:txBody>
+          </p:sp>
+          <p:grpSp>
+            <p:nvGrpSpPr>
+              <p:cNvPr id="11" name="组合 10"/>
+              <p:cNvGrpSpPr/>
+              <p:nvPr/>
+            </p:nvGrpSpPr>
+            <p:grpSpPr>
+              <a:xfrm>
+                <a:off x="3968922" y="3481585"/>
+                <a:ext cx="1840512" cy="1628561"/>
+                <a:chOff x="2795121" y="2838380"/>
+                <a:chExt cx="1128251" cy="998323"/>
+              </a:xfrm>
+            </p:grpSpPr>
+            <p:sp>
+              <p:nvSpPr>
+                <p:cNvPr id="31" name="Freeform 9"/>
+                <p:cNvSpPr>
+                  <a:spLocks/>
+                </p:cNvSpPr>
+                <p:nvPr/>
+              </p:nvSpPr>
+              <p:spPr bwMode="auto">
+                <a:xfrm>
+                  <a:off x="2795121" y="2838380"/>
+                  <a:ext cx="1128251" cy="998323"/>
+                </a:xfrm>
+                <a:custGeom>
+                  <a:avLst/>
+                  <a:gdLst>
+                    <a:gd name="T0" fmla="*/ 253 w 357"/>
+                    <a:gd name="T1" fmla="*/ 0 h 316"/>
+                    <a:gd name="T2" fmla="*/ 104 w 357"/>
+                    <a:gd name="T3" fmla="*/ 0 h 316"/>
+                    <a:gd name="T4" fmla="*/ 79 w 357"/>
+                    <a:gd name="T5" fmla="*/ 15 h 316"/>
+                    <a:gd name="T6" fmla="*/ 5 w 357"/>
+                    <a:gd name="T7" fmla="*/ 144 h 316"/>
+                    <a:gd name="T8" fmla="*/ 5 w 357"/>
+                    <a:gd name="T9" fmla="*/ 173 h 316"/>
+                    <a:gd name="T10" fmla="*/ 79 w 357"/>
+                    <a:gd name="T11" fmla="*/ 302 h 316"/>
+                    <a:gd name="T12" fmla="*/ 104 w 357"/>
+                    <a:gd name="T13" fmla="*/ 316 h 316"/>
+                    <a:gd name="T14" fmla="*/ 253 w 357"/>
+                    <a:gd name="T15" fmla="*/ 316 h 316"/>
+                    <a:gd name="T16" fmla="*/ 278 w 357"/>
+                    <a:gd name="T17" fmla="*/ 302 h 316"/>
+                    <a:gd name="T18" fmla="*/ 353 w 357"/>
+                    <a:gd name="T19" fmla="*/ 173 h 316"/>
+                    <a:gd name="T20" fmla="*/ 353 w 357"/>
+                    <a:gd name="T21" fmla="*/ 144 h 316"/>
+                    <a:gd name="T22" fmla="*/ 278 w 357"/>
+                    <a:gd name="T23" fmla="*/ 15 h 316"/>
+                    <a:gd name="T24" fmla="*/ 253 w 357"/>
+                    <a:gd name="T25" fmla="*/ 0 h 316"/>
+                  </a:gdLst>
+                  <a:ahLst/>
+                  <a:cxnLst>
+                    <a:cxn ang="0">
+                      <a:pos x="T0" y="T1"/>
+                    </a:cxn>
+                    <a:cxn ang="0">
+                      <a:pos x="T2" y="T3"/>
+                    </a:cxn>
+                    <a:cxn ang="0">
+                      <a:pos x="T4" y="T5"/>
+                    </a:cxn>
+                    <a:cxn ang="0">
+                      <a:pos x="T6" y="T7"/>
+                    </a:cxn>
+                    <a:cxn ang="0">
+                      <a:pos x="T8" y="T9"/>
+                    </a:cxn>
+                    <a:cxn ang="0">
+                      <a:pos x="T10" y="T11"/>
+                    </a:cxn>
+                    <a:cxn ang="0">
+                      <a:pos x="T12" y="T13"/>
+                    </a:cxn>
+                    <a:cxn ang="0">
+                      <a:pos x="T14" y="T15"/>
+                    </a:cxn>
+                    <a:cxn ang="0">
+                      <a:pos x="T16" y="T17"/>
+                    </a:cxn>
+                    <a:cxn ang="0">
+                      <a:pos x="T18" y="T19"/>
+                    </a:cxn>
+                    <a:cxn ang="0">
+                      <a:pos x="T20" y="T21"/>
+                    </a:cxn>
+                    <a:cxn ang="0">
+                      <a:pos x="T22" y="T23"/>
+                    </a:cxn>
+                    <a:cxn ang="0">
+                      <a:pos x="T24" y="T25"/>
+                    </a:cxn>
+                  </a:cxnLst>
+                  <a:rect l="0" t="0" r="r" b="b"/>
+                  <a:pathLst>
+                    <a:path w="357" h="316">
+                      <a:moveTo>
+                        <a:pt x="253" y="0"/>
+                      </a:moveTo>
+                      <a:cubicBezTo>
+                        <a:pt x="104" y="0"/>
+                        <a:pt x="104" y="0"/>
+                        <a:pt x="104" y="0"/>
+                      </a:cubicBezTo>
+                      <a:cubicBezTo>
+                        <a:pt x="95" y="0"/>
+                        <a:pt x="84" y="7"/>
+                        <a:pt x="79" y="15"/>
+                      </a:cubicBezTo>
+                      <a:cubicBezTo>
+                        <a:pt x="5" y="144"/>
+                        <a:pt x="5" y="144"/>
+                        <a:pt x="5" y="144"/>
+                      </a:cubicBezTo>
+                      <a:cubicBezTo>
+                        <a:pt x="0" y="152"/>
+                        <a:pt x="0" y="165"/>
+                        <a:pt x="5" y="173"/>
+                      </a:cubicBezTo>
+                      <a:cubicBezTo>
+                        <a:pt x="79" y="302"/>
+                        <a:pt x="79" y="302"/>
+                        <a:pt x="79" y="302"/>
+                      </a:cubicBezTo>
+                      <a:cubicBezTo>
+                        <a:pt x="84" y="310"/>
+                        <a:pt x="95" y="316"/>
+                        <a:pt x="104" y="316"/>
+                      </a:cubicBezTo>
+                      <a:cubicBezTo>
+                        <a:pt x="253" y="316"/>
+                        <a:pt x="253" y="316"/>
+                        <a:pt x="253" y="316"/>
+                      </a:cubicBezTo>
+                      <a:cubicBezTo>
+                        <a:pt x="263" y="316"/>
+                        <a:pt x="274" y="310"/>
+                        <a:pt x="278" y="302"/>
+                      </a:cubicBezTo>
+                      <a:cubicBezTo>
+                        <a:pt x="353" y="173"/>
+                        <a:pt x="353" y="173"/>
+                        <a:pt x="353" y="173"/>
+                      </a:cubicBezTo>
+                      <a:cubicBezTo>
+                        <a:pt x="357" y="165"/>
+                        <a:pt x="357" y="152"/>
+                        <a:pt x="353" y="144"/>
+                      </a:cubicBezTo>
+                      <a:cubicBezTo>
+                        <a:pt x="278" y="15"/>
+                        <a:pt x="278" y="15"/>
+                        <a:pt x="278" y="15"/>
+                      </a:cubicBezTo>
+                      <a:cubicBezTo>
+                        <a:pt x="274" y="7"/>
+                        <a:pt x="263" y="0"/>
+                        <a:pt x="253" y="0"/>
+                      </a:cubicBezTo>
+                    </a:path>
+                  </a:pathLst>
+                </a:custGeom>
+                <a:gradFill rotWithShape="1">
+                  <a:gsLst>
+                    <a:gs pos="93000">
+                      <a:srgbClr val="ECECEC"/>
+                    </a:gs>
+                    <a:gs pos="60000">
+                      <a:srgbClr val="F9F9F9"/>
+                    </a:gs>
+                    <a:gs pos="0">
+                      <a:srgbClr val="DBDBDB"/>
+                    </a:gs>
+                  </a:gsLst>
+                  <a:lin ang="7800000" scaled="0"/>
+                </a:gradFill>
+                <a:ln w="28575">
+                  <a:gradFill>
+                    <a:gsLst>
+                      <a:gs pos="0">
+                        <a:schemeClr val="bg1"/>
+                      </a:gs>
+                      <a:gs pos="100000">
+                        <a:schemeClr val="bg1">
+                          <a:lumMod val="85000"/>
+                        </a:schemeClr>
+                      </a:gs>
+                    </a:gsLst>
+                    <a:lin ang="7800000" scaled="0"/>
+                  </a:gradFill>
+                </a:ln>
+                <a:effectLst>
+                  <a:outerShdw blurRad="203200" dist="127000" dir="3600000" sx="102000" sy="102000" algn="ctr" rotWithShape="0">
+                    <a:schemeClr val="tx1">
+                      <a:lumMod val="90000"/>
+                      <a:lumOff val="10000"/>
+                      <a:alpha val="40000"/>
+                    </a:schemeClr>
+                  </a:outerShdw>
+                </a:effectLst>
+              </p:spPr>
+              <p:txBody>
+                <a:bodyPr wrap="none" anchor="ctr"/>
+                <a:lstStyle/>
+                <a:p>
+                  <a:pPr latinLnBrk="1"/>
+                  <a:endParaRPr kumimoji="1" lang="zh-CN" altLang="en-US" sz="2400">
+                    <a:solidFill>
+                      <a:srgbClr val="000000"/>
+                    </a:solidFill>
+                    <a:latin typeface="굴림" charset="-127"/>
+                    <a:ea typeface="굴림" charset="-127"/>
+                  </a:endParaRPr>
+                </a:p>
+              </p:txBody>
+            </p:sp>
+            <p:sp>
+              <p:nvSpPr>
+                <p:cNvPr id="32" name="Freeform 9"/>
+                <p:cNvSpPr>
+                  <a:spLocks/>
+                </p:cNvSpPr>
+                <p:nvPr/>
+              </p:nvSpPr>
+              <p:spPr bwMode="auto">
+                <a:xfrm>
+                  <a:off x="2928007" y="2955963"/>
+                  <a:ext cx="862479" cy="763157"/>
+                </a:xfrm>
+                <a:custGeom>
+                  <a:avLst/>
+                  <a:gdLst>
+                    <a:gd name="T0" fmla="*/ 253 w 357"/>
+                    <a:gd name="T1" fmla="*/ 0 h 316"/>
+                    <a:gd name="T2" fmla="*/ 104 w 357"/>
+                    <a:gd name="T3" fmla="*/ 0 h 316"/>
+                    <a:gd name="T4" fmla="*/ 79 w 357"/>
+                    <a:gd name="T5" fmla="*/ 15 h 316"/>
+                    <a:gd name="T6" fmla="*/ 5 w 357"/>
+                    <a:gd name="T7" fmla="*/ 144 h 316"/>
+                    <a:gd name="T8" fmla="*/ 5 w 357"/>
+                    <a:gd name="T9" fmla="*/ 173 h 316"/>
+                    <a:gd name="T10" fmla="*/ 79 w 357"/>
+                    <a:gd name="T11" fmla="*/ 302 h 316"/>
+                    <a:gd name="T12" fmla="*/ 104 w 357"/>
+                    <a:gd name="T13" fmla="*/ 316 h 316"/>
+                    <a:gd name="T14" fmla="*/ 253 w 357"/>
+                    <a:gd name="T15" fmla="*/ 316 h 316"/>
+                    <a:gd name="T16" fmla="*/ 278 w 357"/>
+                    <a:gd name="T17" fmla="*/ 302 h 316"/>
+                    <a:gd name="T18" fmla="*/ 353 w 357"/>
+                    <a:gd name="T19" fmla="*/ 173 h 316"/>
+                    <a:gd name="T20" fmla="*/ 353 w 357"/>
+                    <a:gd name="T21" fmla="*/ 144 h 316"/>
+                    <a:gd name="T22" fmla="*/ 278 w 357"/>
+                    <a:gd name="T23" fmla="*/ 15 h 316"/>
+                    <a:gd name="T24" fmla="*/ 253 w 357"/>
+                    <a:gd name="T25" fmla="*/ 0 h 316"/>
+                  </a:gdLst>
+                  <a:ahLst/>
+                  <a:cxnLst>
+                    <a:cxn ang="0">
+                      <a:pos x="T0" y="T1"/>
+                    </a:cxn>
+                    <a:cxn ang="0">
+                      <a:pos x="T2" y="T3"/>
+                    </a:cxn>
+                    <a:cxn ang="0">
+                      <a:pos x="T4" y="T5"/>
+                    </a:cxn>
+                    <a:cxn ang="0">
+                      <a:pos x="T6" y="T7"/>
+                    </a:cxn>
+                    <a:cxn ang="0">
+                      <a:pos x="T8" y="T9"/>
+                    </a:cxn>
+                    <a:cxn ang="0">
+                      <a:pos x="T10" y="T11"/>
+                    </a:cxn>
+                    <a:cxn ang="0">
+                      <a:pos x="T12" y="T13"/>
+                    </a:cxn>
+                    <a:cxn ang="0">
+                      <a:pos x="T14" y="T15"/>
+                    </a:cxn>
+                    <a:cxn ang="0">
+                      <a:pos x="T16" y="T17"/>
+                    </a:cxn>
+                    <a:cxn ang="0">
+                      <a:pos x="T18" y="T19"/>
+                    </a:cxn>
+                    <a:cxn ang="0">
+                      <a:pos x="T20" y="T21"/>
+                    </a:cxn>
+                    <a:cxn ang="0">
+                      <a:pos x="T22" y="T23"/>
+                    </a:cxn>
+                    <a:cxn ang="0">
+                      <a:pos x="T24" y="T25"/>
+                    </a:cxn>
+                  </a:cxnLst>
+                  <a:rect l="0" t="0" r="r" b="b"/>
+                  <a:pathLst>
+                    <a:path w="357" h="316">
+                      <a:moveTo>
+                        <a:pt x="253" y="0"/>
+                      </a:moveTo>
+                      <a:cubicBezTo>
+                        <a:pt x="104" y="0"/>
+                        <a:pt x="104" y="0"/>
+                        <a:pt x="104" y="0"/>
+                      </a:cubicBezTo>
+                      <a:cubicBezTo>
+                        <a:pt x="95" y="0"/>
+                        <a:pt x="84" y="7"/>
+                        <a:pt x="79" y="15"/>
+                      </a:cubicBezTo>
+                      <a:cubicBezTo>
+                        <a:pt x="5" y="144"/>
+                        <a:pt x="5" y="144"/>
+                        <a:pt x="5" y="144"/>
+                      </a:cubicBezTo>
+                      <a:cubicBezTo>
+                        <a:pt x="0" y="152"/>
+                        <a:pt x="0" y="165"/>
+                        <a:pt x="5" y="173"/>
+                      </a:cubicBezTo>
+                      <a:cubicBezTo>
+                        <a:pt x="79" y="302"/>
+                        <a:pt x="79" y="302"/>
+                        <a:pt x="79" y="302"/>
+                      </a:cubicBezTo>
+                      <a:cubicBezTo>
+                        <a:pt x="84" y="310"/>
+                        <a:pt x="95" y="316"/>
+                        <a:pt x="104" y="316"/>
+                      </a:cubicBezTo>
+                      <a:cubicBezTo>
+                        <a:pt x="253" y="316"/>
+                        <a:pt x="253" y="316"/>
+                        <a:pt x="253" y="316"/>
+                      </a:cubicBezTo>
+                      <a:cubicBezTo>
+                        <a:pt x="263" y="316"/>
+                        <a:pt x="274" y="310"/>
+                        <a:pt x="278" y="302"/>
+                      </a:cubicBezTo>
+                      <a:cubicBezTo>
+                        <a:pt x="353" y="173"/>
+                        <a:pt x="353" y="173"/>
+                        <a:pt x="353" y="173"/>
+                      </a:cubicBezTo>
+                      <a:cubicBezTo>
+                        <a:pt x="357" y="165"/>
+                        <a:pt x="357" y="152"/>
+                        <a:pt x="353" y="144"/>
+                      </a:cubicBezTo>
+                      <a:cubicBezTo>
+                        <a:pt x="278" y="15"/>
+                        <a:pt x="278" y="15"/>
+                        <a:pt x="278" y="15"/>
+                      </a:cubicBezTo>
+                      <a:cubicBezTo>
+                        <a:pt x="274" y="7"/>
+                        <a:pt x="263" y="0"/>
+                        <a:pt x="253" y="0"/>
+                      </a:cubicBezTo>
+                    </a:path>
+                  </a:pathLst>
+                </a:custGeom>
+                <a:solidFill>
+                  <a:srgbClr val="4ACBD6"/>
+                </a:solidFill>
+                <a:ln w="28575">
+                  <a:gradFill>
+                    <a:gsLst>
+                      <a:gs pos="0">
+                        <a:schemeClr val="bg1"/>
+                      </a:gs>
+                      <a:gs pos="100000">
+                        <a:schemeClr val="bg1">
+                          <a:lumMod val="85000"/>
+                        </a:schemeClr>
+                      </a:gs>
+                    </a:gsLst>
+                    <a:lin ang="4200000" scaled="0"/>
+                  </a:gradFill>
+                </a:ln>
+                <a:effectLst>
+                  <a:outerShdw blurRad="203200" dist="127000" dir="3600000" sx="102000" sy="102000" algn="ctr" rotWithShape="0">
+                    <a:schemeClr val="tx1">
+                      <a:lumMod val="90000"/>
+                      <a:lumOff val="10000"/>
+                      <a:alpha val="40000"/>
+                    </a:schemeClr>
+                  </a:outerShdw>
+                </a:effectLst>
+              </p:spPr>
+              <p:txBody>
+                <a:bodyPr wrap="none" anchor="ctr"/>
+                <a:lstStyle/>
+                <a:p>
+                  <a:pPr latinLnBrk="1"/>
+                  <a:endParaRPr kumimoji="1" lang="zh-CN" altLang="en-US" sz="2400">
+                    <a:solidFill>
+                      <a:schemeClr val="accent2"/>
+                    </a:solidFill>
+                    <a:latin typeface="굴림" charset="-127"/>
+                    <a:ea typeface="굴림" charset="-127"/>
+                  </a:endParaRPr>
+                </a:p>
+              </p:txBody>
+            </p:sp>
+          </p:grpSp>
+          <p:sp>
+            <p:nvSpPr>
+              <p:cNvPr id="12" name="文本框 11"/>
+              <p:cNvSpPr txBox="1"/>
+              <p:nvPr/>
+            </p:nvSpPr>
+            <p:spPr>
+              <a:xfrm>
+                <a:off x="4193441" y="4006087"/>
+                <a:ext cx="1391477" cy="579557"/>
+              </a:xfrm>
+              <a:prstGeom prst="rect">
+                <a:avLst/>
+              </a:prstGeom>
+              <a:noFill/>
+            </p:spPr>
+            <p:txBody>
+              <a:bodyPr wrap="none" rtlCol="0">
+                <a:spAutoFit/>
+              </a:bodyPr>
+              <a:lstStyle/>
+              <a:p>
+                <a:pPr algn="ctr"/>
+                <a:r>
+                  <a:rPr lang="zh-CN" altLang="en-US" sz="1600" b="1" dirty="0">
+                    <a:solidFill>
+                      <a:schemeClr val="bg1"/>
+                    </a:solidFill>
+                  </a:rPr>
+                  <a:t>第二步</a:t>
+                </a:r>
+                <a:endParaRPr lang="zh-CN" altLang="en-US" sz="1600" b="1" dirty="0">
+                  <a:solidFill>
+                    <a:schemeClr val="bg1"/>
+                  </a:solidFill>
+                </a:endParaRPr>
+              </a:p>
+            </p:txBody>
+          </p:sp>
+          <p:sp>
+            <p:nvSpPr>
+              <p:cNvPr id="13" name="圆角矩形 6"/>
+              <p:cNvSpPr/>
+              <p:nvPr/>
+            </p:nvSpPr>
+            <p:spPr>
+              <a:xfrm rot="5400000" flipV="1">
+                <a:off x="5339960" y="4233270"/>
+                <a:ext cx="527973" cy="3969618"/>
+              </a:xfrm>
+              <a:custGeom>
+                <a:avLst/>
+                <a:gdLst>
+                  <a:gd name="connsiteX0" fmla="*/ 0 w 670708"/>
+                  <a:gd name="connsiteY0" fmla="*/ 112518 h 1095765"/>
+                  <a:gd name="connsiteX1" fmla="*/ 112518 w 670708"/>
+                  <a:gd name="connsiteY1" fmla="*/ 0 h 1095765"/>
+                  <a:gd name="connsiteX2" fmla="*/ 558190 w 670708"/>
+                  <a:gd name="connsiteY2" fmla="*/ 0 h 1095765"/>
+                  <a:gd name="connsiteX3" fmla="*/ 670708 w 670708"/>
+                  <a:gd name="connsiteY3" fmla="*/ 112518 h 1095765"/>
+                  <a:gd name="connsiteX4" fmla="*/ 670708 w 670708"/>
+                  <a:gd name="connsiteY4" fmla="*/ 983247 h 1095765"/>
+                  <a:gd name="connsiteX5" fmla="*/ 558190 w 670708"/>
+                  <a:gd name="connsiteY5" fmla="*/ 1095765 h 1095765"/>
+                  <a:gd name="connsiteX6" fmla="*/ 112518 w 670708"/>
+                  <a:gd name="connsiteY6" fmla="*/ 1095765 h 1095765"/>
+                  <a:gd name="connsiteX7" fmla="*/ 0 w 670708"/>
+                  <a:gd name="connsiteY7" fmla="*/ 983247 h 1095765"/>
+                  <a:gd name="connsiteX8" fmla="*/ 0 w 670708"/>
+                  <a:gd name="connsiteY8" fmla="*/ 112518 h 1095765"/>
+                  <a:gd name="connsiteX0" fmla="*/ 0 w 670708"/>
+                  <a:gd name="connsiteY0" fmla="*/ 983247 h 1095765"/>
+                  <a:gd name="connsiteX1" fmla="*/ 0 w 670708"/>
+                  <a:gd name="connsiteY1" fmla="*/ 112518 h 1095765"/>
+                  <a:gd name="connsiteX2" fmla="*/ 112518 w 670708"/>
+                  <a:gd name="connsiteY2" fmla="*/ 0 h 1095765"/>
+                  <a:gd name="connsiteX3" fmla="*/ 558190 w 670708"/>
+                  <a:gd name="connsiteY3" fmla="*/ 0 h 1095765"/>
+                  <a:gd name="connsiteX4" fmla="*/ 670708 w 670708"/>
+                  <a:gd name="connsiteY4" fmla="*/ 112518 h 1095765"/>
+                  <a:gd name="connsiteX5" fmla="*/ 670708 w 670708"/>
+                  <a:gd name="connsiteY5" fmla="*/ 983247 h 1095765"/>
+                  <a:gd name="connsiteX6" fmla="*/ 558190 w 670708"/>
+                  <a:gd name="connsiteY6" fmla="*/ 1095765 h 1095765"/>
+                  <a:gd name="connsiteX7" fmla="*/ 112518 w 670708"/>
+                  <a:gd name="connsiteY7" fmla="*/ 1095765 h 1095765"/>
+                  <a:gd name="connsiteX8" fmla="*/ 91440 w 670708"/>
+                  <a:gd name="connsiteY8" fmla="*/ 1074687 h 1095765"/>
+                  <a:gd name="connsiteX0" fmla="*/ 0 w 670708"/>
+                  <a:gd name="connsiteY0" fmla="*/ 983247 h 1095765"/>
+                  <a:gd name="connsiteX1" fmla="*/ 0 w 670708"/>
+                  <a:gd name="connsiteY1" fmla="*/ 112518 h 1095765"/>
+                  <a:gd name="connsiteX2" fmla="*/ 112518 w 670708"/>
+                  <a:gd name="connsiteY2" fmla="*/ 0 h 1095765"/>
+                  <a:gd name="connsiteX3" fmla="*/ 558190 w 670708"/>
+                  <a:gd name="connsiteY3" fmla="*/ 0 h 1095765"/>
+                  <a:gd name="connsiteX4" fmla="*/ 670708 w 670708"/>
+                  <a:gd name="connsiteY4" fmla="*/ 112518 h 1095765"/>
+                  <a:gd name="connsiteX5" fmla="*/ 670708 w 670708"/>
+                  <a:gd name="connsiteY5" fmla="*/ 983247 h 1095765"/>
+                  <a:gd name="connsiteX6" fmla="*/ 558190 w 670708"/>
+                  <a:gd name="connsiteY6" fmla="*/ 1095765 h 1095765"/>
+                  <a:gd name="connsiteX7" fmla="*/ 112518 w 670708"/>
+                  <a:gd name="connsiteY7" fmla="*/ 1095765 h 1095765"/>
+                  <a:gd name="connsiteX0" fmla="*/ 0 w 670708"/>
+                  <a:gd name="connsiteY0" fmla="*/ 983247 h 1095765"/>
+                  <a:gd name="connsiteX1" fmla="*/ 0 w 670708"/>
+                  <a:gd name="connsiteY1" fmla="*/ 112518 h 1095765"/>
+                  <a:gd name="connsiteX2" fmla="*/ 112518 w 670708"/>
+                  <a:gd name="connsiteY2" fmla="*/ 0 h 1095765"/>
+                  <a:gd name="connsiteX3" fmla="*/ 558190 w 670708"/>
+                  <a:gd name="connsiteY3" fmla="*/ 0 h 1095765"/>
+                  <a:gd name="connsiteX4" fmla="*/ 670708 w 670708"/>
+                  <a:gd name="connsiteY4" fmla="*/ 112518 h 1095765"/>
+                  <a:gd name="connsiteX5" fmla="*/ 670708 w 670708"/>
+                  <a:gd name="connsiteY5" fmla="*/ 983247 h 1095765"/>
+                  <a:gd name="connsiteX6" fmla="*/ 558190 w 670708"/>
+                  <a:gd name="connsiteY6" fmla="*/ 1095765 h 1095765"/>
+                  <a:gd name="connsiteX0" fmla="*/ 0 w 670708"/>
+                  <a:gd name="connsiteY0" fmla="*/ 983247 h 983247"/>
+                  <a:gd name="connsiteX1" fmla="*/ 0 w 670708"/>
+                  <a:gd name="connsiteY1" fmla="*/ 112518 h 983247"/>
+                  <a:gd name="connsiteX2" fmla="*/ 112518 w 670708"/>
+                  <a:gd name="connsiteY2" fmla="*/ 0 h 983247"/>
+                  <a:gd name="connsiteX3" fmla="*/ 558190 w 670708"/>
+                  <a:gd name="connsiteY3" fmla="*/ 0 h 983247"/>
+                  <a:gd name="connsiteX4" fmla="*/ 670708 w 670708"/>
+                  <a:gd name="connsiteY4" fmla="*/ 112518 h 983247"/>
+                  <a:gd name="connsiteX5" fmla="*/ 670708 w 670708"/>
+                  <a:gd name="connsiteY5" fmla="*/ 983247 h 983247"/>
+                  <a:gd name="connsiteX0" fmla="*/ 0 w 670708"/>
+                  <a:gd name="connsiteY0" fmla="*/ 112518 h 983247"/>
+                  <a:gd name="connsiteX1" fmla="*/ 112518 w 670708"/>
+                  <a:gd name="connsiteY1" fmla="*/ 0 h 983247"/>
+                  <a:gd name="connsiteX2" fmla="*/ 558190 w 670708"/>
+                  <a:gd name="connsiteY2" fmla="*/ 0 h 983247"/>
+                  <a:gd name="connsiteX3" fmla="*/ 670708 w 670708"/>
+                  <a:gd name="connsiteY3" fmla="*/ 112518 h 983247"/>
+                  <a:gd name="connsiteX4" fmla="*/ 670708 w 670708"/>
+                  <a:gd name="connsiteY4" fmla="*/ 983247 h 983247"/>
+                  <a:gd name="connsiteX0" fmla="*/ 0 w 558190"/>
+                  <a:gd name="connsiteY0" fmla="*/ 0 h 983247"/>
+                  <a:gd name="connsiteX1" fmla="*/ 445672 w 558190"/>
+                  <a:gd name="connsiteY1" fmla="*/ 0 h 983247"/>
+                  <a:gd name="connsiteX2" fmla="*/ 558190 w 558190"/>
+                  <a:gd name="connsiteY2" fmla="*/ 112518 h 983247"/>
+                  <a:gd name="connsiteX3" fmla="*/ 558190 w 558190"/>
+                  <a:gd name="connsiteY3" fmla="*/ 983247 h 983247"/>
+                  <a:gd name="connsiteX0" fmla="*/ 0 w 627665"/>
+                  <a:gd name="connsiteY0" fmla="*/ 0 h 1379865"/>
+                  <a:gd name="connsiteX1" fmla="*/ 515147 w 627665"/>
+                  <a:gd name="connsiteY1" fmla="*/ 396618 h 1379865"/>
+                  <a:gd name="connsiteX2" fmla="*/ 627665 w 627665"/>
+                  <a:gd name="connsiteY2" fmla="*/ 509136 h 1379865"/>
+                  <a:gd name="connsiteX3" fmla="*/ 627665 w 627665"/>
+                  <a:gd name="connsiteY3" fmla="*/ 1379865 h 1379865"/>
+                  <a:gd name="connsiteX0" fmla="*/ 0 w 627665"/>
+                  <a:gd name="connsiteY0" fmla="*/ 0 h 1379865"/>
+                  <a:gd name="connsiteX1" fmla="*/ 515147 w 627665"/>
+                  <a:gd name="connsiteY1" fmla="*/ 396618 h 1379865"/>
+                  <a:gd name="connsiteX2" fmla="*/ 627665 w 627665"/>
+                  <a:gd name="connsiteY2" fmla="*/ 509136 h 1379865"/>
+                  <a:gd name="connsiteX3" fmla="*/ 627665 w 627665"/>
+                  <a:gd name="connsiteY3" fmla="*/ 1379865 h 1379865"/>
+                  <a:gd name="connsiteX0" fmla="*/ 0 w 627665"/>
+                  <a:gd name="connsiteY0" fmla="*/ 0 h 1379865"/>
+                  <a:gd name="connsiteX1" fmla="*/ 515147 w 627665"/>
+                  <a:gd name="connsiteY1" fmla="*/ 396618 h 1379865"/>
+                  <a:gd name="connsiteX2" fmla="*/ 627665 w 627665"/>
+                  <a:gd name="connsiteY2" fmla="*/ 509136 h 1379865"/>
+                  <a:gd name="connsiteX3" fmla="*/ 627665 w 627665"/>
+                  <a:gd name="connsiteY3" fmla="*/ 1379865 h 1379865"/>
+                  <a:gd name="connsiteX0" fmla="*/ 0 w 627665"/>
+                  <a:gd name="connsiteY0" fmla="*/ 0 h 1379865"/>
+                  <a:gd name="connsiteX1" fmla="*/ 515147 w 627665"/>
+                  <a:gd name="connsiteY1" fmla="*/ 396618 h 1379865"/>
+                  <a:gd name="connsiteX2" fmla="*/ 627665 w 627665"/>
+                  <a:gd name="connsiteY2" fmla="*/ 509136 h 1379865"/>
+                  <a:gd name="connsiteX3" fmla="*/ 627665 w 627665"/>
+                  <a:gd name="connsiteY3" fmla="*/ 1379865 h 1379865"/>
+                  <a:gd name="connsiteX0" fmla="*/ 0 w 627665"/>
+                  <a:gd name="connsiteY0" fmla="*/ 0 h 1379865"/>
+                  <a:gd name="connsiteX1" fmla="*/ 518280 w 627665"/>
+                  <a:gd name="connsiteY1" fmla="*/ 374934 h 1379865"/>
+                  <a:gd name="connsiteX2" fmla="*/ 627665 w 627665"/>
+                  <a:gd name="connsiteY2" fmla="*/ 509136 h 1379865"/>
+                  <a:gd name="connsiteX3" fmla="*/ 627665 w 627665"/>
+                  <a:gd name="connsiteY3" fmla="*/ 1379865 h 1379865"/>
+                  <a:gd name="connsiteX0" fmla="*/ 0 w 627665"/>
+                  <a:gd name="connsiteY0" fmla="*/ 0 h 1379865"/>
+                  <a:gd name="connsiteX1" fmla="*/ 518280 w 627665"/>
+                  <a:gd name="connsiteY1" fmla="*/ 374934 h 1379865"/>
+                  <a:gd name="connsiteX2" fmla="*/ 627665 w 627665"/>
+                  <a:gd name="connsiteY2" fmla="*/ 509136 h 1379865"/>
+                  <a:gd name="connsiteX3" fmla="*/ 627665 w 627665"/>
+                  <a:gd name="connsiteY3" fmla="*/ 1379865 h 1379865"/>
+                  <a:gd name="connsiteX0" fmla="*/ 0 w 627665"/>
+                  <a:gd name="connsiteY0" fmla="*/ 0 h 1379865"/>
+                  <a:gd name="connsiteX1" fmla="*/ 518280 w 627665"/>
+                  <a:gd name="connsiteY1" fmla="*/ 374934 h 1379865"/>
+                  <a:gd name="connsiteX2" fmla="*/ 627665 w 627665"/>
+                  <a:gd name="connsiteY2" fmla="*/ 509136 h 1379865"/>
+                  <a:gd name="connsiteX3" fmla="*/ 627665 w 627665"/>
+                  <a:gd name="connsiteY3" fmla="*/ 1379865 h 1379865"/>
+                  <a:gd name="connsiteX0" fmla="*/ 0 w 633931"/>
+                  <a:gd name="connsiteY0" fmla="*/ 0 h 1379865"/>
+                  <a:gd name="connsiteX1" fmla="*/ 518280 w 633931"/>
+                  <a:gd name="connsiteY1" fmla="*/ 374934 h 1379865"/>
+                  <a:gd name="connsiteX2" fmla="*/ 633931 w 633931"/>
+                  <a:gd name="connsiteY2" fmla="*/ 571477 h 1379865"/>
+                  <a:gd name="connsiteX3" fmla="*/ 627665 w 633931"/>
+                  <a:gd name="connsiteY3" fmla="*/ 1379865 h 1379865"/>
+                  <a:gd name="connsiteX0" fmla="*/ 0 w 634110"/>
+                  <a:gd name="connsiteY0" fmla="*/ 0 h 1379865"/>
+                  <a:gd name="connsiteX1" fmla="*/ 518280 w 634110"/>
+                  <a:gd name="connsiteY1" fmla="*/ 374934 h 1379865"/>
+                  <a:gd name="connsiteX2" fmla="*/ 633931 w 634110"/>
+                  <a:gd name="connsiteY2" fmla="*/ 571477 h 1379865"/>
+                  <a:gd name="connsiteX3" fmla="*/ 627665 w 634110"/>
+                  <a:gd name="connsiteY3" fmla="*/ 1379865 h 1379865"/>
+                  <a:gd name="connsiteX0" fmla="*/ 0 w 628268"/>
+                  <a:gd name="connsiteY0" fmla="*/ 0 h 1379865"/>
+                  <a:gd name="connsiteX1" fmla="*/ 518280 w 628268"/>
+                  <a:gd name="connsiteY1" fmla="*/ 374934 h 1379865"/>
+                  <a:gd name="connsiteX2" fmla="*/ 627666 w 628268"/>
+                  <a:gd name="connsiteY2" fmla="*/ 568769 h 1379865"/>
+                  <a:gd name="connsiteX3" fmla="*/ 627665 w 628268"/>
+                  <a:gd name="connsiteY3" fmla="*/ 1379865 h 1379865"/>
+                  <a:gd name="connsiteX0" fmla="*/ 0 w 628268"/>
+                  <a:gd name="connsiteY0" fmla="*/ 0 h 2425419"/>
+                  <a:gd name="connsiteX1" fmla="*/ 518280 w 628268"/>
+                  <a:gd name="connsiteY1" fmla="*/ 374934 h 2425419"/>
+                  <a:gd name="connsiteX2" fmla="*/ 627666 w 628268"/>
+                  <a:gd name="connsiteY2" fmla="*/ 568769 h 2425419"/>
+                  <a:gd name="connsiteX3" fmla="*/ 627665 w 628268"/>
+                  <a:gd name="connsiteY3" fmla="*/ 2425419 h 2425419"/>
+                  <a:gd name="connsiteX0" fmla="*/ 0 w 628268"/>
+                  <a:gd name="connsiteY0" fmla="*/ 0 h 4241765"/>
+                  <a:gd name="connsiteX1" fmla="*/ 518280 w 628268"/>
+                  <a:gd name="connsiteY1" fmla="*/ 374934 h 4241765"/>
+                  <a:gd name="connsiteX2" fmla="*/ 627666 w 628268"/>
+                  <a:gd name="connsiteY2" fmla="*/ 568769 h 4241765"/>
+                  <a:gd name="connsiteX3" fmla="*/ 627665 w 628268"/>
+                  <a:gd name="connsiteY3" fmla="*/ 4241765 h 4241765"/>
+                  <a:gd name="connsiteX0" fmla="*/ 0 w 632800"/>
+                  <a:gd name="connsiteY0" fmla="*/ 0 h 4241765"/>
+                  <a:gd name="connsiteX1" fmla="*/ 518280 w 632800"/>
+                  <a:gd name="connsiteY1" fmla="*/ 374934 h 4241765"/>
+                  <a:gd name="connsiteX2" fmla="*/ 632615 w 632800"/>
+                  <a:gd name="connsiteY2" fmla="*/ 919487 h 4241765"/>
+                  <a:gd name="connsiteX3" fmla="*/ 627665 w 632800"/>
+                  <a:gd name="connsiteY3" fmla="*/ 4241765 h 4241765"/>
+                  <a:gd name="connsiteX0" fmla="*/ 0 w 636459"/>
+                  <a:gd name="connsiteY0" fmla="*/ 0 h 4241765"/>
+                  <a:gd name="connsiteX1" fmla="*/ 572676 w 636459"/>
+                  <a:gd name="connsiteY1" fmla="*/ 644389 h 4241765"/>
+                  <a:gd name="connsiteX2" fmla="*/ 632615 w 636459"/>
+                  <a:gd name="connsiteY2" fmla="*/ 919487 h 4241765"/>
+                  <a:gd name="connsiteX3" fmla="*/ 627665 w 636459"/>
+                  <a:gd name="connsiteY3" fmla="*/ 4241765 h 4241765"/>
+                  <a:gd name="connsiteX0" fmla="*/ 0 w 636459"/>
+                  <a:gd name="connsiteY0" fmla="*/ 0 h 4241765"/>
+                  <a:gd name="connsiteX1" fmla="*/ 572676 w 636459"/>
+                  <a:gd name="connsiteY1" fmla="*/ 644389 h 4241765"/>
+                  <a:gd name="connsiteX2" fmla="*/ 632615 w 636459"/>
+                  <a:gd name="connsiteY2" fmla="*/ 919487 h 4241765"/>
+                  <a:gd name="connsiteX3" fmla="*/ 627665 w 636459"/>
+                  <a:gd name="connsiteY3" fmla="*/ 4241765 h 4241765"/>
+                  <a:gd name="connsiteX0" fmla="*/ 0 w 636459"/>
+                  <a:gd name="connsiteY0" fmla="*/ 0 h 4241765"/>
+                  <a:gd name="connsiteX1" fmla="*/ 572676 w 636459"/>
+                  <a:gd name="connsiteY1" fmla="*/ 644389 h 4241765"/>
+                  <a:gd name="connsiteX2" fmla="*/ 632615 w 636459"/>
+                  <a:gd name="connsiteY2" fmla="*/ 919487 h 4241765"/>
+                  <a:gd name="connsiteX3" fmla="*/ 627665 w 636459"/>
+                  <a:gd name="connsiteY3" fmla="*/ 4241765 h 4241765"/>
+                  <a:gd name="connsiteX0" fmla="*/ 0 w 636459"/>
+                  <a:gd name="connsiteY0" fmla="*/ 0 h 4241765"/>
+                  <a:gd name="connsiteX1" fmla="*/ 572676 w 636459"/>
+                  <a:gd name="connsiteY1" fmla="*/ 644389 h 4241765"/>
+                  <a:gd name="connsiteX2" fmla="*/ 632615 w 636459"/>
+                  <a:gd name="connsiteY2" fmla="*/ 919487 h 4241765"/>
+                  <a:gd name="connsiteX3" fmla="*/ 627665 w 636459"/>
+                  <a:gd name="connsiteY3" fmla="*/ 4241765 h 4241765"/>
+                  <a:gd name="connsiteX0" fmla="*/ 0 w 633936"/>
+                  <a:gd name="connsiteY0" fmla="*/ 0 h 4241765"/>
+                  <a:gd name="connsiteX1" fmla="*/ 572676 w 633936"/>
+                  <a:gd name="connsiteY1" fmla="*/ 644389 h 4241765"/>
+                  <a:gd name="connsiteX2" fmla="*/ 632615 w 633936"/>
+                  <a:gd name="connsiteY2" fmla="*/ 919487 h 4241765"/>
+                  <a:gd name="connsiteX3" fmla="*/ 627665 w 633936"/>
+                  <a:gd name="connsiteY3" fmla="*/ 4241765 h 4241765"/>
+                  <a:gd name="connsiteX0" fmla="*/ 0 w 632828"/>
+                  <a:gd name="connsiteY0" fmla="*/ 0 h 4241765"/>
+                  <a:gd name="connsiteX1" fmla="*/ 538065 w 632828"/>
+                  <a:gd name="connsiteY1" fmla="*/ 605899 h 4241765"/>
+                  <a:gd name="connsiteX2" fmla="*/ 632615 w 632828"/>
+                  <a:gd name="connsiteY2" fmla="*/ 919487 h 4241765"/>
+                  <a:gd name="connsiteX3" fmla="*/ 627665 w 632828"/>
+                  <a:gd name="connsiteY3" fmla="*/ 4241765 h 4241765"/>
+                  <a:gd name="connsiteX0" fmla="*/ 0 w 632827"/>
+                  <a:gd name="connsiteY0" fmla="*/ 0 h 4241765"/>
+                  <a:gd name="connsiteX1" fmla="*/ 538065 w 632827"/>
+                  <a:gd name="connsiteY1" fmla="*/ 605899 h 4241765"/>
+                  <a:gd name="connsiteX2" fmla="*/ 632615 w 632827"/>
+                  <a:gd name="connsiteY2" fmla="*/ 919487 h 4241765"/>
+                  <a:gd name="connsiteX3" fmla="*/ 627665 w 632827"/>
+                  <a:gd name="connsiteY3" fmla="*/ 4241765 h 4241765"/>
+                  <a:gd name="connsiteX0" fmla="*/ 0 w 632827"/>
+                  <a:gd name="connsiteY0" fmla="*/ 0 h 4241765"/>
+                  <a:gd name="connsiteX1" fmla="*/ 538065 w 632827"/>
+                  <a:gd name="connsiteY1" fmla="*/ 605899 h 4241765"/>
+                  <a:gd name="connsiteX2" fmla="*/ 632615 w 632827"/>
+                  <a:gd name="connsiteY2" fmla="*/ 919487 h 4241765"/>
+                  <a:gd name="connsiteX3" fmla="*/ 627665 w 632827"/>
+                  <a:gd name="connsiteY3" fmla="*/ 4241765 h 4241765"/>
+                  <a:gd name="connsiteX0" fmla="*/ 0 w 632827"/>
+                  <a:gd name="connsiteY0" fmla="*/ 0 h 4241765"/>
+                  <a:gd name="connsiteX1" fmla="*/ 538065 w 632827"/>
+                  <a:gd name="connsiteY1" fmla="*/ 605899 h 4241765"/>
+                  <a:gd name="connsiteX2" fmla="*/ 632615 w 632827"/>
+                  <a:gd name="connsiteY2" fmla="*/ 919487 h 4241765"/>
+                  <a:gd name="connsiteX3" fmla="*/ 627665 w 632827"/>
+                  <a:gd name="connsiteY3" fmla="*/ 4241765 h 4241765"/>
+                </a:gdLst>
+                <a:ahLst/>
+                <a:cxnLst>
+                  <a:cxn ang="0">
+                    <a:pos x="connsiteX0" y="connsiteY0"/>
+                  </a:cxn>
+                  <a:cxn ang="0">
+                    <a:pos x="connsiteX1" y="connsiteY1"/>
+                  </a:cxn>
+                  <a:cxn ang="0">
+                    <a:pos x="connsiteX2" y="connsiteY2"/>
+                  </a:cxn>
+                  <a:cxn ang="0">
+                    <a:pos x="connsiteX3" y="connsiteY3"/>
+                  </a:cxn>
+                </a:cxnLst>
+                <a:rect l="l" t="t" r="r" b="b"/>
+                <a:pathLst>
+                  <a:path w="632827" h="4241765">
+                    <a:moveTo>
+                      <a:pt x="0" y="0"/>
+                    </a:moveTo>
+                    <a:lnTo>
+                      <a:pt x="538065" y="605899"/>
+                    </a:lnTo>
+                    <a:cubicBezTo>
+                      <a:pt x="604178" y="691617"/>
+                      <a:pt x="635752" y="766511"/>
+                      <a:pt x="632615" y="919487"/>
+                    </a:cubicBezTo>
+                    <a:cubicBezTo>
+                      <a:pt x="630526" y="1188950"/>
+                      <a:pt x="629754" y="3972302"/>
+                      <a:pt x="627665" y="4241765"/>
+                    </a:cubicBezTo>
+                  </a:path>
+                </a:pathLst>
+              </a:custGeom>
+              <a:ln w="12700">
+                <a:solidFill>
+                  <a:srgbClr val="3EB8BE">
+                    <a:alpha val="80000"/>
+                  </a:srgbClr>
+                </a:solidFill>
+                <a:prstDash val="solid"/>
+                <a:headEnd type="oval" w="lg" len="lg"/>
+                <a:tailEnd type="none"/>
+              </a:ln>
+              <a:effectLst>
+                <a:innerShdw blurRad="63500" dist="50800" dir="13500000">
+                  <a:prstClr val="black">
+                    <a:alpha val="50000"/>
+                  </a:prstClr>
+                </a:innerShdw>
+              </a:effectLst>
+            </p:spPr>
+            <p:style>
+              <a:lnRef idx="1">
+                <a:schemeClr val="accent1"/>
+              </a:lnRef>
+              <a:fillRef idx="0">
+                <a:schemeClr val="accent1"/>
+              </a:fillRef>
+              <a:effectRef idx="0">
+                <a:schemeClr val="accent1"/>
+              </a:effectRef>
+              <a:fontRef idx="minor">
+                <a:schemeClr val="tx1"/>
+              </a:fontRef>
+            </p:style>
+            <p:txBody>
+              <a:bodyPr rtlCol="0" anchor="ctr"/>
+              <a:lstStyle/>
+              <a:p>
+                <a:pPr algn="ctr"/>
+                <a:endParaRPr lang="zh-CN" altLang="en-US" dirty="0">
+                  <a:solidFill>
+                    <a:schemeClr val="tx1"/>
+                  </a:solidFill>
+                </a:endParaRPr>
+              </a:p>
+            </p:txBody>
+          </p:sp>
+          <p:sp>
+            <p:nvSpPr>
+              <p:cNvPr id="14" name="圆角矩形 6"/>
+              <p:cNvSpPr/>
+              <p:nvPr/>
+            </p:nvSpPr>
+            <p:spPr>
+              <a:xfrm rot="5400000" flipV="1">
+                <a:off x="7031421" y="3291586"/>
+                <a:ext cx="501489" cy="3948258"/>
+              </a:xfrm>
+              <a:custGeom>
+                <a:avLst/>
+                <a:gdLst>
+                  <a:gd name="connsiteX0" fmla="*/ 0 w 670708"/>
+                  <a:gd name="connsiteY0" fmla="*/ 112518 h 1095765"/>
+                  <a:gd name="connsiteX1" fmla="*/ 112518 w 670708"/>
+                  <a:gd name="connsiteY1" fmla="*/ 0 h 1095765"/>
+                  <a:gd name="connsiteX2" fmla="*/ 558190 w 670708"/>
+                  <a:gd name="connsiteY2" fmla="*/ 0 h 1095765"/>
+                  <a:gd name="connsiteX3" fmla="*/ 670708 w 670708"/>
+                  <a:gd name="connsiteY3" fmla="*/ 112518 h 1095765"/>
+                  <a:gd name="connsiteX4" fmla="*/ 670708 w 670708"/>
+                  <a:gd name="connsiteY4" fmla="*/ 983247 h 1095765"/>
+                  <a:gd name="connsiteX5" fmla="*/ 558190 w 670708"/>
+                  <a:gd name="connsiteY5" fmla="*/ 1095765 h 1095765"/>
+                  <a:gd name="connsiteX6" fmla="*/ 112518 w 670708"/>
+                  <a:gd name="connsiteY6" fmla="*/ 1095765 h 1095765"/>
+                  <a:gd name="connsiteX7" fmla="*/ 0 w 670708"/>
+                  <a:gd name="connsiteY7" fmla="*/ 983247 h 1095765"/>
+                  <a:gd name="connsiteX8" fmla="*/ 0 w 670708"/>
+                  <a:gd name="connsiteY8" fmla="*/ 112518 h 1095765"/>
+                  <a:gd name="connsiteX0" fmla="*/ 0 w 670708"/>
+                  <a:gd name="connsiteY0" fmla="*/ 983247 h 1095765"/>
+                  <a:gd name="connsiteX1" fmla="*/ 0 w 670708"/>
+                  <a:gd name="connsiteY1" fmla="*/ 112518 h 1095765"/>
+                  <a:gd name="connsiteX2" fmla="*/ 112518 w 670708"/>
+                  <a:gd name="connsiteY2" fmla="*/ 0 h 1095765"/>
+                  <a:gd name="connsiteX3" fmla="*/ 558190 w 670708"/>
+                  <a:gd name="connsiteY3" fmla="*/ 0 h 1095765"/>
+                  <a:gd name="connsiteX4" fmla="*/ 670708 w 670708"/>
+                  <a:gd name="connsiteY4" fmla="*/ 112518 h 1095765"/>
+                  <a:gd name="connsiteX5" fmla="*/ 670708 w 670708"/>
+                  <a:gd name="connsiteY5" fmla="*/ 983247 h 1095765"/>
+                  <a:gd name="connsiteX6" fmla="*/ 558190 w 670708"/>
+                  <a:gd name="connsiteY6" fmla="*/ 1095765 h 1095765"/>
+                  <a:gd name="connsiteX7" fmla="*/ 112518 w 670708"/>
+                  <a:gd name="connsiteY7" fmla="*/ 1095765 h 1095765"/>
+                  <a:gd name="connsiteX8" fmla="*/ 91440 w 670708"/>
+                  <a:gd name="connsiteY8" fmla="*/ 1074687 h 1095765"/>
+                  <a:gd name="connsiteX0" fmla="*/ 0 w 670708"/>
+                  <a:gd name="connsiteY0" fmla="*/ 983247 h 1095765"/>
+                  <a:gd name="connsiteX1" fmla="*/ 0 w 670708"/>
+                  <a:gd name="connsiteY1" fmla="*/ 112518 h 1095765"/>
+                  <a:gd name="connsiteX2" fmla="*/ 112518 w 670708"/>
+                  <a:gd name="connsiteY2" fmla="*/ 0 h 1095765"/>
+                  <a:gd name="connsiteX3" fmla="*/ 558190 w 670708"/>
+                  <a:gd name="connsiteY3" fmla="*/ 0 h 1095765"/>
+                  <a:gd name="connsiteX4" fmla="*/ 670708 w 670708"/>
+                  <a:gd name="connsiteY4" fmla="*/ 112518 h 1095765"/>
+                  <a:gd name="connsiteX5" fmla="*/ 670708 w 670708"/>
+                  <a:gd name="connsiteY5" fmla="*/ 983247 h 1095765"/>
+                  <a:gd name="connsiteX6" fmla="*/ 558190 w 670708"/>
+                  <a:gd name="connsiteY6" fmla="*/ 1095765 h 1095765"/>
+                  <a:gd name="connsiteX7" fmla="*/ 112518 w 670708"/>
+                  <a:gd name="connsiteY7" fmla="*/ 1095765 h 1095765"/>
+                  <a:gd name="connsiteX0" fmla="*/ 0 w 670708"/>
+                  <a:gd name="connsiteY0" fmla="*/ 983247 h 1095765"/>
+                  <a:gd name="connsiteX1" fmla="*/ 0 w 670708"/>
+                  <a:gd name="connsiteY1" fmla="*/ 112518 h 1095765"/>
+                  <a:gd name="connsiteX2" fmla="*/ 112518 w 670708"/>
+                  <a:gd name="connsiteY2" fmla="*/ 0 h 1095765"/>
+                  <a:gd name="connsiteX3" fmla="*/ 558190 w 670708"/>
+                  <a:gd name="connsiteY3" fmla="*/ 0 h 1095765"/>
+                  <a:gd name="connsiteX4" fmla="*/ 670708 w 670708"/>
+                  <a:gd name="connsiteY4" fmla="*/ 112518 h 1095765"/>
+                  <a:gd name="connsiteX5" fmla="*/ 670708 w 670708"/>
+                  <a:gd name="connsiteY5" fmla="*/ 983247 h 1095765"/>
+                  <a:gd name="connsiteX6" fmla="*/ 558190 w 670708"/>
+                  <a:gd name="connsiteY6" fmla="*/ 1095765 h 1095765"/>
+                  <a:gd name="connsiteX0" fmla="*/ 0 w 670708"/>
+                  <a:gd name="connsiteY0" fmla="*/ 983247 h 983247"/>
+                  <a:gd name="connsiteX1" fmla="*/ 0 w 670708"/>
+                  <a:gd name="connsiteY1" fmla="*/ 112518 h 983247"/>
+                  <a:gd name="connsiteX2" fmla="*/ 112518 w 670708"/>
+                  <a:gd name="connsiteY2" fmla="*/ 0 h 983247"/>
+                  <a:gd name="connsiteX3" fmla="*/ 558190 w 670708"/>
+                  <a:gd name="connsiteY3" fmla="*/ 0 h 983247"/>
+                  <a:gd name="connsiteX4" fmla="*/ 670708 w 670708"/>
+                  <a:gd name="connsiteY4" fmla="*/ 112518 h 983247"/>
+                  <a:gd name="connsiteX5" fmla="*/ 670708 w 670708"/>
+                  <a:gd name="connsiteY5" fmla="*/ 983247 h 983247"/>
+                  <a:gd name="connsiteX0" fmla="*/ 0 w 670708"/>
+                  <a:gd name="connsiteY0" fmla="*/ 112518 h 983247"/>
+                  <a:gd name="connsiteX1" fmla="*/ 112518 w 670708"/>
+                  <a:gd name="connsiteY1" fmla="*/ 0 h 983247"/>
+                  <a:gd name="connsiteX2" fmla="*/ 558190 w 670708"/>
+                  <a:gd name="connsiteY2" fmla="*/ 0 h 983247"/>
+                  <a:gd name="connsiteX3" fmla="*/ 670708 w 670708"/>
+                  <a:gd name="connsiteY3" fmla="*/ 112518 h 983247"/>
+                  <a:gd name="connsiteX4" fmla="*/ 670708 w 670708"/>
+                  <a:gd name="connsiteY4" fmla="*/ 983247 h 983247"/>
+                  <a:gd name="connsiteX0" fmla="*/ 0 w 558190"/>
+                  <a:gd name="connsiteY0" fmla="*/ 0 h 983247"/>
+                  <a:gd name="connsiteX1" fmla="*/ 445672 w 558190"/>
+                  <a:gd name="connsiteY1" fmla="*/ 0 h 983247"/>
+                  <a:gd name="connsiteX2" fmla="*/ 558190 w 558190"/>
+                  <a:gd name="connsiteY2" fmla="*/ 112518 h 983247"/>
+                  <a:gd name="connsiteX3" fmla="*/ 558190 w 558190"/>
+                  <a:gd name="connsiteY3" fmla="*/ 983247 h 983247"/>
+                  <a:gd name="connsiteX0" fmla="*/ 0 w 627665"/>
+                  <a:gd name="connsiteY0" fmla="*/ 0 h 1379865"/>
+                  <a:gd name="connsiteX1" fmla="*/ 515147 w 627665"/>
+                  <a:gd name="connsiteY1" fmla="*/ 396618 h 1379865"/>
+                  <a:gd name="connsiteX2" fmla="*/ 627665 w 627665"/>
+                  <a:gd name="connsiteY2" fmla="*/ 509136 h 1379865"/>
+                  <a:gd name="connsiteX3" fmla="*/ 627665 w 627665"/>
+                  <a:gd name="connsiteY3" fmla="*/ 1379865 h 1379865"/>
+                  <a:gd name="connsiteX0" fmla="*/ 0 w 627665"/>
+                  <a:gd name="connsiteY0" fmla="*/ 0 h 1379865"/>
+                  <a:gd name="connsiteX1" fmla="*/ 515147 w 627665"/>
+                  <a:gd name="connsiteY1" fmla="*/ 396618 h 1379865"/>
+                  <a:gd name="connsiteX2" fmla="*/ 627665 w 627665"/>
+                  <a:gd name="connsiteY2" fmla="*/ 509136 h 1379865"/>
+                  <a:gd name="connsiteX3" fmla="*/ 627665 w 627665"/>
+                  <a:gd name="connsiteY3" fmla="*/ 1379865 h 1379865"/>
+                  <a:gd name="connsiteX0" fmla="*/ 0 w 627665"/>
+                  <a:gd name="connsiteY0" fmla="*/ 0 h 1379865"/>
+                  <a:gd name="connsiteX1" fmla="*/ 515147 w 627665"/>
+                  <a:gd name="connsiteY1" fmla="*/ 396618 h 1379865"/>
+                  <a:gd name="connsiteX2" fmla="*/ 627665 w 627665"/>
+                  <a:gd name="connsiteY2" fmla="*/ 509136 h 1379865"/>
+                  <a:gd name="connsiteX3" fmla="*/ 627665 w 627665"/>
+                  <a:gd name="connsiteY3" fmla="*/ 1379865 h 1379865"/>
+                  <a:gd name="connsiteX0" fmla="*/ 0 w 627665"/>
+                  <a:gd name="connsiteY0" fmla="*/ 0 h 1379865"/>
+                  <a:gd name="connsiteX1" fmla="*/ 515147 w 627665"/>
+                  <a:gd name="connsiteY1" fmla="*/ 396618 h 1379865"/>
+                  <a:gd name="connsiteX2" fmla="*/ 627665 w 627665"/>
+                  <a:gd name="connsiteY2" fmla="*/ 509136 h 1379865"/>
+                  <a:gd name="connsiteX3" fmla="*/ 627665 w 627665"/>
+                  <a:gd name="connsiteY3" fmla="*/ 1379865 h 1379865"/>
+                  <a:gd name="connsiteX0" fmla="*/ 0 w 627665"/>
+                  <a:gd name="connsiteY0" fmla="*/ 0 h 1379865"/>
+                  <a:gd name="connsiteX1" fmla="*/ 518280 w 627665"/>
+                  <a:gd name="connsiteY1" fmla="*/ 374934 h 1379865"/>
+                  <a:gd name="connsiteX2" fmla="*/ 627665 w 627665"/>
+                  <a:gd name="connsiteY2" fmla="*/ 509136 h 1379865"/>
+                  <a:gd name="connsiteX3" fmla="*/ 627665 w 627665"/>
+                  <a:gd name="connsiteY3" fmla="*/ 1379865 h 1379865"/>
+                  <a:gd name="connsiteX0" fmla="*/ 0 w 627665"/>
+                  <a:gd name="connsiteY0" fmla="*/ 0 h 1379865"/>
+                  <a:gd name="connsiteX1" fmla="*/ 518280 w 627665"/>
+                  <a:gd name="connsiteY1" fmla="*/ 374934 h 1379865"/>
+                  <a:gd name="connsiteX2" fmla="*/ 627665 w 627665"/>
+                  <a:gd name="connsiteY2" fmla="*/ 509136 h 1379865"/>
+                  <a:gd name="connsiteX3" fmla="*/ 627665 w 627665"/>
+                  <a:gd name="connsiteY3" fmla="*/ 1379865 h 1379865"/>
+                  <a:gd name="connsiteX0" fmla="*/ 0 w 627665"/>
+                  <a:gd name="connsiteY0" fmla="*/ 0 h 1379865"/>
+                  <a:gd name="connsiteX1" fmla="*/ 518280 w 627665"/>
+                  <a:gd name="connsiteY1" fmla="*/ 374934 h 1379865"/>
+                  <a:gd name="connsiteX2" fmla="*/ 627665 w 627665"/>
+                  <a:gd name="connsiteY2" fmla="*/ 509136 h 1379865"/>
+                  <a:gd name="connsiteX3" fmla="*/ 627665 w 627665"/>
+                  <a:gd name="connsiteY3" fmla="*/ 1379865 h 1379865"/>
+                  <a:gd name="connsiteX0" fmla="*/ 0 w 633931"/>
+                  <a:gd name="connsiteY0" fmla="*/ 0 h 1379865"/>
+                  <a:gd name="connsiteX1" fmla="*/ 518280 w 633931"/>
+                  <a:gd name="connsiteY1" fmla="*/ 374934 h 1379865"/>
+                  <a:gd name="connsiteX2" fmla="*/ 633931 w 633931"/>
+                  <a:gd name="connsiteY2" fmla="*/ 571477 h 1379865"/>
+                  <a:gd name="connsiteX3" fmla="*/ 627665 w 633931"/>
+                  <a:gd name="connsiteY3" fmla="*/ 1379865 h 1379865"/>
+                  <a:gd name="connsiteX0" fmla="*/ 0 w 634110"/>
+                  <a:gd name="connsiteY0" fmla="*/ 0 h 1379865"/>
+                  <a:gd name="connsiteX1" fmla="*/ 518280 w 634110"/>
+                  <a:gd name="connsiteY1" fmla="*/ 374934 h 1379865"/>
+                  <a:gd name="connsiteX2" fmla="*/ 633931 w 634110"/>
+                  <a:gd name="connsiteY2" fmla="*/ 571477 h 1379865"/>
+                  <a:gd name="connsiteX3" fmla="*/ 627665 w 634110"/>
+                  <a:gd name="connsiteY3" fmla="*/ 1379865 h 1379865"/>
+                  <a:gd name="connsiteX0" fmla="*/ 0 w 628268"/>
+                  <a:gd name="connsiteY0" fmla="*/ 0 h 1379865"/>
+                  <a:gd name="connsiteX1" fmla="*/ 518280 w 628268"/>
+                  <a:gd name="connsiteY1" fmla="*/ 374934 h 1379865"/>
+                  <a:gd name="connsiteX2" fmla="*/ 627666 w 628268"/>
+                  <a:gd name="connsiteY2" fmla="*/ 568769 h 1379865"/>
+                  <a:gd name="connsiteX3" fmla="*/ 627665 w 628268"/>
+                  <a:gd name="connsiteY3" fmla="*/ 1379865 h 1379865"/>
+                  <a:gd name="connsiteX0" fmla="*/ 0 w 628268"/>
+                  <a:gd name="connsiteY0" fmla="*/ 0 h 2425419"/>
+                  <a:gd name="connsiteX1" fmla="*/ 518280 w 628268"/>
+                  <a:gd name="connsiteY1" fmla="*/ 374934 h 2425419"/>
+                  <a:gd name="connsiteX2" fmla="*/ 627666 w 628268"/>
+                  <a:gd name="connsiteY2" fmla="*/ 568769 h 2425419"/>
+                  <a:gd name="connsiteX3" fmla="*/ 627665 w 628268"/>
+                  <a:gd name="connsiteY3" fmla="*/ 2425419 h 2425419"/>
+                  <a:gd name="connsiteX0" fmla="*/ 0 w 628268"/>
+                  <a:gd name="connsiteY0" fmla="*/ 0 h 4241765"/>
+                  <a:gd name="connsiteX1" fmla="*/ 518280 w 628268"/>
+                  <a:gd name="connsiteY1" fmla="*/ 374934 h 4241765"/>
+                  <a:gd name="connsiteX2" fmla="*/ 627666 w 628268"/>
+                  <a:gd name="connsiteY2" fmla="*/ 568769 h 4241765"/>
+                  <a:gd name="connsiteX3" fmla="*/ 627665 w 628268"/>
+                  <a:gd name="connsiteY3" fmla="*/ 4241765 h 4241765"/>
+                  <a:gd name="connsiteX0" fmla="*/ 0 w 632800"/>
+                  <a:gd name="connsiteY0" fmla="*/ 0 h 4241765"/>
+                  <a:gd name="connsiteX1" fmla="*/ 518280 w 632800"/>
+                  <a:gd name="connsiteY1" fmla="*/ 374934 h 4241765"/>
+                  <a:gd name="connsiteX2" fmla="*/ 632615 w 632800"/>
+                  <a:gd name="connsiteY2" fmla="*/ 919487 h 4241765"/>
+                  <a:gd name="connsiteX3" fmla="*/ 627665 w 632800"/>
+                  <a:gd name="connsiteY3" fmla="*/ 4241765 h 4241765"/>
+                  <a:gd name="connsiteX0" fmla="*/ 0 w 636459"/>
+                  <a:gd name="connsiteY0" fmla="*/ 0 h 4241765"/>
+                  <a:gd name="connsiteX1" fmla="*/ 572676 w 636459"/>
+                  <a:gd name="connsiteY1" fmla="*/ 644389 h 4241765"/>
+                  <a:gd name="connsiteX2" fmla="*/ 632615 w 636459"/>
+                  <a:gd name="connsiteY2" fmla="*/ 919487 h 4241765"/>
+                  <a:gd name="connsiteX3" fmla="*/ 627665 w 636459"/>
+                  <a:gd name="connsiteY3" fmla="*/ 4241765 h 4241765"/>
+                  <a:gd name="connsiteX0" fmla="*/ 0 w 636459"/>
+                  <a:gd name="connsiteY0" fmla="*/ 0 h 4241765"/>
+                  <a:gd name="connsiteX1" fmla="*/ 572676 w 636459"/>
+                  <a:gd name="connsiteY1" fmla="*/ 644389 h 4241765"/>
+                  <a:gd name="connsiteX2" fmla="*/ 632615 w 636459"/>
+                  <a:gd name="connsiteY2" fmla="*/ 919487 h 4241765"/>
+                  <a:gd name="connsiteX3" fmla="*/ 627665 w 636459"/>
+                  <a:gd name="connsiteY3" fmla="*/ 4241765 h 4241765"/>
+                  <a:gd name="connsiteX0" fmla="*/ 0 w 636459"/>
+                  <a:gd name="connsiteY0" fmla="*/ 0 h 4241765"/>
+                  <a:gd name="connsiteX1" fmla="*/ 572676 w 636459"/>
+                  <a:gd name="connsiteY1" fmla="*/ 644389 h 4241765"/>
+                  <a:gd name="connsiteX2" fmla="*/ 632615 w 636459"/>
+                  <a:gd name="connsiteY2" fmla="*/ 919487 h 4241765"/>
+                  <a:gd name="connsiteX3" fmla="*/ 627665 w 636459"/>
+                  <a:gd name="connsiteY3" fmla="*/ 4241765 h 4241765"/>
+                  <a:gd name="connsiteX0" fmla="*/ 0 w 636459"/>
+                  <a:gd name="connsiteY0" fmla="*/ 0 h 4241765"/>
+                  <a:gd name="connsiteX1" fmla="*/ 572676 w 636459"/>
+                  <a:gd name="connsiteY1" fmla="*/ 644389 h 4241765"/>
+                  <a:gd name="connsiteX2" fmla="*/ 632615 w 636459"/>
+                  <a:gd name="connsiteY2" fmla="*/ 919487 h 4241765"/>
+                  <a:gd name="connsiteX3" fmla="*/ 627665 w 636459"/>
+                  <a:gd name="connsiteY3" fmla="*/ 4241765 h 4241765"/>
+                  <a:gd name="connsiteX0" fmla="*/ 0 w 633936"/>
+                  <a:gd name="connsiteY0" fmla="*/ 0 h 4241765"/>
+                  <a:gd name="connsiteX1" fmla="*/ 572676 w 633936"/>
+                  <a:gd name="connsiteY1" fmla="*/ 644389 h 4241765"/>
+                  <a:gd name="connsiteX2" fmla="*/ 632615 w 633936"/>
+                  <a:gd name="connsiteY2" fmla="*/ 919487 h 4241765"/>
+                  <a:gd name="connsiteX3" fmla="*/ 627665 w 633936"/>
+                  <a:gd name="connsiteY3" fmla="*/ 4241765 h 4241765"/>
+                  <a:gd name="connsiteX0" fmla="*/ 0 w 632828"/>
+                  <a:gd name="connsiteY0" fmla="*/ 0 h 4241765"/>
+                  <a:gd name="connsiteX1" fmla="*/ 538065 w 632828"/>
+                  <a:gd name="connsiteY1" fmla="*/ 605899 h 4241765"/>
+                  <a:gd name="connsiteX2" fmla="*/ 632615 w 632828"/>
+                  <a:gd name="connsiteY2" fmla="*/ 919487 h 4241765"/>
+                  <a:gd name="connsiteX3" fmla="*/ 627665 w 632828"/>
+                  <a:gd name="connsiteY3" fmla="*/ 4241765 h 4241765"/>
+                  <a:gd name="connsiteX0" fmla="*/ 0 w 632827"/>
+                  <a:gd name="connsiteY0" fmla="*/ 0 h 4241765"/>
+                  <a:gd name="connsiteX1" fmla="*/ 538065 w 632827"/>
+                  <a:gd name="connsiteY1" fmla="*/ 605899 h 4241765"/>
+                  <a:gd name="connsiteX2" fmla="*/ 632615 w 632827"/>
+                  <a:gd name="connsiteY2" fmla="*/ 919487 h 4241765"/>
+                  <a:gd name="connsiteX3" fmla="*/ 627665 w 632827"/>
+                  <a:gd name="connsiteY3" fmla="*/ 4241765 h 4241765"/>
+                  <a:gd name="connsiteX0" fmla="*/ 0 w 632827"/>
+                  <a:gd name="connsiteY0" fmla="*/ 0 h 4241765"/>
+                  <a:gd name="connsiteX1" fmla="*/ 538065 w 632827"/>
+                  <a:gd name="connsiteY1" fmla="*/ 605899 h 4241765"/>
+                  <a:gd name="connsiteX2" fmla="*/ 632615 w 632827"/>
+                  <a:gd name="connsiteY2" fmla="*/ 919487 h 4241765"/>
+                  <a:gd name="connsiteX3" fmla="*/ 627665 w 632827"/>
+                  <a:gd name="connsiteY3" fmla="*/ 4241765 h 4241765"/>
+                  <a:gd name="connsiteX0" fmla="*/ 0 w 632827"/>
+                  <a:gd name="connsiteY0" fmla="*/ 0 h 4241765"/>
+                  <a:gd name="connsiteX1" fmla="*/ 538065 w 632827"/>
+                  <a:gd name="connsiteY1" fmla="*/ 605899 h 4241765"/>
+                  <a:gd name="connsiteX2" fmla="*/ 632615 w 632827"/>
+                  <a:gd name="connsiteY2" fmla="*/ 919487 h 4241765"/>
+                  <a:gd name="connsiteX3" fmla="*/ 627665 w 632827"/>
+                  <a:gd name="connsiteY3" fmla="*/ 4241765 h 4241765"/>
+                </a:gdLst>
+                <a:ahLst/>
+                <a:cxnLst>
+                  <a:cxn ang="0">
+                    <a:pos x="connsiteX0" y="connsiteY0"/>
+                  </a:cxn>
+                  <a:cxn ang="0">
+                    <a:pos x="connsiteX1" y="connsiteY1"/>
+                  </a:cxn>
+                  <a:cxn ang="0">
+                    <a:pos x="connsiteX2" y="connsiteY2"/>
+                  </a:cxn>
+                  <a:cxn ang="0">
+                    <a:pos x="connsiteX3" y="connsiteY3"/>
+                  </a:cxn>
+                </a:cxnLst>
+                <a:rect l="l" t="t" r="r" b="b"/>
+                <a:pathLst>
+                  <a:path w="632827" h="4241765">
+                    <a:moveTo>
+                      <a:pt x="0" y="0"/>
+                    </a:moveTo>
+                    <a:lnTo>
+                      <a:pt x="538065" y="605899"/>
+                    </a:lnTo>
+                    <a:cubicBezTo>
+                      <a:pt x="604178" y="691617"/>
+                      <a:pt x="635752" y="766511"/>
+                      <a:pt x="632615" y="919487"/>
+                    </a:cubicBezTo>
+                    <a:cubicBezTo>
+                      <a:pt x="630526" y="1188950"/>
+                      <a:pt x="629754" y="3972302"/>
+                      <a:pt x="627665" y="4241765"/>
+                    </a:cubicBezTo>
+                  </a:path>
+                </a:pathLst>
+              </a:custGeom>
+              <a:ln w="12700">
+                <a:solidFill>
+                  <a:srgbClr val="3EB8BE">
+                    <a:alpha val="80000"/>
+                  </a:srgbClr>
+                </a:solidFill>
+                <a:prstDash val="solid"/>
+                <a:headEnd type="oval" w="lg" len="lg"/>
+                <a:tailEnd type="none"/>
+              </a:ln>
+              <a:effectLst>
+                <a:innerShdw blurRad="63500" dist="50800" dir="13500000">
+                  <a:prstClr val="black">
+                    <a:alpha val="50000"/>
+                  </a:prstClr>
+                </a:innerShdw>
+              </a:effectLst>
+            </p:spPr>
+            <p:style>
+              <a:lnRef idx="1">
+                <a:schemeClr val="accent1"/>
+              </a:lnRef>
+              <a:fillRef idx="0">
+                <a:schemeClr val="accent1"/>
+              </a:fillRef>
+              <a:effectRef idx="0">
+                <a:schemeClr val="accent1"/>
+              </a:effectRef>
+              <a:fontRef idx="minor">
+                <a:schemeClr val="tx1"/>
+              </a:fontRef>
+            </p:style>
+            <p:txBody>
+              <a:bodyPr rtlCol="0" anchor="ctr"/>
+              <a:lstStyle/>
+              <a:p>
+                <a:pPr algn="ctr"/>
+                <a:endParaRPr lang="zh-CN" altLang="en-US" dirty="0">
+                  <a:solidFill>
+                    <a:schemeClr val="tx1"/>
+                  </a:solidFill>
+                </a:endParaRPr>
+              </a:p>
+            </p:txBody>
+          </p:sp>
+          <p:sp>
+            <p:nvSpPr>
+              <p:cNvPr id="15" name="矩形 47"/>
+              <p:cNvSpPr>
+                <a:spLocks noChangeArrowheads="1"/>
+              </p:cNvSpPr>
+              <p:nvPr/>
+            </p:nvSpPr>
+            <p:spPr bwMode="auto">
+              <a:xfrm>
+                <a:off x="5850714" y="4658605"/>
+                <a:ext cx="3586524" cy="916747"/>
+              </a:xfrm>
+              <a:prstGeom prst="rect">
+                <a:avLst/>
+              </a:prstGeom>
+              <a:noFill/>
+              <a:ln>
+                <a:noFill/>
+              </a:ln>
+              <a:extLst>
+                <a:ext uri="{909E8E84-426E-40DD-AFC4-6F175D3DCCD1}">
+                  <a14:hiddenFill xmlns:a14="http://schemas.microsoft.com/office/drawing/2010/main">
+                    <a:solidFill>
+                      <a:srgbClr val="FFFFFF"/>
+                    </a:solidFill>
+                  </a14:hiddenFill>
+                </a:ext>
+                <a:ext uri="{91240B29-F687-4F45-9708-019B960494DF}">
+                  <a14:hiddenLine xmlns:a14="http://schemas.microsoft.com/office/drawing/2010/main" w="9525">
+                    <a:solidFill>
+                      <a:srgbClr val="000000"/>
+                    </a:solidFill>
+                    <a:miter lim="800000"/>
+                    <a:headEnd/>
+                    <a:tailEnd/>
+                  </a14:hiddenLine>
+                </a:ext>
+              </a:extLst>
+            </p:spPr>
+            <p:txBody>
+              <a:bodyPr wrap="square" lIns="91434" tIns="45718" rIns="91434" bIns="45718">
+                <a:spAutoFit/>
+              </a:bodyPr>
+              <a:lstStyle/>
+              <a:p>
+                <a:pPr algn="just">
+                  <a:lnSpc>
+                    <a:spcPct val="120000"/>
+                  </a:lnSpc>
+                  <a:spcBef>
+                    <a:spcPct val="0"/>
+                  </a:spcBef>
+                  <a:buFont typeface="Arial" charset="0"/>
+                  <a:buNone/>
+                </a:pPr>
+                <a:r>
+                  <a:rPr lang="zh-CN" altLang="en-US" sz="1200" dirty="0" smtClean="0">
+                    <a:solidFill>
+                      <a:schemeClr val="tx1">
+                        <a:lumMod val="75000"/>
+                        <a:lumOff val="25000"/>
+                      </a:schemeClr>
+                    </a:solidFill>
+                    <a:latin typeface="微软雅黑" pitchFamily="34" charset="-122"/>
+                    <a:ea typeface="微软雅黑" pitchFamily="34" charset="-122"/>
+                    <a:sym typeface="微软雅黑" pitchFamily="34" charset="-122"/>
+                  </a:rPr>
+                  <a:t>提取文件中相应的关键词用于后续冗余筛选与删除</a:t>
+                </a:r>
+                <a:endParaRPr lang="zh-CN" altLang="en-US" sz="1200" dirty="0">
+                  <a:solidFill>
+                    <a:schemeClr val="tx1">
+                      <a:lumMod val="75000"/>
+                      <a:lumOff val="25000"/>
+                    </a:schemeClr>
+                  </a:solidFill>
+                  <a:latin typeface="微软雅黑" pitchFamily="34" charset="-122"/>
+                  <a:ea typeface="微软雅黑" pitchFamily="34" charset="-122"/>
+                  <a:sym typeface="微软雅黑" pitchFamily="34" charset="-122"/>
+                </a:endParaRPr>
+              </a:p>
+            </p:txBody>
+          </p:sp>
+          <p:grpSp>
+            <p:nvGrpSpPr>
+              <p:cNvPr id="16" name="组合 15"/>
+              <p:cNvGrpSpPr/>
+              <p:nvPr/>
+            </p:nvGrpSpPr>
+            <p:grpSpPr>
+              <a:xfrm>
+                <a:off x="5630607" y="2542463"/>
+                <a:ext cx="1840512" cy="1628561"/>
+                <a:chOff x="2795121" y="2838380"/>
+                <a:chExt cx="1128251" cy="998323"/>
+              </a:xfrm>
+            </p:grpSpPr>
+            <p:sp>
+              <p:nvSpPr>
+                <p:cNvPr id="29" name="Freeform 9"/>
+                <p:cNvSpPr>
+                  <a:spLocks/>
+                </p:cNvSpPr>
+                <p:nvPr/>
+              </p:nvSpPr>
+              <p:spPr bwMode="auto">
+                <a:xfrm>
+                  <a:off x="2795121" y="2838380"/>
+                  <a:ext cx="1128251" cy="998323"/>
+                </a:xfrm>
+                <a:custGeom>
+                  <a:avLst/>
+                  <a:gdLst>
+                    <a:gd name="T0" fmla="*/ 253 w 357"/>
+                    <a:gd name="T1" fmla="*/ 0 h 316"/>
+                    <a:gd name="T2" fmla="*/ 104 w 357"/>
+                    <a:gd name="T3" fmla="*/ 0 h 316"/>
+                    <a:gd name="T4" fmla="*/ 79 w 357"/>
+                    <a:gd name="T5" fmla="*/ 15 h 316"/>
+                    <a:gd name="T6" fmla="*/ 5 w 357"/>
+                    <a:gd name="T7" fmla="*/ 144 h 316"/>
+                    <a:gd name="T8" fmla="*/ 5 w 357"/>
+                    <a:gd name="T9" fmla="*/ 173 h 316"/>
+                    <a:gd name="T10" fmla="*/ 79 w 357"/>
+                    <a:gd name="T11" fmla="*/ 302 h 316"/>
+                    <a:gd name="T12" fmla="*/ 104 w 357"/>
+                    <a:gd name="T13" fmla="*/ 316 h 316"/>
+                    <a:gd name="T14" fmla="*/ 253 w 357"/>
+                    <a:gd name="T15" fmla="*/ 316 h 316"/>
+                    <a:gd name="T16" fmla="*/ 278 w 357"/>
+                    <a:gd name="T17" fmla="*/ 302 h 316"/>
+                    <a:gd name="T18" fmla="*/ 353 w 357"/>
+                    <a:gd name="T19" fmla="*/ 173 h 316"/>
+                    <a:gd name="T20" fmla="*/ 353 w 357"/>
+                    <a:gd name="T21" fmla="*/ 144 h 316"/>
+                    <a:gd name="T22" fmla="*/ 278 w 357"/>
+                    <a:gd name="T23" fmla="*/ 15 h 316"/>
+                    <a:gd name="T24" fmla="*/ 253 w 357"/>
+                    <a:gd name="T25" fmla="*/ 0 h 316"/>
+                  </a:gdLst>
+                  <a:ahLst/>
+                  <a:cxnLst>
+                    <a:cxn ang="0">
+                      <a:pos x="T0" y="T1"/>
+                    </a:cxn>
+                    <a:cxn ang="0">
+                      <a:pos x="T2" y="T3"/>
+                    </a:cxn>
+                    <a:cxn ang="0">
+                      <a:pos x="T4" y="T5"/>
+                    </a:cxn>
+                    <a:cxn ang="0">
+                      <a:pos x="T6" y="T7"/>
+                    </a:cxn>
+                    <a:cxn ang="0">
+                      <a:pos x="T8" y="T9"/>
+                    </a:cxn>
+                    <a:cxn ang="0">
+                      <a:pos x="T10" y="T11"/>
+                    </a:cxn>
+                    <a:cxn ang="0">
+                      <a:pos x="T12" y="T13"/>
+                    </a:cxn>
+                    <a:cxn ang="0">
+                      <a:pos x="T14" y="T15"/>
+                    </a:cxn>
+                    <a:cxn ang="0">
+                      <a:pos x="T16" y="T17"/>
+                    </a:cxn>
+                    <a:cxn ang="0">
+                      <a:pos x="T18" y="T19"/>
+                    </a:cxn>
+                    <a:cxn ang="0">
+                      <a:pos x="T20" y="T21"/>
+                    </a:cxn>
+                    <a:cxn ang="0">
+                      <a:pos x="T22" y="T23"/>
+                    </a:cxn>
+                    <a:cxn ang="0">
+                      <a:pos x="T24" y="T25"/>
+                    </a:cxn>
+                  </a:cxnLst>
+                  <a:rect l="0" t="0" r="r" b="b"/>
+                  <a:pathLst>
+                    <a:path w="357" h="316">
+                      <a:moveTo>
+                        <a:pt x="253" y="0"/>
+                      </a:moveTo>
+                      <a:cubicBezTo>
+                        <a:pt x="104" y="0"/>
+                        <a:pt x="104" y="0"/>
+                        <a:pt x="104" y="0"/>
+                      </a:cubicBezTo>
+                      <a:cubicBezTo>
+                        <a:pt x="95" y="0"/>
+                        <a:pt x="84" y="7"/>
+                        <a:pt x="79" y="15"/>
+                      </a:cubicBezTo>
+                      <a:cubicBezTo>
+                        <a:pt x="5" y="144"/>
+                        <a:pt x="5" y="144"/>
+                        <a:pt x="5" y="144"/>
+                      </a:cubicBezTo>
+                      <a:cubicBezTo>
+                        <a:pt x="0" y="152"/>
+                        <a:pt x="0" y="165"/>
+                        <a:pt x="5" y="173"/>
+                      </a:cubicBezTo>
+                      <a:cubicBezTo>
+                        <a:pt x="79" y="302"/>
+                        <a:pt x="79" y="302"/>
+                        <a:pt x="79" y="302"/>
+                      </a:cubicBezTo>
+                      <a:cubicBezTo>
+                        <a:pt x="84" y="310"/>
+                        <a:pt x="95" y="316"/>
+                        <a:pt x="104" y="316"/>
+                      </a:cubicBezTo>
+                      <a:cubicBezTo>
+                        <a:pt x="253" y="316"/>
+                        <a:pt x="253" y="316"/>
+                        <a:pt x="253" y="316"/>
+                      </a:cubicBezTo>
+                      <a:cubicBezTo>
+                        <a:pt x="263" y="316"/>
+                        <a:pt x="274" y="310"/>
+                        <a:pt x="278" y="302"/>
+                      </a:cubicBezTo>
+                      <a:cubicBezTo>
+                        <a:pt x="353" y="173"/>
+                        <a:pt x="353" y="173"/>
+                        <a:pt x="353" y="173"/>
+                      </a:cubicBezTo>
+                      <a:cubicBezTo>
+                        <a:pt x="357" y="165"/>
+                        <a:pt x="357" y="152"/>
+                        <a:pt x="353" y="144"/>
+                      </a:cubicBezTo>
+                      <a:cubicBezTo>
+                        <a:pt x="278" y="15"/>
+                        <a:pt x="278" y="15"/>
+                        <a:pt x="278" y="15"/>
+                      </a:cubicBezTo>
+                      <a:cubicBezTo>
+                        <a:pt x="274" y="7"/>
+                        <a:pt x="263" y="0"/>
+                        <a:pt x="253" y="0"/>
+                      </a:cubicBezTo>
+                    </a:path>
+                  </a:pathLst>
+                </a:custGeom>
+                <a:gradFill rotWithShape="1">
+                  <a:gsLst>
+                    <a:gs pos="93000">
+                      <a:srgbClr val="ECECEC"/>
+                    </a:gs>
+                    <a:gs pos="60000">
+                      <a:srgbClr val="F9F9F9"/>
+                    </a:gs>
+                    <a:gs pos="0">
+                      <a:srgbClr val="DBDBDB"/>
+                    </a:gs>
+                  </a:gsLst>
+                  <a:lin ang="7800000" scaled="0"/>
+                </a:gradFill>
+                <a:ln w="28575">
+                  <a:gradFill>
+                    <a:gsLst>
+                      <a:gs pos="0">
+                        <a:schemeClr val="bg1"/>
+                      </a:gs>
+                      <a:gs pos="100000">
+                        <a:schemeClr val="bg1">
+                          <a:lumMod val="85000"/>
+                        </a:schemeClr>
+                      </a:gs>
+                    </a:gsLst>
+                    <a:lin ang="7800000" scaled="0"/>
+                  </a:gradFill>
+                </a:ln>
+                <a:effectLst>
+                  <a:outerShdw blurRad="203200" dist="127000" dir="3600000" sx="102000" sy="102000" algn="ctr" rotWithShape="0">
+                    <a:schemeClr val="tx1">
+                      <a:lumMod val="90000"/>
+                      <a:lumOff val="10000"/>
+                      <a:alpha val="40000"/>
+                    </a:schemeClr>
+                  </a:outerShdw>
+                </a:effectLst>
+              </p:spPr>
+              <p:txBody>
+                <a:bodyPr wrap="none" anchor="ctr"/>
+                <a:lstStyle/>
+                <a:p>
+                  <a:pPr latinLnBrk="1"/>
+                  <a:endParaRPr kumimoji="1" lang="zh-CN" altLang="en-US" sz="2400">
+                    <a:solidFill>
+                      <a:srgbClr val="000000"/>
+                    </a:solidFill>
+                    <a:latin typeface="굴림" charset="-127"/>
+                    <a:ea typeface="굴림" charset="-127"/>
+                  </a:endParaRPr>
+                </a:p>
+              </p:txBody>
+            </p:sp>
+            <p:sp>
+              <p:nvSpPr>
+                <p:cNvPr id="30" name="Freeform 9"/>
+                <p:cNvSpPr>
+                  <a:spLocks/>
+                </p:cNvSpPr>
+                <p:nvPr/>
+              </p:nvSpPr>
+              <p:spPr bwMode="auto">
+                <a:xfrm>
+                  <a:off x="2928007" y="2955963"/>
+                  <a:ext cx="862479" cy="763157"/>
+                </a:xfrm>
+                <a:custGeom>
+                  <a:avLst/>
+                  <a:gdLst>
+                    <a:gd name="T0" fmla="*/ 253 w 357"/>
+                    <a:gd name="T1" fmla="*/ 0 h 316"/>
+                    <a:gd name="T2" fmla="*/ 104 w 357"/>
+                    <a:gd name="T3" fmla="*/ 0 h 316"/>
+                    <a:gd name="T4" fmla="*/ 79 w 357"/>
+                    <a:gd name="T5" fmla="*/ 15 h 316"/>
+                    <a:gd name="T6" fmla="*/ 5 w 357"/>
+                    <a:gd name="T7" fmla="*/ 144 h 316"/>
+                    <a:gd name="T8" fmla="*/ 5 w 357"/>
+                    <a:gd name="T9" fmla="*/ 173 h 316"/>
+                    <a:gd name="T10" fmla="*/ 79 w 357"/>
+                    <a:gd name="T11" fmla="*/ 302 h 316"/>
+                    <a:gd name="T12" fmla="*/ 104 w 357"/>
+                    <a:gd name="T13" fmla="*/ 316 h 316"/>
+                    <a:gd name="T14" fmla="*/ 253 w 357"/>
+                    <a:gd name="T15" fmla="*/ 316 h 316"/>
+                    <a:gd name="T16" fmla="*/ 278 w 357"/>
+                    <a:gd name="T17" fmla="*/ 302 h 316"/>
+                    <a:gd name="T18" fmla="*/ 353 w 357"/>
+                    <a:gd name="T19" fmla="*/ 173 h 316"/>
+                    <a:gd name="T20" fmla="*/ 353 w 357"/>
+                    <a:gd name="T21" fmla="*/ 144 h 316"/>
+                    <a:gd name="T22" fmla="*/ 278 w 357"/>
+                    <a:gd name="T23" fmla="*/ 15 h 316"/>
+                    <a:gd name="T24" fmla="*/ 253 w 357"/>
+                    <a:gd name="T25" fmla="*/ 0 h 316"/>
+                  </a:gdLst>
+                  <a:ahLst/>
+                  <a:cxnLst>
+                    <a:cxn ang="0">
+                      <a:pos x="T0" y="T1"/>
+                    </a:cxn>
+                    <a:cxn ang="0">
+                      <a:pos x="T2" y="T3"/>
+                    </a:cxn>
+                    <a:cxn ang="0">
+                      <a:pos x="T4" y="T5"/>
+                    </a:cxn>
+                    <a:cxn ang="0">
+                      <a:pos x="T6" y="T7"/>
+                    </a:cxn>
+                    <a:cxn ang="0">
+                      <a:pos x="T8" y="T9"/>
+                    </a:cxn>
+                    <a:cxn ang="0">
+                      <a:pos x="T10" y="T11"/>
+                    </a:cxn>
+                    <a:cxn ang="0">
+                      <a:pos x="T12" y="T13"/>
+                    </a:cxn>
+                    <a:cxn ang="0">
+                      <a:pos x="T14" y="T15"/>
+                    </a:cxn>
+                    <a:cxn ang="0">
+                      <a:pos x="T16" y="T17"/>
+                    </a:cxn>
+                    <a:cxn ang="0">
+                      <a:pos x="T18" y="T19"/>
+                    </a:cxn>
+                    <a:cxn ang="0">
+                      <a:pos x="T20" y="T21"/>
+                    </a:cxn>
+                    <a:cxn ang="0">
+                      <a:pos x="T22" y="T23"/>
+                    </a:cxn>
+                    <a:cxn ang="0">
+                      <a:pos x="T24" y="T25"/>
+                    </a:cxn>
+                  </a:cxnLst>
+                  <a:rect l="0" t="0" r="r" b="b"/>
+                  <a:pathLst>
+                    <a:path w="357" h="316">
+                      <a:moveTo>
+                        <a:pt x="253" y="0"/>
+                      </a:moveTo>
+                      <a:cubicBezTo>
+                        <a:pt x="104" y="0"/>
+                        <a:pt x="104" y="0"/>
+                        <a:pt x="104" y="0"/>
+                      </a:cubicBezTo>
+                      <a:cubicBezTo>
+                        <a:pt x="95" y="0"/>
+                        <a:pt x="84" y="7"/>
+                        <a:pt x="79" y="15"/>
+                      </a:cubicBezTo>
+                      <a:cubicBezTo>
+                        <a:pt x="5" y="144"/>
+                        <a:pt x="5" y="144"/>
+                        <a:pt x="5" y="144"/>
+                      </a:cubicBezTo>
+                      <a:cubicBezTo>
+                        <a:pt x="0" y="152"/>
+                        <a:pt x="0" y="165"/>
+                        <a:pt x="5" y="173"/>
+                      </a:cubicBezTo>
+                      <a:cubicBezTo>
+                        <a:pt x="79" y="302"/>
+                        <a:pt x="79" y="302"/>
+                        <a:pt x="79" y="302"/>
+                      </a:cubicBezTo>
+                      <a:cubicBezTo>
+                        <a:pt x="84" y="310"/>
+                        <a:pt x="95" y="316"/>
+                        <a:pt x="104" y="316"/>
+                      </a:cubicBezTo>
+                      <a:cubicBezTo>
+                        <a:pt x="253" y="316"/>
+                        <a:pt x="253" y="316"/>
+                        <a:pt x="253" y="316"/>
+                      </a:cubicBezTo>
+                      <a:cubicBezTo>
+                        <a:pt x="263" y="316"/>
+                        <a:pt x="274" y="310"/>
+                        <a:pt x="278" y="302"/>
+                      </a:cubicBezTo>
+                      <a:cubicBezTo>
+                        <a:pt x="353" y="173"/>
+                        <a:pt x="353" y="173"/>
+                        <a:pt x="353" y="173"/>
+                      </a:cubicBezTo>
+                      <a:cubicBezTo>
+                        <a:pt x="357" y="165"/>
+                        <a:pt x="357" y="152"/>
+                        <a:pt x="353" y="144"/>
+                      </a:cubicBezTo>
+                      <a:cubicBezTo>
+                        <a:pt x="278" y="15"/>
+                        <a:pt x="278" y="15"/>
+                        <a:pt x="278" y="15"/>
+                      </a:cubicBezTo>
+                      <a:cubicBezTo>
+                        <a:pt x="274" y="7"/>
+                        <a:pt x="263" y="0"/>
+                        <a:pt x="253" y="0"/>
+                      </a:cubicBezTo>
+                    </a:path>
+                  </a:pathLst>
+                </a:custGeom>
+                <a:solidFill>
+                  <a:srgbClr val="4ACBD6"/>
+                </a:solidFill>
+                <a:ln w="28575">
+                  <a:gradFill>
+                    <a:gsLst>
+                      <a:gs pos="0">
+                        <a:schemeClr val="bg1"/>
+                      </a:gs>
+                      <a:gs pos="100000">
+                        <a:schemeClr val="bg1">
+                          <a:lumMod val="85000"/>
+                        </a:schemeClr>
+                      </a:gs>
+                    </a:gsLst>
+                    <a:lin ang="4200000" scaled="0"/>
+                  </a:gradFill>
+                </a:ln>
+                <a:effectLst>
+                  <a:outerShdw blurRad="203200" dist="127000" dir="3600000" sx="102000" sy="102000" algn="ctr" rotWithShape="0">
+                    <a:schemeClr val="tx1">
+                      <a:lumMod val="90000"/>
+                      <a:lumOff val="10000"/>
+                      <a:alpha val="40000"/>
+                    </a:schemeClr>
+                  </a:outerShdw>
+                </a:effectLst>
+              </p:spPr>
+              <p:txBody>
+                <a:bodyPr wrap="none" anchor="ctr"/>
+                <a:lstStyle/>
+                <a:p>
+                  <a:pPr latinLnBrk="1"/>
+                  <a:endParaRPr kumimoji="1" lang="zh-CN" altLang="en-US" sz="2400">
+                    <a:solidFill>
+                      <a:srgbClr val="000000"/>
+                    </a:solidFill>
+                    <a:latin typeface="굴림" charset="-127"/>
+                    <a:ea typeface="굴림" charset="-127"/>
+                  </a:endParaRPr>
+                </a:p>
+              </p:txBody>
+            </p:sp>
+          </p:grpSp>
+          <p:sp>
+            <p:nvSpPr>
+              <p:cNvPr id="17" name="文本框 16"/>
+              <p:cNvSpPr txBox="1"/>
+              <p:nvPr/>
+            </p:nvSpPr>
+            <p:spPr>
+              <a:xfrm>
+                <a:off x="5855127" y="3070653"/>
+                <a:ext cx="1391476" cy="579557"/>
+              </a:xfrm>
+              <a:prstGeom prst="rect">
+                <a:avLst/>
+              </a:prstGeom>
+              <a:noFill/>
+            </p:spPr>
+            <p:txBody>
+              <a:bodyPr wrap="none" rtlCol="0">
+                <a:spAutoFit/>
+              </a:bodyPr>
+              <a:lstStyle/>
+              <a:p>
+                <a:pPr algn="ctr"/>
+                <a:r>
+                  <a:rPr lang="zh-CN" altLang="en-US" sz="1600" b="1" dirty="0" smtClean="0">
+                    <a:solidFill>
+                      <a:schemeClr val="bg1"/>
+                    </a:solidFill>
+                  </a:rPr>
+                  <a:t>第三步</a:t>
+                </a:r>
+                <a:endParaRPr lang="zh-CN" altLang="en-US" sz="1600" b="1" dirty="0">
+                  <a:solidFill>
+                    <a:schemeClr val="bg1"/>
+                  </a:solidFill>
+                </a:endParaRPr>
+              </a:p>
+            </p:txBody>
+          </p:sp>
+          <p:sp>
+            <p:nvSpPr>
+              <p:cNvPr id="18" name="矩形 47"/>
+              <p:cNvSpPr>
+                <a:spLocks noChangeArrowheads="1"/>
+              </p:cNvSpPr>
+              <p:nvPr/>
+            </p:nvSpPr>
+            <p:spPr bwMode="auto">
+              <a:xfrm>
+                <a:off x="2010444" y="2165763"/>
+                <a:ext cx="3547661" cy="505240"/>
+              </a:xfrm>
+              <a:prstGeom prst="rect">
+                <a:avLst/>
+              </a:prstGeom>
+              <a:noFill/>
+              <a:ln>
+                <a:noFill/>
+              </a:ln>
+              <a:extLst>
+                <a:ext uri="{909E8E84-426E-40DD-AFC4-6F175D3DCCD1}">
+                  <a14:hiddenFill xmlns:a14="http://schemas.microsoft.com/office/drawing/2010/main">
+                    <a:solidFill>
+                      <a:srgbClr val="FFFFFF"/>
+                    </a:solidFill>
+                  </a14:hiddenFill>
+                </a:ext>
+                <a:ext uri="{91240B29-F687-4F45-9708-019B960494DF}">
+                  <a14:hiddenLine xmlns:a14="http://schemas.microsoft.com/office/drawing/2010/main" w="9525">
+                    <a:solidFill>
+                      <a:srgbClr val="000000"/>
+                    </a:solidFill>
+                    <a:miter lim="800000"/>
+                    <a:headEnd/>
+                    <a:tailEnd/>
+                  </a14:hiddenLine>
+                </a:ext>
+              </a:extLst>
+            </p:spPr>
+            <p:txBody>
+              <a:bodyPr wrap="square" lIns="91434" tIns="45718" rIns="91434" bIns="45718">
+                <a:spAutoFit/>
+              </a:bodyPr>
+              <a:lstStyle/>
+              <a:p>
+                <a:pPr algn="just">
+                  <a:lnSpc>
+                    <a:spcPct val="120000"/>
+                  </a:lnSpc>
+                  <a:spcBef>
+                    <a:spcPct val="0"/>
+                  </a:spcBef>
+                  <a:buFont typeface="Arial" charset="0"/>
+                  <a:buNone/>
+                </a:pPr>
+                <a:r>
+                  <a:rPr lang="zh-CN" altLang="en-US" sz="1200" dirty="0" smtClean="0">
+                    <a:solidFill>
+                      <a:schemeClr val="tx1">
+                        <a:lumMod val="75000"/>
+                        <a:lumOff val="25000"/>
+                      </a:schemeClr>
+                    </a:solidFill>
+                    <a:latin typeface="微软雅黑" pitchFamily="34" charset="-122"/>
+                    <a:ea typeface="微软雅黑" pitchFamily="34" charset="-122"/>
+                    <a:sym typeface="微软雅黑" pitchFamily="34" charset="-122"/>
+                  </a:rPr>
+                  <a:t>根据关键词清除冗余</a:t>
+                </a:r>
+                <a:endParaRPr lang="zh-CN" altLang="en-US" sz="1200" dirty="0">
+                  <a:solidFill>
+                    <a:schemeClr val="tx1">
+                      <a:lumMod val="75000"/>
+                      <a:lumOff val="25000"/>
+                    </a:schemeClr>
+                  </a:solidFill>
+                  <a:latin typeface="微软雅黑" pitchFamily="34" charset="-122"/>
+                  <a:ea typeface="微软雅黑" pitchFamily="34" charset="-122"/>
+                  <a:sym typeface="微软雅黑" pitchFamily="34" charset="-122"/>
+                </a:endParaRPr>
+              </a:p>
+            </p:txBody>
+          </p:sp>
+          <p:grpSp>
+            <p:nvGrpSpPr>
+              <p:cNvPr id="19" name="组合 18"/>
+              <p:cNvGrpSpPr/>
+              <p:nvPr/>
+            </p:nvGrpSpPr>
+            <p:grpSpPr>
+              <a:xfrm>
+                <a:off x="7292291" y="1603341"/>
+                <a:ext cx="1840512" cy="1628561"/>
+                <a:chOff x="2795121" y="2838380"/>
+                <a:chExt cx="1128251" cy="998323"/>
+              </a:xfrm>
+            </p:grpSpPr>
+            <p:sp>
+              <p:nvSpPr>
+                <p:cNvPr id="27" name="Freeform 9"/>
+                <p:cNvSpPr>
+                  <a:spLocks/>
+                </p:cNvSpPr>
+                <p:nvPr/>
+              </p:nvSpPr>
+              <p:spPr bwMode="auto">
+                <a:xfrm>
+                  <a:off x="2795121" y="2838380"/>
+                  <a:ext cx="1128251" cy="998323"/>
+                </a:xfrm>
+                <a:custGeom>
+                  <a:avLst/>
+                  <a:gdLst>
+                    <a:gd name="T0" fmla="*/ 253 w 357"/>
+                    <a:gd name="T1" fmla="*/ 0 h 316"/>
+                    <a:gd name="T2" fmla="*/ 104 w 357"/>
+                    <a:gd name="T3" fmla="*/ 0 h 316"/>
+                    <a:gd name="T4" fmla="*/ 79 w 357"/>
+                    <a:gd name="T5" fmla="*/ 15 h 316"/>
+                    <a:gd name="T6" fmla="*/ 5 w 357"/>
+                    <a:gd name="T7" fmla="*/ 144 h 316"/>
+                    <a:gd name="T8" fmla="*/ 5 w 357"/>
+                    <a:gd name="T9" fmla="*/ 173 h 316"/>
+                    <a:gd name="T10" fmla="*/ 79 w 357"/>
+                    <a:gd name="T11" fmla="*/ 302 h 316"/>
+                    <a:gd name="T12" fmla="*/ 104 w 357"/>
+                    <a:gd name="T13" fmla="*/ 316 h 316"/>
+                    <a:gd name="T14" fmla="*/ 253 w 357"/>
+                    <a:gd name="T15" fmla="*/ 316 h 316"/>
+                    <a:gd name="T16" fmla="*/ 278 w 357"/>
+                    <a:gd name="T17" fmla="*/ 302 h 316"/>
+                    <a:gd name="T18" fmla="*/ 353 w 357"/>
+                    <a:gd name="T19" fmla="*/ 173 h 316"/>
+                    <a:gd name="T20" fmla="*/ 353 w 357"/>
+                    <a:gd name="T21" fmla="*/ 144 h 316"/>
+                    <a:gd name="T22" fmla="*/ 278 w 357"/>
+                    <a:gd name="T23" fmla="*/ 15 h 316"/>
+                    <a:gd name="T24" fmla="*/ 253 w 357"/>
+                    <a:gd name="T25" fmla="*/ 0 h 316"/>
+                  </a:gdLst>
+                  <a:ahLst/>
+                  <a:cxnLst>
+                    <a:cxn ang="0">
+                      <a:pos x="T0" y="T1"/>
+                    </a:cxn>
+                    <a:cxn ang="0">
+                      <a:pos x="T2" y="T3"/>
+                    </a:cxn>
+                    <a:cxn ang="0">
+                      <a:pos x="T4" y="T5"/>
+                    </a:cxn>
+                    <a:cxn ang="0">
+                      <a:pos x="T6" y="T7"/>
+                    </a:cxn>
+                    <a:cxn ang="0">
+                      <a:pos x="T8" y="T9"/>
+                    </a:cxn>
+                    <a:cxn ang="0">
+                      <a:pos x="T10" y="T11"/>
+                    </a:cxn>
+                    <a:cxn ang="0">
+                      <a:pos x="T12" y="T13"/>
+                    </a:cxn>
+                    <a:cxn ang="0">
+                      <a:pos x="T14" y="T15"/>
+                    </a:cxn>
+                    <a:cxn ang="0">
+                      <a:pos x="T16" y="T17"/>
+                    </a:cxn>
+                    <a:cxn ang="0">
+                      <a:pos x="T18" y="T19"/>
+                    </a:cxn>
+                    <a:cxn ang="0">
+                      <a:pos x="T20" y="T21"/>
+                    </a:cxn>
+                    <a:cxn ang="0">
+                      <a:pos x="T22" y="T23"/>
+                    </a:cxn>
+                    <a:cxn ang="0">
+                      <a:pos x="T24" y="T25"/>
+                    </a:cxn>
+                  </a:cxnLst>
+                  <a:rect l="0" t="0" r="r" b="b"/>
+                  <a:pathLst>
+                    <a:path w="357" h="316">
+                      <a:moveTo>
+                        <a:pt x="253" y="0"/>
+                      </a:moveTo>
+                      <a:cubicBezTo>
+                        <a:pt x="104" y="0"/>
+                        <a:pt x="104" y="0"/>
+                        <a:pt x="104" y="0"/>
+                      </a:cubicBezTo>
+                      <a:cubicBezTo>
+                        <a:pt x="95" y="0"/>
+                        <a:pt x="84" y="7"/>
+                        <a:pt x="79" y="15"/>
+                      </a:cubicBezTo>
+                      <a:cubicBezTo>
+                        <a:pt x="5" y="144"/>
+                        <a:pt x="5" y="144"/>
+                        <a:pt x="5" y="144"/>
+                      </a:cubicBezTo>
+                      <a:cubicBezTo>
+                        <a:pt x="0" y="152"/>
+                        <a:pt x="0" y="165"/>
+                        <a:pt x="5" y="173"/>
+                      </a:cubicBezTo>
+                      <a:cubicBezTo>
+                        <a:pt x="79" y="302"/>
+                        <a:pt x="79" y="302"/>
+                        <a:pt x="79" y="302"/>
+                      </a:cubicBezTo>
+                      <a:cubicBezTo>
+                        <a:pt x="84" y="310"/>
+                        <a:pt x="95" y="316"/>
+                        <a:pt x="104" y="316"/>
+                      </a:cubicBezTo>
+                      <a:cubicBezTo>
+                        <a:pt x="253" y="316"/>
+                        <a:pt x="253" y="316"/>
+                        <a:pt x="253" y="316"/>
+                      </a:cubicBezTo>
+                      <a:cubicBezTo>
+                        <a:pt x="263" y="316"/>
+                        <a:pt x="274" y="310"/>
+                        <a:pt x="278" y="302"/>
+                      </a:cubicBezTo>
+                      <a:cubicBezTo>
+                        <a:pt x="353" y="173"/>
+                        <a:pt x="353" y="173"/>
+                        <a:pt x="353" y="173"/>
+                      </a:cubicBezTo>
+                      <a:cubicBezTo>
+                        <a:pt x="357" y="165"/>
+                        <a:pt x="357" y="152"/>
+                        <a:pt x="353" y="144"/>
+                      </a:cubicBezTo>
+                      <a:cubicBezTo>
+                        <a:pt x="278" y="15"/>
+                        <a:pt x="278" y="15"/>
+                        <a:pt x="278" y="15"/>
+                      </a:cubicBezTo>
+                      <a:cubicBezTo>
+                        <a:pt x="274" y="7"/>
+                        <a:pt x="263" y="0"/>
+                        <a:pt x="253" y="0"/>
+                      </a:cubicBezTo>
+                    </a:path>
+                  </a:pathLst>
+                </a:custGeom>
+                <a:gradFill rotWithShape="1">
+                  <a:gsLst>
+                    <a:gs pos="93000">
+                      <a:srgbClr val="ECECEC"/>
+                    </a:gs>
+                    <a:gs pos="60000">
+                      <a:srgbClr val="F9F9F9"/>
+                    </a:gs>
+                    <a:gs pos="0">
+                      <a:srgbClr val="DBDBDB"/>
+                    </a:gs>
+                  </a:gsLst>
+                  <a:lin ang="7800000" scaled="0"/>
+                </a:gradFill>
+                <a:ln w="28575">
+                  <a:gradFill>
+                    <a:gsLst>
+                      <a:gs pos="0">
+                        <a:schemeClr val="bg1"/>
+                      </a:gs>
+                      <a:gs pos="100000">
+                        <a:schemeClr val="bg1">
+                          <a:lumMod val="85000"/>
+                        </a:schemeClr>
+                      </a:gs>
+                    </a:gsLst>
+                    <a:lin ang="7800000" scaled="0"/>
+                  </a:gradFill>
+                </a:ln>
+                <a:effectLst>
+                  <a:outerShdw blurRad="203200" dist="127000" dir="3600000" sx="102000" sy="102000" algn="ctr" rotWithShape="0">
+                    <a:schemeClr val="tx1">
+                      <a:lumMod val="90000"/>
+                      <a:lumOff val="10000"/>
+                      <a:alpha val="40000"/>
+                    </a:schemeClr>
+                  </a:outerShdw>
+                </a:effectLst>
+              </p:spPr>
+              <p:txBody>
+                <a:bodyPr wrap="none" anchor="ctr"/>
+                <a:lstStyle/>
+                <a:p>
+                  <a:pPr latinLnBrk="1"/>
+                  <a:endParaRPr kumimoji="1" lang="zh-CN" altLang="en-US" sz="2400">
+                    <a:solidFill>
+                      <a:srgbClr val="000000"/>
+                    </a:solidFill>
+                    <a:latin typeface="굴림" charset="-127"/>
+                    <a:ea typeface="굴림" charset="-127"/>
+                  </a:endParaRPr>
+                </a:p>
+              </p:txBody>
+            </p:sp>
+            <p:sp>
+              <p:nvSpPr>
+                <p:cNvPr id="28" name="Freeform 9"/>
+                <p:cNvSpPr>
+                  <a:spLocks/>
+                </p:cNvSpPr>
+                <p:nvPr/>
+              </p:nvSpPr>
+              <p:spPr bwMode="auto">
+                <a:xfrm>
+                  <a:off x="2928007" y="2955963"/>
+                  <a:ext cx="862479" cy="763157"/>
+                </a:xfrm>
+                <a:custGeom>
+                  <a:avLst/>
+                  <a:gdLst>
+                    <a:gd name="T0" fmla="*/ 253 w 357"/>
+                    <a:gd name="T1" fmla="*/ 0 h 316"/>
+                    <a:gd name="T2" fmla="*/ 104 w 357"/>
+                    <a:gd name="T3" fmla="*/ 0 h 316"/>
+                    <a:gd name="T4" fmla="*/ 79 w 357"/>
+                    <a:gd name="T5" fmla="*/ 15 h 316"/>
+                    <a:gd name="T6" fmla="*/ 5 w 357"/>
+                    <a:gd name="T7" fmla="*/ 144 h 316"/>
+                    <a:gd name="T8" fmla="*/ 5 w 357"/>
+                    <a:gd name="T9" fmla="*/ 173 h 316"/>
+                    <a:gd name="T10" fmla="*/ 79 w 357"/>
+                    <a:gd name="T11" fmla="*/ 302 h 316"/>
+                    <a:gd name="T12" fmla="*/ 104 w 357"/>
+                    <a:gd name="T13" fmla="*/ 316 h 316"/>
+                    <a:gd name="T14" fmla="*/ 253 w 357"/>
+                    <a:gd name="T15" fmla="*/ 316 h 316"/>
+                    <a:gd name="T16" fmla="*/ 278 w 357"/>
+                    <a:gd name="T17" fmla="*/ 302 h 316"/>
+                    <a:gd name="T18" fmla="*/ 353 w 357"/>
+                    <a:gd name="T19" fmla="*/ 173 h 316"/>
+                    <a:gd name="T20" fmla="*/ 353 w 357"/>
+                    <a:gd name="T21" fmla="*/ 144 h 316"/>
+                    <a:gd name="T22" fmla="*/ 278 w 357"/>
+                    <a:gd name="T23" fmla="*/ 15 h 316"/>
+                    <a:gd name="T24" fmla="*/ 253 w 357"/>
+                    <a:gd name="T25" fmla="*/ 0 h 316"/>
+                  </a:gdLst>
+                  <a:ahLst/>
+                  <a:cxnLst>
+                    <a:cxn ang="0">
+                      <a:pos x="T0" y="T1"/>
+                    </a:cxn>
+                    <a:cxn ang="0">
+                      <a:pos x="T2" y="T3"/>
+                    </a:cxn>
+                    <a:cxn ang="0">
+                      <a:pos x="T4" y="T5"/>
+                    </a:cxn>
+                    <a:cxn ang="0">
+                      <a:pos x="T6" y="T7"/>
+                    </a:cxn>
+                    <a:cxn ang="0">
+                      <a:pos x="T8" y="T9"/>
+                    </a:cxn>
+                    <a:cxn ang="0">
+                      <a:pos x="T10" y="T11"/>
+                    </a:cxn>
+                    <a:cxn ang="0">
+                      <a:pos x="T12" y="T13"/>
+                    </a:cxn>
+                    <a:cxn ang="0">
+                      <a:pos x="T14" y="T15"/>
+                    </a:cxn>
+                    <a:cxn ang="0">
+                      <a:pos x="T16" y="T17"/>
+                    </a:cxn>
+                    <a:cxn ang="0">
+                      <a:pos x="T18" y="T19"/>
+                    </a:cxn>
+                    <a:cxn ang="0">
+                      <a:pos x="T20" y="T21"/>
+                    </a:cxn>
+                    <a:cxn ang="0">
+                      <a:pos x="T22" y="T23"/>
+                    </a:cxn>
+                    <a:cxn ang="0">
+                      <a:pos x="T24" y="T25"/>
+                    </a:cxn>
+                  </a:cxnLst>
+                  <a:rect l="0" t="0" r="r" b="b"/>
+                  <a:pathLst>
+                    <a:path w="357" h="316">
+                      <a:moveTo>
+                        <a:pt x="253" y="0"/>
+                      </a:moveTo>
+                      <a:cubicBezTo>
+                        <a:pt x="104" y="0"/>
+                        <a:pt x="104" y="0"/>
+                        <a:pt x="104" y="0"/>
+                      </a:cubicBezTo>
+                      <a:cubicBezTo>
+                        <a:pt x="95" y="0"/>
+                        <a:pt x="84" y="7"/>
+                        <a:pt x="79" y="15"/>
+                      </a:cubicBezTo>
+                      <a:cubicBezTo>
+                        <a:pt x="5" y="144"/>
+                        <a:pt x="5" y="144"/>
+                        <a:pt x="5" y="144"/>
+                      </a:cubicBezTo>
+                      <a:cubicBezTo>
+                        <a:pt x="0" y="152"/>
+                        <a:pt x="0" y="165"/>
+                        <a:pt x="5" y="173"/>
+                      </a:cubicBezTo>
+                      <a:cubicBezTo>
+                        <a:pt x="79" y="302"/>
+                        <a:pt x="79" y="302"/>
+                        <a:pt x="79" y="302"/>
+                      </a:cubicBezTo>
+                      <a:cubicBezTo>
+                        <a:pt x="84" y="310"/>
+                        <a:pt x="95" y="316"/>
+                        <a:pt x="104" y="316"/>
+                      </a:cubicBezTo>
+                      <a:cubicBezTo>
+                        <a:pt x="253" y="316"/>
+                        <a:pt x="253" y="316"/>
+                        <a:pt x="253" y="316"/>
+                      </a:cubicBezTo>
+                      <a:cubicBezTo>
+                        <a:pt x="263" y="316"/>
+                        <a:pt x="274" y="310"/>
+                        <a:pt x="278" y="302"/>
+                      </a:cubicBezTo>
+                      <a:cubicBezTo>
+                        <a:pt x="353" y="173"/>
+                        <a:pt x="353" y="173"/>
+                        <a:pt x="353" y="173"/>
+                      </a:cubicBezTo>
+                      <a:cubicBezTo>
+                        <a:pt x="357" y="165"/>
+                        <a:pt x="357" y="152"/>
+                        <a:pt x="353" y="144"/>
+                      </a:cubicBezTo>
+                      <a:cubicBezTo>
+                        <a:pt x="278" y="15"/>
+                        <a:pt x="278" y="15"/>
+                        <a:pt x="278" y="15"/>
+                      </a:cubicBezTo>
+                      <a:cubicBezTo>
+                        <a:pt x="274" y="7"/>
+                        <a:pt x="263" y="0"/>
+                        <a:pt x="253" y="0"/>
+                      </a:cubicBezTo>
+                    </a:path>
+                  </a:pathLst>
+                </a:custGeom>
+                <a:solidFill>
+                  <a:srgbClr val="3EB8BE"/>
+                </a:solidFill>
+                <a:ln w="28575">
+                  <a:gradFill>
+                    <a:gsLst>
+                      <a:gs pos="0">
+                        <a:schemeClr val="bg1"/>
+                      </a:gs>
+                      <a:gs pos="100000">
+                        <a:schemeClr val="bg1">
+                          <a:lumMod val="85000"/>
+                        </a:schemeClr>
+                      </a:gs>
+                    </a:gsLst>
+                    <a:lin ang="4200000" scaled="0"/>
+                  </a:gradFill>
+                </a:ln>
+                <a:effectLst>
+                  <a:outerShdw blurRad="203200" dist="127000" dir="3600000" sx="102000" sy="102000" algn="ctr" rotWithShape="0">
+                    <a:schemeClr val="tx1">
+                      <a:lumMod val="90000"/>
+                      <a:lumOff val="10000"/>
+                      <a:alpha val="40000"/>
+                    </a:schemeClr>
+                  </a:outerShdw>
+                </a:effectLst>
+              </p:spPr>
+              <p:txBody>
+                <a:bodyPr wrap="none" anchor="ctr"/>
+                <a:lstStyle/>
+                <a:p>
+                  <a:pPr latinLnBrk="1"/>
+                  <a:endParaRPr kumimoji="1" lang="zh-CN" altLang="en-US" sz="2400">
+                    <a:solidFill>
+                      <a:srgbClr val="000000"/>
+                    </a:solidFill>
+                    <a:latin typeface="굴림" charset="-127"/>
+                    <a:ea typeface="굴림" charset="-127"/>
+                  </a:endParaRPr>
+                </a:p>
+              </p:txBody>
+            </p:sp>
+          </p:grpSp>
+          <p:sp>
+            <p:nvSpPr>
+              <p:cNvPr id="20" name="文本框 19"/>
+              <p:cNvSpPr txBox="1"/>
+              <p:nvPr/>
+            </p:nvSpPr>
+            <p:spPr>
+              <a:xfrm>
+                <a:off x="7516809" y="2084369"/>
+                <a:ext cx="1391476" cy="579557"/>
+              </a:xfrm>
+              <a:prstGeom prst="rect">
+                <a:avLst/>
+              </a:prstGeom>
+              <a:noFill/>
+            </p:spPr>
+            <p:txBody>
+              <a:bodyPr wrap="none" rtlCol="0">
+                <a:spAutoFit/>
+              </a:bodyPr>
+              <a:lstStyle/>
+              <a:p>
+                <a:pPr algn="ctr"/>
+                <a:r>
+                  <a:rPr lang="zh-CN" altLang="en-US" sz="1600" b="1" dirty="0" smtClean="0">
+                    <a:solidFill>
+                      <a:schemeClr val="bg1"/>
+                    </a:solidFill>
+                  </a:rPr>
+                  <a:t>第四步</a:t>
+                </a:r>
+                <a:endParaRPr lang="zh-CN" altLang="en-US" sz="1600" b="1" dirty="0">
+                  <a:solidFill>
+                    <a:schemeClr val="bg1"/>
+                  </a:solidFill>
+                </a:endParaRPr>
+              </a:p>
+            </p:txBody>
+          </p:sp>
+          <p:sp>
+            <p:nvSpPr>
+              <p:cNvPr id="21" name="圆角矩形 6"/>
+              <p:cNvSpPr/>
+              <p:nvPr/>
+            </p:nvSpPr>
+            <p:spPr>
+              <a:xfrm rot="5400000" flipH="1">
+                <a:off x="3888625" y="359596"/>
+                <a:ext cx="513271" cy="4050189"/>
+              </a:xfrm>
+              <a:custGeom>
+                <a:avLst/>
+                <a:gdLst>
+                  <a:gd name="connsiteX0" fmla="*/ 0 w 670708"/>
+                  <a:gd name="connsiteY0" fmla="*/ 112518 h 1095765"/>
+                  <a:gd name="connsiteX1" fmla="*/ 112518 w 670708"/>
+                  <a:gd name="connsiteY1" fmla="*/ 0 h 1095765"/>
+                  <a:gd name="connsiteX2" fmla="*/ 558190 w 670708"/>
+                  <a:gd name="connsiteY2" fmla="*/ 0 h 1095765"/>
+                  <a:gd name="connsiteX3" fmla="*/ 670708 w 670708"/>
+                  <a:gd name="connsiteY3" fmla="*/ 112518 h 1095765"/>
+                  <a:gd name="connsiteX4" fmla="*/ 670708 w 670708"/>
+                  <a:gd name="connsiteY4" fmla="*/ 983247 h 1095765"/>
+                  <a:gd name="connsiteX5" fmla="*/ 558190 w 670708"/>
+                  <a:gd name="connsiteY5" fmla="*/ 1095765 h 1095765"/>
+                  <a:gd name="connsiteX6" fmla="*/ 112518 w 670708"/>
+                  <a:gd name="connsiteY6" fmla="*/ 1095765 h 1095765"/>
+                  <a:gd name="connsiteX7" fmla="*/ 0 w 670708"/>
+                  <a:gd name="connsiteY7" fmla="*/ 983247 h 1095765"/>
+                  <a:gd name="connsiteX8" fmla="*/ 0 w 670708"/>
+                  <a:gd name="connsiteY8" fmla="*/ 112518 h 1095765"/>
+                  <a:gd name="connsiteX0" fmla="*/ 0 w 670708"/>
+                  <a:gd name="connsiteY0" fmla="*/ 983247 h 1095765"/>
+                  <a:gd name="connsiteX1" fmla="*/ 0 w 670708"/>
+                  <a:gd name="connsiteY1" fmla="*/ 112518 h 1095765"/>
+                  <a:gd name="connsiteX2" fmla="*/ 112518 w 670708"/>
+                  <a:gd name="connsiteY2" fmla="*/ 0 h 1095765"/>
+                  <a:gd name="connsiteX3" fmla="*/ 558190 w 670708"/>
+                  <a:gd name="connsiteY3" fmla="*/ 0 h 1095765"/>
+                  <a:gd name="connsiteX4" fmla="*/ 670708 w 670708"/>
+                  <a:gd name="connsiteY4" fmla="*/ 112518 h 1095765"/>
+                  <a:gd name="connsiteX5" fmla="*/ 670708 w 670708"/>
+                  <a:gd name="connsiteY5" fmla="*/ 983247 h 1095765"/>
+                  <a:gd name="connsiteX6" fmla="*/ 558190 w 670708"/>
+                  <a:gd name="connsiteY6" fmla="*/ 1095765 h 1095765"/>
+                  <a:gd name="connsiteX7" fmla="*/ 112518 w 670708"/>
+                  <a:gd name="connsiteY7" fmla="*/ 1095765 h 1095765"/>
+                  <a:gd name="connsiteX8" fmla="*/ 91440 w 670708"/>
+                  <a:gd name="connsiteY8" fmla="*/ 1074687 h 1095765"/>
+                  <a:gd name="connsiteX0" fmla="*/ 0 w 670708"/>
+                  <a:gd name="connsiteY0" fmla="*/ 983247 h 1095765"/>
+                  <a:gd name="connsiteX1" fmla="*/ 0 w 670708"/>
+                  <a:gd name="connsiteY1" fmla="*/ 112518 h 1095765"/>
+                  <a:gd name="connsiteX2" fmla="*/ 112518 w 670708"/>
+                  <a:gd name="connsiteY2" fmla="*/ 0 h 1095765"/>
+                  <a:gd name="connsiteX3" fmla="*/ 558190 w 670708"/>
+                  <a:gd name="connsiteY3" fmla="*/ 0 h 1095765"/>
+                  <a:gd name="connsiteX4" fmla="*/ 670708 w 670708"/>
+                  <a:gd name="connsiteY4" fmla="*/ 112518 h 1095765"/>
+                  <a:gd name="connsiteX5" fmla="*/ 670708 w 670708"/>
+                  <a:gd name="connsiteY5" fmla="*/ 983247 h 1095765"/>
+                  <a:gd name="connsiteX6" fmla="*/ 558190 w 670708"/>
+                  <a:gd name="connsiteY6" fmla="*/ 1095765 h 1095765"/>
+                  <a:gd name="connsiteX7" fmla="*/ 112518 w 670708"/>
+                  <a:gd name="connsiteY7" fmla="*/ 1095765 h 1095765"/>
+                  <a:gd name="connsiteX0" fmla="*/ 0 w 670708"/>
+                  <a:gd name="connsiteY0" fmla="*/ 983247 h 1095765"/>
+                  <a:gd name="connsiteX1" fmla="*/ 0 w 670708"/>
+                  <a:gd name="connsiteY1" fmla="*/ 112518 h 1095765"/>
+                  <a:gd name="connsiteX2" fmla="*/ 112518 w 670708"/>
+                  <a:gd name="connsiteY2" fmla="*/ 0 h 1095765"/>
+                  <a:gd name="connsiteX3" fmla="*/ 558190 w 670708"/>
+                  <a:gd name="connsiteY3" fmla="*/ 0 h 1095765"/>
+                  <a:gd name="connsiteX4" fmla="*/ 670708 w 670708"/>
+                  <a:gd name="connsiteY4" fmla="*/ 112518 h 1095765"/>
+                  <a:gd name="connsiteX5" fmla="*/ 670708 w 670708"/>
+                  <a:gd name="connsiteY5" fmla="*/ 983247 h 1095765"/>
+                  <a:gd name="connsiteX6" fmla="*/ 558190 w 670708"/>
+                  <a:gd name="connsiteY6" fmla="*/ 1095765 h 1095765"/>
+                  <a:gd name="connsiteX0" fmla="*/ 0 w 670708"/>
+                  <a:gd name="connsiteY0" fmla="*/ 983247 h 983247"/>
+                  <a:gd name="connsiteX1" fmla="*/ 0 w 670708"/>
+                  <a:gd name="connsiteY1" fmla="*/ 112518 h 983247"/>
+                  <a:gd name="connsiteX2" fmla="*/ 112518 w 670708"/>
+                  <a:gd name="connsiteY2" fmla="*/ 0 h 983247"/>
+                  <a:gd name="connsiteX3" fmla="*/ 558190 w 670708"/>
+                  <a:gd name="connsiteY3" fmla="*/ 0 h 983247"/>
+                  <a:gd name="connsiteX4" fmla="*/ 670708 w 670708"/>
+                  <a:gd name="connsiteY4" fmla="*/ 112518 h 983247"/>
+                  <a:gd name="connsiteX5" fmla="*/ 670708 w 670708"/>
+                  <a:gd name="connsiteY5" fmla="*/ 983247 h 983247"/>
+                  <a:gd name="connsiteX0" fmla="*/ 0 w 670708"/>
+                  <a:gd name="connsiteY0" fmla="*/ 112518 h 983247"/>
+                  <a:gd name="connsiteX1" fmla="*/ 112518 w 670708"/>
+                  <a:gd name="connsiteY1" fmla="*/ 0 h 983247"/>
+                  <a:gd name="connsiteX2" fmla="*/ 558190 w 670708"/>
+                  <a:gd name="connsiteY2" fmla="*/ 0 h 983247"/>
+                  <a:gd name="connsiteX3" fmla="*/ 670708 w 670708"/>
+                  <a:gd name="connsiteY3" fmla="*/ 112518 h 983247"/>
+                  <a:gd name="connsiteX4" fmla="*/ 670708 w 670708"/>
+                  <a:gd name="connsiteY4" fmla="*/ 983247 h 983247"/>
+                  <a:gd name="connsiteX0" fmla="*/ 0 w 558190"/>
+                  <a:gd name="connsiteY0" fmla="*/ 0 h 983247"/>
+                  <a:gd name="connsiteX1" fmla="*/ 445672 w 558190"/>
+                  <a:gd name="connsiteY1" fmla="*/ 0 h 983247"/>
+                  <a:gd name="connsiteX2" fmla="*/ 558190 w 558190"/>
+                  <a:gd name="connsiteY2" fmla="*/ 112518 h 983247"/>
+                  <a:gd name="connsiteX3" fmla="*/ 558190 w 558190"/>
+                  <a:gd name="connsiteY3" fmla="*/ 983247 h 983247"/>
+                  <a:gd name="connsiteX0" fmla="*/ 0 w 627665"/>
+                  <a:gd name="connsiteY0" fmla="*/ 0 h 1379865"/>
+                  <a:gd name="connsiteX1" fmla="*/ 515147 w 627665"/>
+                  <a:gd name="connsiteY1" fmla="*/ 396618 h 1379865"/>
+                  <a:gd name="connsiteX2" fmla="*/ 627665 w 627665"/>
+                  <a:gd name="connsiteY2" fmla="*/ 509136 h 1379865"/>
+                  <a:gd name="connsiteX3" fmla="*/ 627665 w 627665"/>
+                  <a:gd name="connsiteY3" fmla="*/ 1379865 h 1379865"/>
+                  <a:gd name="connsiteX0" fmla="*/ 0 w 627665"/>
+                  <a:gd name="connsiteY0" fmla="*/ 0 h 1379865"/>
+                  <a:gd name="connsiteX1" fmla="*/ 515147 w 627665"/>
+                  <a:gd name="connsiteY1" fmla="*/ 396618 h 1379865"/>
+                  <a:gd name="connsiteX2" fmla="*/ 627665 w 627665"/>
+                  <a:gd name="connsiteY2" fmla="*/ 509136 h 1379865"/>
+                  <a:gd name="connsiteX3" fmla="*/ 627665 w 627665"/>
+                  <a:gd name="connsiteY3" fmla="*/ 1379865 h 1379865"/>
+                  <a:gd name="connsiteX0" fmla="*/ 0 w 627665"/>
+                  <a:gd name="connsiteY0" fmla="*/ 0 h 1379865"/>
+                  <a:gd name="connsiteX1" fmla="*/ 515147 w 627665"/>
+                  <a:gd name="connsiteY1" fmla="*/ 396618 h 1379865"/>
+                  <a:gd name="connsiteX2" fmla="*/ 627665 w 627665"/>
+                  <a:gd name="connsiteY2" fmla="*/ 509136 h 1379865"/>
+                  <a:gd name="connsiteX3" fmla="*/ 627665 w 627665"/>
+                  <a:gd name="connsiteY3" fmla="*/ 1379865 h 1379865"/>
+                  <a:gd name="connsiteX0" fmla="*/ 0 w 627665"/>
+                  <a:gd name="connsiteY0" fmla="*/ 0 h 1379865"/>
+                  <a:gd name="connsiteX1" fmla="*/ 515147 w 627665"/>
+                  <a:gd name="connsiteY1" fmla="*/ 396618 h 1379865"/>
+                  <a:gd name="connsiteX2" fmla="*/ 627665 w 627665"/>
+                  <a:gd name="connsiteY2" fmla="*/ 509136 h 1379865"/>
+                  <a:gd name="connsiteX3" fmla="*/ 627665 w 627665"/>
+                  <a:gd name="connsiteY3" fmla="*/ 1379865 h 1379865"/>
+                  <a:gd name="connsiteX0" fmla="*/ 0 w 627665"/>
+                  <a:gd name="connsiteY0" fmla="*/ 0 h 1379865"/>
+                  <a:gd name="connsiteX1" fmla="*/ 518280 w 627665"/>
+                  <a:gd name="connsiteY1" fmla="*/ 374934 h 1379865"/>
+                  <a:gd name="connsiteX2" fmla="*/ 627665 w 627665"/>
+                  <a:gd name="connsiteY2" fmla="*/ 509136 h 1379865"/>
+                  <a:gd name="connsiteX3" fmla="*/ 627665 w 627665"/>
+                  <a:gd name="connsiteY3" fmla="*/ 1379865 h 1379865"/>
+                  <a:gd name="connsiteX0" fmla="*/ 0 w 627665"/>
+                  <a:gd name="connsiteY0" fmla="*/ 0 h 1379865"/>
+                  <a:gd name="connsiteX1" fmla="*/ 518280 w 627665"/>
+                  <a:gd name="connsiteY1" fmla="*/ 374934 h 1379865"/>
+                  <a:gd name="connsiteX2" fmla="*/ 627665 w 627665"/>
+                  <a:gd name="connsiteY2" fmla="*/ 509136 h 1379865"/>
+                  <a:gd name="connsiteX3" fmla="*/ 627665 w 627665"/>
+                  <a:gd name="connsiteY3" fmla="*/ 1379865 h 1379865"/>
+                  <a:gd name="connsiteX0" fmla="*/ 0 w 627665"/>
+                  <a:gd name="connsiteY0" fmla="*/ 0 h 1379865"/>
+                  <a:gd name="connsiteX1" fmla="*/ 518280 w 627665"/>
+                  <a:gd name="connsiteY1" fmla="*/ 374934 h 1379865"/>
+                  <a:gd name="connsiteX2" fmla="*/ 627665 w 627665"/>
+                  <a:gd name="connsiteY2" fmla="*/ 509136 h 1379865"/>
+                  <a:gd name="connsiteX3" fmla="*/ 627665 w 627665"/>
+                  <a:gd name="connsiteY3" fmla="*/ 1379865 h 1379865"/>
+                  <a:gd name="connsiteX0" fmla="*/ 0 w 633931"/>
+                  <a:gd name="connsiteY0" fmla="*/ 0 h 1379865"/>
+                  <a:gd name="connsiteX1" fmla="*/ 518280 w 633931"/>
+                  <a:gd name="connsiteY1" fmla="*/ 374934 h 1379865"/>
+                  <a:gd name="connsiteX2" fmla="*/ 633931 w 633931"/>
+                  <a:gd name="connsiteY2" fmla="*/ 571477 h 1379865"/>
+                  <a:gd name="connsiteX3" fmla="*/ 627665 w 633931"/>
+                  <a:gd name="connsiteY3" fmla="*/ 1379865 h 1379865"/>
+                  <a:gd name="connsiteX0" fmla="*/ 0 w 634110"/>
+                  <a:gd name="connsiteY0" fmla="*/ 0 h 1379865"/>
+                  <a:gd name="connsiteX1" fmla="*/ 518280 w 634110"/>
+                  <a:gd name="connsiteY1" fmla="*/ 374934 h 1379865"/>
+                  <a:gd name="connsiteX2" fmla="*/ 633931 w 634110"/>
+                  <a:gd name="connsiteY2" fmla="*/ 571477 h 1379865"/>
+                  <a:gd name="connsiteX3" fmla="*/ 627665 w 634110"/>
+                  <a:gd name="connsiteY3" fmla="*/ 1379865 h 1379865"/>
+                  <a:gd name="connsiteX0" fmla="*/ 0 w 628268"/>
+                  <a:gd name="connsiteY0" fmla="*/ 0 h 1379865"/>
+                  <a:gd name="connsiteX1" fmla="*/ 518280 w 628268"/>
+                  <a:gd name="connsiteY1" fmla="*/ 374934 h 1379865"/>
+                  <a:gd name="connsiteX2" fmla="*/ 627666 w 628268"/>
+                  <a:gd name="connsiteY2" fmla="*/ 568769 h 1379865"/>
+                  <a:gd name="connsiteX3" fmla="*/ 627665 w 628268"/>
+                  <a:gd name="connsiteY3" fmla="*/ 1379865 h 1379865"/>
+                  <a:gd name="connsiteX0" fmla="*/ 0 w 628268"/>
+                  <a:gd name="connsiteY0" fmla="*/ 0 h 2425419"/>
+                  <a:gd name="connsiteX1" fmla="*/ 518280 w 628268"/>
+                  <a:gd name="connsiteY1" fmla="*/ 374934 h 2425419"/>
+                  <a:gd name="connsiteX2" fmla="*/ 627666 w 628268"/>
+                  <a:gd name="connsiteY2" fmla="*/ 568769 h 2425419"/>
+                  <a:gd name="connsiteX3" fmla="*/ 627665 w 628268"/>
+                  <a:gd name="connsiteY3" fmla="*/ 2425419 h 2425419"/>
+                  <a:gd name="connsiteX0" fmla="*/ 0 w 628268"/>
+                  <a:gd name="connsiteY0" fmla="*/ 0 h 4241765"/>
+                  <a:gd name="connsiteX1" fmla="*/ 518280 w 628268"/>
+                  <a:gd name="connsiteY1" fmla="*/ 374934 h 4241765"/>
+                  <a:gd name="connsiteX2" fmla="*/ 627666 w 628268"/>
+                  <a:gd name="connsiteY2" fmla="*/ 568769 h 4241765"/>
+                  <a:gd name="connsiteX3" fmla="*/ 627665 w 628268"/>
+                  <a:gd name="connsiteY3" fmla="*/ 4241765 h 4241765"/>
+                  <a:gd name="connsiteX0" fmla="*/ 0 w 632800"/>
+                  <a:gd name="connsiteY0" fmla="*/ 0 h 4241765"/>
+                  <a:gd name="connsiteX1" fmla="*/ 518280 w 632800"/>
+                  <a:gd name="connsiteY1" fmla="*/ 374934 h 4241765"/>
+                  <a:gd name="connsiteX2" fmla="*/ 632615 w 632800"/>
+                  <a:gd name="connsiteY2" fmla="*/ 919487 h 4241765"/>
+                  <a:gd name="connsiteX3" fmla="*/ 627665 w 632800"/>
+                  <a:gd name="connsiteY3" fmla="*/ 4241765 h 4241765"/>
+                  <a:gd name="connsiteX0" fmla="*/ 0 w 636459"/>
+                  <a:gd name="connsiteY0" fmla="*/ 0 h 4241765"/>
+                  <a:gd name="connsiteX1" fmla="*/ 572676 w 636459"/>
+                  <a:gd name="connsiteY1" fmla="*/ 644389 h 4241765"/>
+                  <a:gd name="connsiteX2" fmla="*/ 632615 w 636459"/>
+                  <a:gd name="connsiteY2" fmla="*/ 919487 h 4241765"/>
+                  <a:gd name="connsiteX3" fmla="*/ 627665 w 636459"/>
+                  <a:gd name="connsiteY3" fmla="*/ 4241765 h 4241765"/>
+                  <a:gd name="connsiteX0" fmla="*/ 0 w 636459"/>
+                  <a:gd name="connsiteY0" fmla="*/ 0 h 4241765"/>
+                  <a:gd name="connsiteX1" fmla="*/ 572676 w 636459"/>
+                  <a:gd name="connsiteY1" fmla="*/ 644389 h 4241765"/>
+                  <a:gd name="connsiteX2" fmla="*/ 632615 w 636459"/>
+                  <a:gd name="connsiteY2" fmla="*/ 919487 h 4241765"/>
+                  <a:gd name="connsiteX3" fmla="*/ 627665 w 636459"/>
+                  <a:gd name="connsiteY3" fmla="*/ 4241765 h 4241765"/>
+                  <a:gd name="connsiteX0" fmla="*/ 0 w 636459"/>
+                  <a:gd name="connsiteY0" fmla="*/ 0 h 4241765"/>
+                  <a:gd name="connsiteX1" fmla="*/ 572676 w 636459"/>
+                  <a:gd name="connsiteY1" fmla="*/ 644389 h 4241765"/>
+                  <a:gd name="connsiteX2" fmla="*/ 632615 w 636459"/>
+                  <a:gd name="connsiteY2" fmla="*/ 919487 h 4241765"/>
+                  <a:gd name="connsiteX3" fmla="*/ 627665 w 636459"/>
+                  <a:gd name="connsiteY3" fmla="*/ 4241765 h 4241765"/>
+                  <a:gd name="connsiteX0" fmla="*/ 0 w 636459"/>
+                  <a:gd name="connsiteY0" fmla="*/ 0 h 4241765"/>
+                  <a:gd name="connsiteX1" fmla="*/ 572676 w 636459"/>
+                  <a:gd name="connsiteY1" fmla="*/ 644389 h 4241765"/>
+                  <a:gd name="connsiteX2" fmla="*/ 632615 w 636459"/>
+                  <a:gd name="connsiteY2" fmla="*/ 919487 h 4241765"/>
+                  <a:gd name="connsiteX3" fmla="*/ 627665 w 636459"/>
+                  <a:gd name="connsiteY3" fmla="*/ 4241765 h 4241765"/>
+                  <a:gd name="connsiteX0" fmla="*/ 0 w 633936"/>
+                  <a:gd name="connsiteY0" fmla="*/ 0 h 4241765"/>
+                  <a:gd name="connsiteX1" fmla="*/ 572676 w 633936"/>
+                  <a:gd name="connsiteY1" fmla="*/ 644389 h 4241765"/>
+                  <a:gd name="connsiteX2" fmla="*/ 632615 w 633936"/>
+                  <a:gd name="connsiteY2" fmla="*/ 919487 h 4241765"/>
+                  <a:gd name="connsiteX3" fmla="*/ 627665 w 633936"/>
+                  <a:gd name="connsiteY3" fmla="*/ 4241765 h 4241765"/>
+                  <a:gd name="connsiteX0" fmla="*/ 0 w 632828"/>
+                  <a:gd name="connsiteY0" fmla="*/ 0 h 4241765"/>
+                  <a:gd name="connsiteX1" fmla="*/ 538065 w 632828"/>
+                  <a:gd name="connsiteY1" fmla="*/ 605899 h 4241765"/>
+                  <a:gd name="connsiteX2" fmla="*/ 632615 w 632828"/>
+                  <a:gd name="connsiteY2" fmla="*/ 919487 h 4241765"/>
+                  <a:gd name="connsiteX3" fmla="*/ 627665 w 632828"/>
+                  <a:gd name="connsiteY3" fmla="*/ 4241765 h 4241765"/>
+                  <a:gd name="connsiteX0" fmla="*/ 0 w 632827"/>
+                  <a:gd name="connsiteY0" fmla="*/ 0 h 4241765"/>
+                  <a:gd name="connsiteX1" fmla="*/ 538065 w 632827"/>
+                  <a:gd name="connsiteY1" fmla="*/ 605899 h 4241765"/>
+                  <a:gd name="connsiteX2" fmla="*/ 632615 w 632827"/>
+                  <a:gd name="connsiteY2" fmla="*/ 919487 h 4241765"/>
+                  <a:gd name="connsiteX3" fmla="*/ 627665 w 632827"/>
+                  <a:gd name="connsiteY3" fmla="*/ 4241765 h 4241765"/>
+                  <a:gd name="connsiteX0" fmla="*/ 0 w 632827"/>
+                  <a:gd name="connsiteY0" fmla="*/ 0 h 4241765"/>
+                  <a:gd name="connsiteX1" fmla="*/ 538065 w 632827"/>
+                  <a:gd name="connsiteY1" fmla="*/ 605899 h 4241765"/>
+                  <a:gd name="connsiteX2" fmla="*/ 632615 w 632827"/>
+                  <a:gd name="connsiteY2" fmla="*/ 919487 h 4241765"/>
+                  <a:gd name="connsiteX3" fmla="*/ 627665 w 632827"/>
+                  <a:gd name="connsiteY3" fmla="*/ 4241765 h 4241765"/>
+                  <a:gd name="connsiteX0" fmla="*/ 0 w 632827"/>
+                  <a:gd name="connsiteY0" fmla="*/ 0 h 4241765"/>
+                  <a:gd name="connsiteX1" fmla="*/ 538065 w 632827"/>
+                  <a:gd name="connsiteY1" fmla="*/ 605899 h 4241765"/>
+                  <a:gd name="connsiteX2" fmla="*/ 632615 w 632827"/>
+                  <a:gd name="connsiteY2" fmla="*/ 919487 h 4241765"/>
+                  <a:gd name="connsiteX3" fmla="*/ 627665 w 632827"/>
+                  <a:gd name="connsiteY3" fmla="*/ 4241765 h 4241765"/>
+                </a:gdLst>
+                <a:ahLst/>
+                <a:cxnLst>
+                  <a:cxn ang="0">
+                    <a:pos x="connsiteX0" y="connsiteY0"/>
+                  </a:cxn>
+                  <a:cxn ang="0">
+                    <a:pos x="connsiteX1" y="connsiteY1"/>
+                  </a:cxn>
+                  <a:cxn ang="0">
+                    <a:pos x="connsiteX2" y="connsiteY2"/>
+                  </a:cxn>
+                  <a:cxn ang="0">
+                    <a:pos x="connsiteX3" y="connsiteY3"/>
+                  </a:cxn>
+                </a:cxnLst>
+                <a:rect l="l" t="t" r="r" b="b"/>
+                <a:pathLst>
+                  <a:path w="632827" h="4241765">
+                    <a:moveTo>
+                      <a:pt x="0" y="0"/>
+                    </a:moveTo>
+                    <a:lnTo>
+                      <a:pt x="538065" y="605899"/>
+                    </a:lnTo>
+                    <a:cubicBezTo>
+                      <a:pt x="604178" y="691617"/>
+                      <a:pt x="635752" y="766511"/>
+                      <a:pt x="632615" y="919487"/>
+                    </a:cubicBezTo>
+                    <a:cubicBezTo>
+                      <a:pt x="630526" y="1188950"/>
+                      <a:pt x="629754" y="3972302"/>
+                      <a:pt x="627665" y="4241765"/>
+                    </a:cubicBezTo>
+                  </a:path>
+                </a:pathLst>
+              </a:custGeom>
+              <a:ln w="12700">
+                <a:solidFill>
+                  <a:srgbClr val="3EB8BE">
+                    <a:alpha val="80000"/>
+                  </a:srgbClr>
+                </a:solidFill>
+                <a:prstDash val="solid"/>
+                <a:headEnd type="oval" w="lg" len="lg"/>
+                <a:tailEnd type="none"/>
+              </a:ln>
+              <a:effectLst>
+                <a:innerShdw blurRad="63500" dist="50800" dir="13500000">
+                  <a:prstClr val="black">
+                    <a:alpha val="50000"/>
+                  </a:prstClr>
+                </a:innerShdw>
+              </a:effectLst>
+            </p:spPr>
+            <p:style>
+              <a:lnRef idx="1">
+                <a:schemeClr val="accent1"/>
+              </a:lnRef>
+              <a:fillRef idx="0">
+                <a:schemeClr val="accent1"/>
+              </a:fillRef>
+              <a:effectRef idx="0">
+                <a:schemeClr val="accent1"/>
+              </a:effectRef>
+              <a:fontRef idx="minor">
+                <a:schemeClr val="tx1"/>
+              </a:fontRef>
+            </p:style>
+            <p:txBody>
+              <a:bodyPr rtlCol="0" anchor="ctr"/>
+              <a:lstStyle/>
+              <a:p>
+                <a:pPr algn="ctr"/>
+                <a:endParaRPr lang="zh-CN" altLang="en-US" dirty="0">
+                  <a:solidFill>
+                    <a:schemeClr val="tx1"/>
+                  </a:solidFill>
+                </a:endParaRPr>
+              </a:p>
+            </p:txBody>
+          </p:sp>
+          <p:sp>
+            <p:nvSpPr>
+              <p:cNvPr id="22" name="圆角矩形 6"/>
+              <p:cNvSpPr/>
+              <p:nvPr/>
+            </p:nvSpPr>
+            <p:spPr>
+              <a:xfrm rot="5400000" flipH="1">
+                <a:off x="5553197" y="-559029"/>
+                <a:ext cx="513271" cy="4026537"/>
+              </a:xfrm>
+              <a:custGeom>
+                <a:avLst/>
+                <a:gdLst>
+                  <a:gd name="connsiteX0" fmla="*/ 0 w 670708"/>
+                  <a:gd name="connsiteY0" fmla="*/ 112518 h 1095765"/>
+                  <a:gd name="connsiteX1" fmla="*/ 112518 w 670708"/>
+                  <a:gd name="connsiteY1" fmla="*/ 0 h 1095765"/>
+                  <a:gd name="connsiteX2" fmla="*/ 558190 w 670708"/>
+                  <a:gd name="connsiteY2" fmla="*/ 0 h 1095765"/>
+                  <a:gd name="connsiteX3" fmla="*/ 670708 w 670708"/>
+                  <a:gd name="connsiteY3" fmla="*/ 112518 h 1095765"/>
+                  <a:gd name="connsiteX4" fmla="*/ 670708 w 670708"/>
+                  <a:gd name="connsiteY4" fmla="*/ 983247 h 1095765"/>
+                  <a:gd name="connsiteX5" fmla="*/ 558190 w 670708"/>
+                  <a:gd name="connsiteY5" fmla="*/ 1095765 h 1095765"/>
+                  <a:gd name="connsiteX6" fmla="*/ 112518 w 670708"/>
+                  <a:gd name="connsiteY6" fmla="*/ 1095765 h 1095765"/>
+                  <a:gd name="connsiteX7" fmla="*/ 0 w 670708"/>
+                  <a:gd name="connsiteY7" fmla="*/ 983247 h 1095765"/>
+                  <a:gd name="connsiteX8" fmla="*/ 0 w 670708"/>
+                  <a:gd name="connsiteY8" fmla="*/ 112518 h 1095765"/>
+                  <a:gd name="connsiteX0" fmla="*/ 0 w 670708"/>
+                  <a:gd name="connsiteY0" fmla="*/ 983247 h 1095765"/>
+                  <a:gd name="connsiteX1" fmla="*/ 0 w 670708"/>
+                  <a:gd name="connsiteY1" fmla="*/ 112518 h 1095765"/>
+                  <a:gd name="connsiteX2" fmla="*/ 112518 w 670708"/>
+                  <a:gd name="connsiteY2" fmla="*/ 0 h 1095765"/>
+                  <a:gd name="connsiteX3" fmla="*/ 558190 w 670708"/>
+                  <a:gd name="connsiteY3" fmla="*/ 0 h 1095765"/>
+                  <a:gd name="connsiteX4" fmla="*/ 670708 w 670708"/>
+                  <a:gd name="connsiteY4" fmla="*/ 112518 h 1095765"/>
+                  <a:gd name="connsiteX5" fmla="*/ 670708 w 670708"/>
+                  <a:gd name="connsiteY5" fmla="*/ 983247 h 1095765"/>
+                  <a:gd name="connsiteX6" fmla="*/ 558190 w 670708"/>
+                  <a:gd name="connsiteY6" fmla="*/ 1095765 h 1095765"/>
+                  <a:gd name="connsiteX7" fmla="*/ 112518 w 670708"/>
+                  <a:gd name="connsiteY7" fmla="*/ 1095765 h 1095765"/>
+                  <a:gd name="connsiteX8" fmla="*/ 91440 w 670708"/>
+                  <a:gd name="connsiteY8" fmla="*/ 1074687 h 1095765"/>
+                  <a:gd name="connsiteX0" fmla="*/ 0 w 670708"/>
+                  <a:gd name="connsiteY0" fmla="*/ 983247 h 1095765"/>
+                  <a:gd name="connsiteX1" fmla="*/ 0 w 670708"/>
+                  <a:gd name="connsiteY1" fmla="*/ 112518 h 1095765"/>
+                  <a:gd name="connsiteX2" fmla="*/ 112518 w 670708"/>
+                  <a:gd name="connsiteY2" fmla="*/ 0 h 1095765"/>
+                  <a:gd name="connsiteX3" fmla="*/ 558190 w 670708"/>
+                  <a:gd name="connsiteY3" fmla="*/ 0 h 1095765"/>
+                  <a:gd name="connsiteX4" fmla="*/ 670708 w 670708"/>
+                  <a:gd name="connsiteY4" fmla="*/ 112518 h 1095765"/>
+                  <a:gd name="connsiteX5" fmla="*/ 670708 w 670708"/>
+                  <a:gd name="connsiteY5" fmla="*/ 983247 h 1095765"/>
+                  <a:gd name="connsiteX6" fmla="*/ 558190 w 670708"/>
+                  <a:gd name="connsiteY6" fmla="*/ 1095765 h 1095765"/>
+                  <a:gd name="connsiteX7" fmla="*/ 112518 w 670708"/>
+                  <a:gd name="connsiteY7" fmla="*/ 1095765 h 1095765"/>
+                  <a:gd name="connsiteX0" fmla="*/ 0 w 670708"/>
+                  <a:gd name="connsiteY0" fmla="*/ 983247 h 1095765"/>
+                  <a:gd name="connsiteX1" fmla="*/ 0 w 670708"/>
+                  <a:gd name="connsiteY1" fmla="*/ 112518 h 1095765"/>
+                  <a:gd name="connsiteX2" fmla="*/ 112518 w 670708"/>
+                  <a:gd name="connsiteY2" fmla="*/ 0 h 1095765"/>
+                  <a:gd name="connsiteX3" fmla="*/ 558190 w 670708"/>
+                  <a:gd name="connsiteY3" fmla="*/ 0 h 1095765"/>
+                  <a:gd name="connsiteX4" fmla="*/ 670708 w 670708"/>
+                  <a:gd name="connsiteY4" fmla="*/ 112518 h 1095765"/>
+                  <a:gd name="connsiteX5" fmla="*/ 670708 w 670708"/>
+                  <a:gd name="connsiteY5" fmla="*/ 983247 h 1095765"/>
+                  <a:gd name="connsiteX6" fmla="*/ 558190 w 670708"/>
+                  <a:gd name="connsiteY6" fmla="*/ 1095765 h 1095765"/>
+                  <a:gd name="connsiteX0" fmla="*/ 0 w 670708"/>
+                  <a:gd name="connsiteY0" fmla="*/ 983247 h 983247"/>
+                  <a:gd name="connsiteX1" fmla="*/ 0 w 670708"/>
+                  <a:gd name="connsiteY1" fmla="*/ 112518 h 983247"/>
+                  <a:gd name="connsiteX2" fmla="*/ 112518 w 670708"/>
+                  <a:gd name="connsiteY2" fmla="*/ 0 h 983247"/>
+                  <a:gd name="connsiteX3" fmla="*/ 558190 w 670708"/>
+                  <a:gd name="connsiteY3" fmla="*/ 0 h 983247"/>
+                  <a:gd name="connsiteX4" fmla="*/ 670708 w 670708"/>
+                  <a:gd name="connsiteY4" fmla="*/ 112518 h 983247"/>
+                  <a:gd name="connsiteX5" fmla="*/ 670708 w 670708"/>
+                  <a:gd name="connsiteY5" fmla="*/ 983247 h 983247"/>
+                  <a:gd name="connsiteX0" fmla="*/ 0 w 670708"/>
+                  <a:gd name="connsiteY0" fmla="*/ 112518 h 983247"/>
+                  <a:gd name="connsiteX1" fmla="*/ 112518 w 670708"/>
+                  <a:gd name="connsiteY1" fmla="*/ 0 h 983247"/>
+                  <a:gd name="connsiteX2" fmla="*/ 558190 w 670708"/>
+                  <a:gd name="connsiteY2" fmla="*/ 0 h 983247"/>
+                  <a:gd name="connsiteX3" fmla="*/ 670708 w 670708"/>
+                  <a:gd name="connsiteY3" fmla="*/ 112518 h 983247"/>
+                  <a:gd name="connsiteX4" fmla="*/ 670708 w 670708"/>
+                  <a:gd name="connsiteY4" fmla="*/ 983247 h 983247"/>
+                  <a:gd name="connsiteX0" fmla="*/ 0 w 558190"/>
+                  <a:gd name="connsiteY0" fmla="*/ 0 h 983247"/>
+                  <a:gd name="connsiteX1" fmla="*/ 445672 w 558190"/>
+                  <a:gd name="connsiteY1" fmla="*/ 0 h 983247"/>
+                  <a:gd name="connsiteX2" fmla="*/ 558190 w 558190"/>
+                  <a:gd name="connsiteY2" fmla="*/ 112518 h 983247"/>
+                  <a:gd name="connsiteX3" fmla="*/ 558190 w 558190"/>
+                  <a:gd name="connsiteY3" fmla="*/ 983247 h 983247"/>
+                  <a:gd name="connsiteX0" fmla="*/ 0 w 627665"/>
+                  <a:gd name="connsiteY0" fmla="*/ 0 h 1379865"/>
+                  <a:gd name="connsiteX1" fmla="*/ 515147 w 627665"/>
+                  <a:gd name="connsiteY1" fmla="*/ 396618 h 1379865"/>
+                  <a:gd name="connsiteX2" fmla="*/ 627665 w 627665"/>
+                  <a:gd name="connsiteY2" fmla="*/ 509136 h 1379865"/>
+                  <a:gd name="connsiteX3" fmla="*/ 627665 w 627665"/>
+                  <a:gd name="connsiteY3" fmla="*/ 1379865 h 1379865"/>
+                  <a:gd name="connsiteX0" fmla="*/ 0 w 627665"/>
+                  <a:gd name="connsiteY0" fmla="*/ 0 h 1379865"/>
+                  <a:gd name="connsiteX1" fmla="*/ 515147 w 627665"/>
+                  <a:gd name="connsiteY1" fmla="*/ 396618 h 1379865"/>
+                  <a:gd name="connsiteX2" fmla="*/ 627665 w 627665"/>
+                  <a:gd name="connsiteY2" fmla="*/ 509136 h 1379865"/>
+                  <a:gd name="connsiteX3" fmla="*/ 627665 w 627665"/>
+                  <a:gd name="connsiteY3" fmla="*/ 1379865 h 1379865"/>
+                  <a:gd name="connsiteX0" fmla="*/ 0 w 627665"/>
+                  <a:gd name="connsiteY0" fmla="*/ 0 h 1379865"/>
+                  <a:gd name="connsiteX1" fmla="*/ 515147 w 627665"/>
+                  <a:gd name="connsiteY1" fmla="*/ 396618 h 1379865"/>
+                  <a:gd name="connsiteX2" fmla="*/ 627665 w 627665"/>
+                  <a:gd name="connsiteY2" fmla="*/ 509136 h 1379865"/>
+                  <a:gd name="connsiteX3" fmla="*/ 627665 w 627665"/>
+                  <a:gd name="connsiteY3" fmla="*/ 1379865 h 1379865"/>
+                  <a:gd name="connsiteX0" fmla="*/ 0 w 627665"/>
+                  <a:gd name="connsiteY0" fmla="*/ 0 h 1379865"/>
+                  <a:gd name="connsiteX1" fmla="*/ 515147 w 627665"/>
+                  <a:gd name="connsiteY1" fmla="*/ 396618 h 1379865"/>
+                  <a:gd name="connsiteX2" fmla="*/ 627665 w 627665"/>
+                  <a:gd name="connsiteY2" fmla="*/ 509136 h 1379865"/>
+                  <a:gd name="connsiteX3" fmla="*/ 627665 w 627665"/>
+                  <a:gd name="connsiteY3" fmla="*/ 1379865 h 1379865"/>
+                  <a:gd name="connsiteX0" fmla="*/ 0 w 627665"/>
+                  <a:gd name="connsiteY0" fmla="*/ 0 h 1379865"/>
+                  <a:gd name="connsiteX1" fmla="*/ 518280 w 627665"/>
+                  <a:gd name="connsiteY1" fmla="*/ 374934 h 1379865"/>
+                  <a:gd name="connsiteX2" fmla="*/ 627665 w 627665"/>
+                  <a:gd name="connsiteY2" fmla="*/ 509136 h 1379865"/>
+                  <a:gd name="connsiteX3" fmla="*/ 627665 w 627665"/>
+                  <a:gd name="connsiteY3" fmla="*/ 1379865 h 1379865"/>
+                  <a:gd name="connsiteX0" fmla="*/ 0 w 627665"/>
+                  <a:gd name="connsiteY0" fmla="*/ 0 h 1379865"/>
+                  <a:gd name="connsiteX1" fmla="*/ 518280 w 627665"/>
+                  <a:gd name="connsiteY1" fmla="*/ 374934 h 1379865"/>
+                  <a:gd name="connsiteX2" fmla="*/ 627665 w 627665"/>
+                  <a:gd name="connsiteY2" fmla="*/ 509136 h 1379865"/>
+                  <a:gd name="connsiteX3" fmla="*/ 627665 w 627665"/>
+                  <a:gd name="connsiteY3" fmla="*/ 1379865 h 1379865"/>
+                  <a:gd name="connsiteX0" fmla="*/ 0 w 627665"/>
+                  <a:gd name="connsiteY0" fmla="*/ 0 h 1379865"/>
+                  <a:gd name="connsiteX1" fmla="*/ 518280 w 627665"/>
+                  <a:gd name="connsiteY1" fmla="*/ 374934 h 1379865"/>
+                  <a:gd name="connsiteX2" fmla="*/ 627665 w 627665"/>
+                  <a:gd name="connsiteY2" fmla="*/ 509136 h 1379865"/>
+                  <a:gd name="connsiteX3" fmla="*/ 627665 w 627665"/>
+                  <a:gd name="connsiteY3" fmla="*/ 1379865 h 1379865"/>
+                  <a:gd name="connsiteX0" fmla="*/ 0 w 633931"/>
+                  <a:gd name="connsiteY0" fmla="*/ 0 h 1379865"/>
+                  <a:gd name="connsiteX1" fmla="*/ 518280 w 633931"/>
+                  <a:gd name="connsiteY1" fmla="*/ 374934 h 1379865"/>
+                  <a:gd name="connsiteX2" fmla="*/ 633931 w 633931"/>
+                  <a:gd name="connsiteY2" fmla="*/ 571477 h 1379865"/>
+                  <a:gd name="connsiteX3" fmla="*/ 627665 w 633931"/>
+                  <a:gd name="connsiteY3" fmla="*/ 1379865 h 1379865"/>
+                  <a:gd name="connsiteX0" fmla="*/ 0 w 634110"/>
+                  <a:gd name="connsiteY0" fmla="*/ 0 h 1379865"/>
+                  <a:gd name="connsiteX1" fmla="*/ 518280 w 634110"/>
+                  <a:gd name="connsiteY1" fmla="*/ 374934 h 1379865"/>
+                  <a:gd name="connsiteX2" fmla="*/ 633931 w 634110"/>
+                  <a:gd name="connsiteY2" fmla="*/ 571477 h 1379865"/>
+                  <a:gd name="connsiteX3" fmla="*/ 627665 w 634110"/>
+                  <a:gd name="connsiteY3" fmla="*/ 1379865 h 1379865"/>
+                  <a:gd name="connsiteX0" fmla="*/ 0 w 628268"/>
+                  <a:gd name="connsiteY0" fmla="*/ 0 h 1379865"/>
+                  <a:gd name="connsiteX1" fmla="*/ 518280 w 628268"/>
+                  <a:gd name="connsiteY1" fmla="*/ 374934 h 1379865"/>
+                  <a:gd name="connsiteX2" fmla="*/ 627666 w 628268"/>
+                  <a:gd name="connsiteY2" fmla="*/ 568769 h 1379865"/>
+                  <a:gd name="connsiteX3" fmla="*/ 627665 w 628268"/>
+                  <a:gd name="connsiteY3" fmla="*/ 1379865 h 1379865"/>
+                  <a:gd name="connsiteX0" fmla="*/ 0 w 628268"/>
+                  <a:gd name="connsiteY0" fmla="*/ 0 h 2425419"/>
+                  <a:gd name="connsiteX1" fmla="*/ 518280 w 628268"/>
+                  <a:gd name="connsiteY1" fmla="*/ 374934 h 2425419"/>
+                  <a:gd name="connsiteX2" fmla="*/ 627666 w 628268"/>
+                  <a:gd name="connsiteY2" fmla="*/ 568769 h 2425419"/>
+                  <a:gd name="connsiteX3" fmla="*/ 627665 w 628268"/>
+                  <a:gd name="connsiteY3" fmla="*/ 2425419 h 2425419"/>
+                  <a:gd name="connsiteX0" fmla="*/ 0 w 628268"/>
+                  <a:gd name="connsiteY0" fmla="*/ 0 h 4241765"/>
+                  <a:gd name="connsiteX1" fmla="*/ 518280 w 628268"/>
+                  <a:gd name="connsiteY1" fmla="*/ 374934 h 4241765"/>
+                  <a:gd name="connsiteX2" fmla="*/ 627666 w 628268"/>
+                  <a:gd name="connsiteY2" fmla="*/ 568769 h 4241765"/>
+                  <a:gd name="connsiteX3" fmla="*/ 627665 w 628268"/>
+                  <a:gd name="connsiteY3" fmla="*/ 4241765 h 4241765"/>
+                  <a:gd name="connsiteX0" fmla="*/ 0 w 632800"/>
+                  <a:gd name="connsiteY0" fmla="*/ 0 h 4241765"/>
+                  <a:gd name="connsiteX1" fmla="*/ 518280 w 632800"/>
+                  <a:gd name="connsiteY1" fmla="*/ 374934 h 4241765"/>
+                  <a:gd name="connsiteX2" fmla="*/ 632615 w 632800"/>
+                  <a:gd name="connsiteY2" fmla="*/ 919487 h 4241765"/>
+                  <a:gd name="connsiteX3" fmla="*/ 627665 w 632800"/>
+                  <a:gd name="connsiteY3" fmla="*/ 4241765 h 4241765"/>
+                  <a:gd name="connsiteX0" fmla="*/ 0 w 636459"/>
+                  <a:gd name="connsiteY0" fmla="*/ 0 h 4241765"/>
+                  <a:gd name="connsiteX1" fmla="*/ 572676 w 636459"/>
+                  <a:gd name="connsiteY1" fmla="*/ 644389 h 4241765"/>
+                  <a:gd name="connsiteX2" fmla="*/ 632615 w 636459"/>
+                  <a:gd name="connsiteY2" fmla="*/ 919487 h 4241765"/>
+                  <a:gd name="connsiteX3" fmla="*/ 627665 w 636459"/>
+                  <a:gd name="connsiteY3" fmla="*/ 4241765 h 4241765"/>
+                  <a:gd name="connsiteX0" fmla="*/ 0 w 636459"/>
+                  <a:gd name="connsiteY0" fmla="*/ 0 h 4241765"/>
+                  <a:gd name="connsiteX1" fmla="*/ 572676 w 636459"/>
+                  <a:gd name="connsiteY1" fmla="*/ 644389 h 4241765"/>
+                  <a:gd name="connsiteX2" fmla="*/ 632615 w 636459"/>
+                  <a:gd name="connsiteY2" fmla="*/ 919487 h 4241765"/>
+                  <a:gd name="connsiteX3" fmla="*/ 627665 w 636459"/>
+                  <a:gd name="connsiteY3" fmla="*/ 4241765 h 4241765"/>
+                  <a:gd name="connsiteX0" fmla="*/ 0 w 636459"/>
+                  <a:gd name="connsiteY0" fmla="*/ 0 h 4241765"/>
+                  <a:gd name="connsiteX1" fmla="*/ 572676 w 636459"/>
+                  <a:gd name="connsiteY1" fmla="*/ 644389 h 4241765"/>
+                  <a:gd name="connsiteX2" fmla="*/ 632615 w 636459"/>
+                  <a:gd name="connsiteY2" fmla="*/ 919487 h 4241765"/>
+                  <a:gd name="connsiteX3" fmla="*/ 627665 w 636459"/>
+                  <a:gd name="connsiteY3" fmla="*/ 4241765 h 4241765"/>
+                  <a:gd name="connsiteX0" fmla="*/ 0 w 636459"/>
+                  <a:gd name="connsiteY0" fmla="*/ 0 h 4241765"/>
+                  <a:gd name="connsiteX1" fmla="*/ 572676 w 636459"/>
+                  <a:gd name="connsiteY1" fmla="*/ 644389 h 4241765"/>
+                  <a:gd name="connsiteX2" fmla="*/ 632615 w 636459"/>
+                  <a:gd name="connsiteY2" fmla="*/ 919487 h 4241765"/>
+                  <a:gd name="connsiteX3" fmla="*/ 627665 w 636459"/>
+                  <a:gd name="connsiteY3" fmla="*/ 4241765 h 4241765"/>
+                  <a:gd name="connsiteX0" fmla="*/ 0 w 633936"/>
+                  <a:gd name="connsiteY0" fmla="*/ 0 h 4241765"/>
+                  <a:gd name="connsiteX1" fmla="*/ 572676 w 633936"/>
+                  <a:gd name="connsiteY1" fmla="*/ 644389 h 4241765"/>
+                  <a:gd name="connsiteX2" fmla="*/ 632615 w 633936"/>
+                  <a:gd name="connsiteY2" fmla="*/ 919487 h 4241765"/>
+                  <a:gd name="connsiteX3" fmla="*/ 627665 w 633936"/>
+                  <a:gd name="connsiteY3" fmla="*/ 4241765 h 4241765"/>
+                  <a:gd name="connsiteX0" fmla="*/ 0 w 632828"/>
+                  <a:gd name="connsiteY0" fmla="*/ 0 h 4241765"/>
+                  <a:gd name="connsiteX1" fmla="*/ 538065 w 632828"/>
+                  <a:gd name="connsiteY1" fmla="*/ 605899 h 4241765"/>
+                  <a:gd name="connsiteX2" fmla="*/ 632615 w 632828"/>
+                  <a:gd name="connsiteY2" fmla="*/ 919487 h 4241765"/>
+                  <a:gd name="connsiteX3" fmla="*/ 627665 w 632828"/>
+                  <a:gd name="connsiteY3" fmla="*/ 4241765 h 4241765"/>
+                  <a:gd name="connsiteX0" fmla="*/ 0 w 632827"/>
+                  <a:gd name="connsiteY0" fmla="*/ 0 h 4241765"/>
+                  <a:gd name="connsiteX1" fmla="*/ 538065 w 632827"/>
+                  <a:gd name="connsiteY1" fmla="*/ 605899 h 4241765"/>
+                  <a:gd name="connsiteX2" fmla="*/ 632615 w 632827"/>
+                  <a:gd name="connsiteY2" fmla="*/ 919487 h 4241765"/>
+                  <a:gd name="connsiteX3" fmla="*/ 627665 w 632827"/>
+                  <a:gd name="connsiteY3" fmla="*/ 4241765 h 4241765"/>
+                  <a:gd name="connsiteX0" fmla="*/ 0 w 632827"/>
+                  <a:gd name="connsiteY0" fmla="*/ 0 h 4241765"/>
+                  <a:gd name="connsiteX1" fmla="*/ 538065 w 632827"/>
+                  <a:gd name="connsiteY1" fmla="*/ 605899 h 4241765"/>
+                  <a:gd name="connsiteX2" fmla="*/ 632615 w 632827"/>
+                  <a:gd name="connsiteY2" fmla="*/ 919487 h 4241765"/>
+                  <a:gd name="connsiteX3" fmla="*/ 627665 w 632827"/>
+                  <a:gd name="connsiteY3" fmla="*/ 4241765 h 4241765"/>
+                  <a:gd name="connsiteX0" fmla="*/ 0 w 632827"/>
+                  <a:gd name="connsiteY0" fmla="*/ 0 h 4241765"/>
+                  <a:gd name="connsiteX1" fmla="*/ 538065 w 632827"/>
+                  <a:gd name="connsiteY1" fmla="*/ 605899 h 4241765"/>
+                  <a:gd name="connsiteX2" fmla="*/ 632615 w 632827"/>
+                  <a:gd name="connsiteY2" fmla="*/ 919487 h 4241765"/>
+                  <a:gd name="connsiteX3" fmla="*/ 627665 w 632827"/>
+                  <a:gd name="connsiteY3" fmla="*/ 4241765 h 4241765"/>
+                </a:gdLst>
+                <a:ahLst/>
+                <a:cxnLst>
+                  <a:cxn ang="0">
+                    <a:pos x="connsiteX0" y="connsiteY0"/>
+                  </a:cxn>
+                  <a:cxn ang="0">
+                    <a:pos x="connsiteX1" y="connsiteY1"/>
+                  </a:cxn>
+                  <a:cxn ang="0">
+                    <a:pos x="connsiteX2" y="connsiteY2"/>
+                  </a:cxn>
+                  <a:cxn ang="0">
+                    <a:pos x="connsiteX3" y="connsiteY3"/>
+                  </a:cxn>
+                </a:cxnLst>
+                <a:rect l="l" t="t" r="r" b="b"/>
+                <a:pathLst>
+                  <a:path w="632827" h="4241765">
+                    <a:moveTo>
+                      <a:pt x="0" y="0"/>
+                    </a:moveTo>
+                    <a:lnTo>
+                      <a:pt x="538065" y="605899"/>
+                    </a:lnTo>
+                    <a:cubicBezTo>
+                      <a:pt x="604178" y="691617"/>
+                      <a:pt x="635752" y="766511"/>
+                      <a:pt x="632615" y="919487"/>
+                    </a:cubicBezTo>
+                    <a:cubicBezTo>
+                      <a:pt x="630526" y="1188950"/>
+                      <a:pt x="629754" y="3972302"/>
+                      <a:pt x="627665" y="4241765"/>
+                    </a:cubicBezTo>
+                  </a:path>
+                </a:pathLst>
+              </a:custGeom>
+              <a:ln w="12700">
+                <a:solidFill>
+                  <a:srgbClr val="3EB8BE">
+                    <a:alpha val="80000"/>
+                  </a:srgbClr>
+                </a:solidFill>
+                <a:prstDash val="solid"/>
+                <a:headEnd type="oval" w="lg" len="lg"/>
+                <a:tailEnd type="none"/>
+              </a:ln>
+              <a:effectLst>
+                <a:innerShdw blurRad="63500" dist="50800" dir="13500000">
+                  <a:prstClr val="black">
+                    <a:alpha val="50000"/>
+                  </a:prstClr>
+                </a:innerShdw>
+              </a:effectLst>
+            </p:spPr>
+            <p:style>
+              <a:lnRef idx="1">
+                <a:schemeClr val="accent1"/>
+              </a:lnRef>
+              <a:fillRef idx="0">
+                <a:schemeClr val="accent1"/>
+              </a:fillRef>
+              <a:effectRef idx="0">
+                <a:schemeClr val="accent1"/>
+              </a:effectRef>
+              <a:fontRef idx="minor">
+                <a:schemeClr val="tx1"/>
+              </a:fontRef>
+            </p:style>
+            <p:txBody>
+              <a:bodyPr rtlCol="0" anchor="ctr"/>
+              <a:lstStyle/>
+              <a:p>
+                <a:pPr algn="ctr"/>
+                <a:endParaRPr lang="zh-CN" altLang="en-US" dirty="0">
+                  <a:solidFill>
+                    <a:schemeClr val="tx1"/>
+                  </a:solidFill>
+                </a:endParaRPr>
+              </a:p>
+            </p:txBody>
+          </p:sp>
+          <p:sp>
+            <p:nvSpPr>
+              <p:cNvPr id="23" name="矩形 47"/>
+              <p:cNvSpPr>
+                <a:spLocks noChangeArrowheads="1"/>
+              </p:cNvSpPr>
+              <p:nvPr/>
+            </p:nvSpPr>
+            <p:spPr bwMode="auto">
+              <a:xfrm>
+                <a:off x="3704212" y="1229624"/>
+                <a:ext cx="3677160" cy="537400"/>
+              </a:xfrm>
+              <a:prstGeom prst="rect">
+                <a:avLst/>
+              </a:prstGeom>
+              <a:noFill/>
+              <a:ln>
+                <a:noFill/>
+              </a:ln>
+              <a:extLst>
+                <a:ext uri="{909E8E84-426E-40DD-AFC4-6F175D3DCCD1}">
+                  <a14:hiddenFill xmlns:a14="http://schemas.microsoft.com/office/drawing/2010/main">
+                    <a:solidFill>
+                      <a:srgbClr val="FFFFFF"/>
+                    </a:solidFill>
+                  </a14:hiddenFill>
+                </a:ext>
+                <a:ext uri="{91240B29-F687-4F45-9708-019B960494DF}">
+                  <a14:hiddenLine xmlns:a14="http://schemas.microsoft.com/office/drawing/2010/main" w="9525">
+                    <a:solidFill>
+                      <a:srgbClr val="000000"/>
+                    </a:solidFill>
+                    <a:miter lim="800000"/>
+                    <a:headEnd/>
+                    <a:tailEnd/>
+                  </a14:hiddenLine>
+                </a:ext>
+              </a:extLst>
+            </p:spPr>
+            <p:txBody>
+              <a:bodyPr wrap="square" lIns="91434" tIns="45718" rIns="91434" bIns="45718">
+                <a:spAutoFit/>
+              </a:bodyPr>
+              <a:lstStyle/>
+              <a:p>
+                <a:pPr algn="just">
+                  <a:lnSpc>
+                    <a:spcPct val="120000"/>
+                  </a:lnSpc>
+                  <a:spcBef>
+                    <a:spcPct val="0"/>
+                  </a:spcBef>
+                  <a:buFont typeface="Arial" charset="0"/>
+                  <a:buNone/>
+                </a:pPr>
+                <a:r>
+                  <a:rPr lang="zh-CN" altLang="en-US" sz="1200" dirty="0" smtClean="0">
+                    <a:solidFill>
+                      <a:schemeClr val="tx1">
+                        <a:lumMod val="75000"/>
+                        <a:lumOff val="25000"/>
+                      </a:schemeClr>
+                    </a:solidFill>
+                    <a:uFill>
+                      <a:solidFill>
+                        <a:srgbClr val="808080"/>
+                      </a:solidFill>
+                    </a:uFill>
+                    <a:latin typeface="微软雅黑" panose="020B0503020204020204" pitchFamily="34" charset="-122"/>
+                    <a:ea typeface="微软雅黑" panose="020B0503020204020204" pitchFamily="34" charset="-122"/>
+                    <a:cs typeface="+mn-ea"/>
+                    <a:sym typeface="+mn-lt"/>
+                  </a:rPr>
+                  <a:t>生成输出</a:t>
+                </a:r>
+                <a:r>
+                  <a:rPr lang="en-US" altLang="zh-CN" sz="1200" dirty="0" smtClean="0">
+                    <a:solidFill>
+                      <a:schemeClr val="tx1">
+                        <a:lumMod val="75000"/>
+                        <a:lumOff val="25000"/>
+                      </a:schemeClr>
+                    </a:solidFill>
+                    <a:uFill>
+                      <a:solidFill>
+                        <a:srgbClr val="808080"/>
+                      </a:solidFill>
+                    </a:uFill>
+                    <a:latin typeface="微软雅黑" panose="020B0503020204020204" pitchFamily="34" charset="-122"/>
+                    <a:ea typeface="微软雅黑" panose="020B0503020204020204" pitchFamily="34" charset="-122"/>
+                    <a:cs typeface="+mn-ea"/>
+                    <a:sym typeface="+mn-lt"/>
+                  </a:rPr>
+                  <a:t>log</a:t>
+                </a:r>
+                <a:r>
+                  <a:rPr lang="zh-CN" altLang="en-US" sz="1200" dirty="0" smtClean="0">
+                    <a:solidFill>
+                      <a:schemeClr val="tx1">
+                        <a:lumMod val="75000"/>
+                        <a:lumOff val="25000"/>
+                      </a:schemeClr>
+                    </a:solidFill>
+                    <a:uFill>
+                      <a:solidFill>
+                        <a:srgbClr val="808080"/>
+                      </a:solidFill>
+                    </a:uFill>
+                    <a:latin typeface="微软雅黑" panose="020B0503020204020204" pitchFamily="34" charset="-122"/>
+                    <a:ea typeface="微软雅黑" panose="020B0503020204020204" pitchFamily="34" charset="-122"/>
+                    <a:cs typeface="+mn-ea"/>
+                    <a:sym typeface="+mn-lt"/>
+                  </a:rPr>
+                  <a:t>和清除后的文件</a:t>
+                </a:r>
+                <a:endParaRPr lang="zh-CN" altLang="en-US" sz="1200" dirty="0">
+                  <a:solidFill>
+                    <a:schemeClr val="tx1">
+                      <a:lumMod val="75000"/>
+                      <a:lumOff val="25000"/>
+                    </a:schemeClr>
+                  </a:solidFill>
+                  <a:latin typeface="微软雅黑" pitchFamily="34" charset="-122"/>
+                  <a:ea typeface="微软雅黑" pitchFamily="34" charset="-122"/>
+                  <a:sym typeface="微软雅黑" pitchFamily="34" charset="-122"/>
+                </a:endParaRPr>
+              </a:p>
+            </p:txBody>
+          </p:sp>
+          <p:sp>
+            <p:nvSpPr>
+              <p:cNvPr id="24" name="矩形 23"/>
+              <p:cNvSpPr/>
+              <p:nvPr/>
+            </p:nvSpPr>
+            <p:spPr>
+              <a:xfrm>
+                <a:off x="5873238" y="4195828"/>
+                <a:ext cx="1870818" cy="526871"/>
+              </a:xfrm>
+              <a:prstGeom prst="rect">
+                <a:avLst/>
+              </a:prstGeom>
+            </p:spPr>
+            <p:txBody>
+              <a:bodyPr wrap="none">
+                <a:spAutoFit/>
+              </a:bodyPr>
+              <a:lstStyle/>
+              <a:p>
+                <a:r>
+                  <a:rPr lang="zh-CN" altLang="en-US" sz="1400" dirty="0" smtClean="0">
+                    <a:solidFill>
+                      <a:srgbClr val="666666"/>
+                    </a:solidFill>
+                    <a:latin typeface="微软雅黑"/>
+                    <a:ea typeface="微软雅黑"/>
+                  </a:rPr>
+                  <a:t>关键词提取</a:t>
+                </a:r>
+                <a:endParaRPr lang="zh-CN" altLang="en-US" sz="1400" dirty="0">
+                  <a:solidFill>
+                    <a:srgbClr val="666666"/>
+                  </a:solidFill>
+                  <a:latin typeface="微软雅黑"/>
+                  <a:ea typeface="微软雅黑"/>
+                </a:endParaRPr>
+              </a:p>
+            </p:txBody>
+          </p:sp>
+          <p:sp>
+            <p:nvSpPr>
+              <p:cNvPr id="25" name="矩形 24"/>
+              <p:cNvSpPr/>
+              <p:nvPr/>
+            </p:nvSpPr>
+            <p:spPr>
+              <a:xfrm>
+                <a:off x="4173555" y="5478806"/>
+                <a:ext cx="1560492" cy="526871"/>
+              </a:xfrm>
+              <a:prstGeom prst="rect">
+                <a:avLst/>
+              </a:prstGeom>
+            </p:spPr>
+            <p:txBody>
+              <a:bodyPr wrap="none">
+                <a:spAutoFit/>
+              </a:bodyPr>
+              <a:lstStyle/>
+              <a:p>
+                <a:r>
+                  <a:rPr lang="zh-CN" altLang="en-US" sz="1400" dirty="0" smtClean="0">
+                    <a:solidFill>
+                      <a:srgbClr val="666666"/>
+                    </a:solidFill>
+                    <a:latin typeface="微软雅黑"/>
+                    <a:ea typeface="微软雅黑"/>
+                  </a:rPr>
+                  <a:t>文件读取</a:t>
+                </a:r>
+                <a:endParaRPr lang="zh-CN" altLang="en-US" sz="1400" dirty="0">
+                  <a:solidFill>
+                    <a:srgbClr val="666666"/>
+                  </a:solidFill>
+                  <a:latin typeface="微软雅黑"/>
+                  <a:ea typeface="微软雅黑"/>
+                </a:endParaRPr>
+              </a:p>
+            </p:txBody>
+          </p:sp>
+          <p:sp>
+            <p:nvSpPr>
+              <p:cNvPr id="26" name="矩形 25"/>
+              <p:cNvSpPr/>
+              <p:nvPr/>
+            </p:nvSpPr>
+            <p:spPr>
+              <a:xfrm>
+                <a:off x="2035332" y="1638892"/>
+                <a:ext cx="1560492" cy="526871"/>
+              </a:xfrm>
+              <a:prstGeom prst="rect">
+                <a:avLst/>
+              </a:prstGeom>
+            </p:spPr>
+            <p:txBody>
+              <a:bodyPr wrap="none">
+                <a:spAutoFit/>
+              </a:bodyPr>
+              <a:lstStyle/>
+              <a:p>
+                <a:r>
+                  <a:rPr lang="zh-CN" altLang="en-US" sz="1400" dirty="0" smtClean="0">
+                    <a:solidFill>
+                      <a:srgbClr val="666666"/>
+                    </a:solidFill>
+                    <a:latin typeface="微软雅黑"/>
+                    <a:ea typeface="微软雅黑"/>
+                  </a:rPr>
+                  <a:t>冗余清除</a:t>
+                </a:r>
+                <a:endParaRPr lang="zh-CN" altLang="en-US" sz="1400" dirty="0">
+                  <a:solidFill>
+                    <a:srgbClr val="666666"/>
+                  </a:solidFill>
+                  <a:latin typeface="微软雅黑"/>
+                  <a:ea typeface="微软雅黑"/>
+                </a:endParaRPr>
+              </a:p>
+            </p:txBody>
+          </p:sp>
+        </p:grpSp>
+        <p:sp>
+          <p:nvSpPr>
+            <p:cNvPr id="7" name="矩形 6"/>
+            <p:cNvSpPr/>
+            <p:nvPr/>
+          </p:nvSpPr>
+          <p:spPr>
+            <a:xfrm>
+              <a:off x="3700313" y="709936"/>
+              <a:ext cx="2350160" cy="526871"/>
+            </a:xfrm>
+            <a:prstGeom prst="rect">
+              <a:avLst/>
+            </a:prstGeom>
+          </p:spPr>
+          <p:txBody>
+            <a:bodyPr wrap="none">
+              <a:spAutoFit/>
+            </a:bodyPr>
+            <a:lstStyle/>
+            <a:p>
+              <a:r>
+                <a:rPr lang="zh-CN" altLang="en-US" sz="1400" dirty="0" smtClean="0">
+                  <a:solidFill>
+                    <a:srgbClr val="666666"/>
+                  </a:solidFill>
+                  <a:latin typeface="微软雅黑"/>
+                  <a:ea typeface="微软雅黑"/>
+                </a:rPr>
+                <a:t>文件与</a:t>
+              </a:r>
+              <a:r>
+                <a:rPr lang="en-US" altLang="zh-CN" sz="1400" dirty="0" smtClean="0">
+                  <a:solidFill>
+                    <a:srgbClr val="666666"/>
+                  </a:solidFill>
+                  <a:latin typeface="微软雅黑"/>
+                  <a:ea typeface="微软雅黑"/>
+                </a:rPr>
+                <a:t>log</a:t>
+              </a:r>
+              <a:r>
+                <a:rPr lang="zh-CN" altLang="en-US" sz="1400" dirty="0" smtClean="0">
+                  <a:solidFill>
+                    <a:srgbClr val="666666"/>
+                  </a:solidFill>
+                  <a:latin typeface="微软雅黑"/>
+                  <a:ea typeface="微软雅黑"/>
+                </a:rPr>
+                <a:t>生成</a:t>
+              </a:r>
+              <a:endParaRPr lang="zh-CN" altLang="en-US" sz="1400" dirty="0">
+                <a:solidFill>
+                  <a:srgbClr val="666666"/>
+                </a:solidFill>
+                <a:latin typeface="微软雅黑"/>
+                <a:ea typeface="微软雅黑"/>
+              </a:endParaRPr>
+            </a:p>
+          </p:txBody>
+        </p:sp>
+      </p:grpSp>
+      <p:grpSp>
+        <p:nvGrpSpPr>
+          <p:cNvPr id="35" name="组合 34"/>
+          <p:cNvGrpSpPr/>
+          <p:nvPr/>
+        </p:nvGrpSpPr>
+        <p:grpSpPr>
+          <a:xfrm>
+            <a:off x="75322" y="64351"/>
+            <a:ext cx="6864824" cy="815331"/>
+            <a:chOff x="0" y="48256"/>
+            <a:chExt cx="6864824" cy="815331"/>
+          </a:xfrm>
+        </p:grpSpPr>
+        <p:sp>
+          <p:nvSpPr>
+            <p:cNvPr id="36" name="文本框 35"/>
+            <p:cNvSpPr txBox="1"/>
+            <p:nvPr/>
+          </p:nvSpPr>
+          <p:spPr>
+            <a:xfrm>
+              <a:off x="981470" y="297292"/>
+              <a:ext cx="2671435" cy="461665"/>
+            </a:xfrm>
+            <a:prstGeom prst="rect">
+              <a:avLst/>
+            </a:prstGeom>
+            <a:noFill/>
+          </p:spPr>
+          <p:txBody>
+            <a:bodyPr wrap="square" rtlCol="0">
+              <a:spAutoFit/>
+            </a:bodyPr>
+            <a:lstStyle/>
+            <a:p>
+              <a:r>
+                <a:rPr lang="zh-CN" altLang="en-US" sz="2400" dirty="0" smtClean="0">
+                  <a:solidFill>
+                    <a:srgbClr val="4ACBD6"/>
+                  </a:solidFill>
+                  <a:latin typeface="微软雅黑" panose="020B0503020204020204" pitchFamily="34" charset="-122"/>
+                  <a:ea typeface="微软雅黑" panose="020B0503020204020204" pitchFamily="34" charset="-122"/>
+                </a:rPr>
+                <a:t>课题</a:t>
+              </a:r>
+              <a:r>
+                <a:rPr lang="zh-CN" altLang="en-US" sz="2400" dirty="0" smtClean="0">
+                  <a:solidFill>
+                    <a:srgbClr val="4ACBD6"/>
+                  </a:solidFill>
+                  <a:latin typeface="微软雅黑" panose="020B0503020204020204" pitchFamily="34" charset="-122"/>
+                  <a:ea typeface="微软雅黑" panose="020B0503020204020204" pitchFamily="34" charset="-122"/>
+                </a:rPr>
+                <a:t>设计思路</a:t>
+              </a:r>
+              <a:endParaRPr lang="zh-CN" altLang="en-US" sz="2400" dirty="0">
+                <a:solidFill>
+                  <a:srgbClr val="4ACBD6"/>
+                </a:solidFill>
+                <a:latin typeface="微软雅黑" panose="020B0503020204020204" pitchFamily="34" charset="-122"/>
+                <a:ea typeface="微软雅黑" panose="020B0503020204020204" pitchFamily="34" charset="-122"/>
+              </a:endParaRPr>
+            </a:p>
+          </p:txBody>
+        </p:sp>
+        <p:cxnSp>
+          <p:nvCxnSpPr>
+            <p:cNvPr id="37" name="直接连接符 36"/>
+            <p:cNvCxnSpPr/>
+            <p:nvPr/>
+          </p:nvCxnSpPr>
+          <p:spPr>
+            <a:xfrm>
+              <a:off x="743903" y="768128"/>
+              <a:ext cx="6120921" cy="0"/>
+            </a:xfrm>
+            <a:prstGeom prst="line">
+              <a:avLst/>
+            </a:prstGeom>
+            <a:ln w="12700">
+              <a:solidFill>
+                <a:schemeClr val="bg1">
+                  <a:lumMod val="75000"/>
+                </a:schemeClr>
+              </a:solidFill>
+            </a:ln>
+          </p:spPr>
+          <p:style>
+            <a:lnRef idx="1">
+              <a:schemeClr val="accent1"/>
+            </a:lnRef>
+            <a:fillRef idx="0">
+              <a:schemeClr val="accent1"/>
+            </a:fillRef>
+            <a:effectRef idx="0">
+              <a:schemeClr val="accent1"/>
+            </a:effectRef>
+            <a:fontRef idx="minor">
+              <a:schemeClr val="tx1"/>
+            </a:fontRef>
+          </p:style>
+        </p:cxnSp>
+        <p:grpSp>
+          <p:nvGrpSpPr>
+            <p:cNvPr id="38" name="组合 37"/>
+            <p:cNvGrpSpPr/>
+            <p:nvPr/>
+          </p:nvGrpSpPr>
+          <p:grpSpPr>
+            <a:xfrm>
+              <a:off x="0" y="48256"/>
+              <a:ext cx="1026885" cy="815331"/>
+              <a:chOff x="0" y="0"/>
+              <a:chExt cx="1026885" cy="815331"/>
+            </a:xfrm>
+          </p:grpSpPr>
+          <p:grpSp>
+            <p:nvGrpSpPr>
+              <p:cNvPr id="39" name="组合 38"/>
+              <p:cNvGrpSpPr/>
+              <p:nvPr userDrawn="1"/>
+            </p:nvGrpSpPr>
+            <p:grpSpPr>
+              <a:xfrm>
+                <a:off x="0" y="0"/>
+                <a:ext cx="743903" cy="641444"/>
+                <a:chOff x="540674" y="2478267"/>
+                <a:chExt cx="1205922" cy="1039829"/>
+              </a:xfrm>
+            </p:grpSpPr>
+            <p:sp>
+              <p:nvSpPr>
+                <p:cNvPr id="43" name="六边形 42"/>
+                <p:cNvSpPr/>
+                <p:nvPr/>
+              </p:nvSpPr>
+              <p:spPr>
+                <a:xfrm>
+                  <a:off x="540674" y="2478267"/>
+                  <a:ext cx="1205922" cy="1039829"/>
+                </a:xfrm>
+                <a:prstGeom prst="hexagon">
+                  <a:avLst/>
+                </a:prstGeom>
+                <a:gradFill flip="none" rotWithShape="1">
+                  <a:gsLst>
+                    <a:gs pos="100000">
+                      <a:srgbClr val="FCFCFC"/>
+                    </a:gs>
+                    <a:gs pos="0">
+                      <a:srgbClr val="CCCCCC"/>
+                    </a:gs>
+                  </a:gsLst>
+                  <a:lin ang="7200000" scaled="0"/>
+                  <a:tileRect/>
+                </a:gradFill>
+                <a:ln w="12700">
+                  <a:gradFill>
+                    <a:gsLst>
+                      <a:gs pos="89000">
+                        <a:schemeClr val="bg1">
+                          <a:lumMod val="85000"/>
+                        </a:schemeClr>
+                      </a:gs>
+                      <a:gs pos="0">
+                        <a:schemeClr val="bg1"/>
+                      </a:gs>
+                    </a:gsLst>
+                    <a:lin ang="7200000" scaled="0"/>
+                  </a:gradFill>
+                </a:ln>
+                <a:effectLst>
+                  <a:outerShdw blurRad="254000" dist="127000" dir="8160000" algn="tr" rotWithShape="0">
+                    <a:prstClr val="black">
+                      <a:alpha val="34000"/>
+                    </a:prstClr>
+                  </a:outerShdw>
+                </a:effectLst>
+              </p:spPr>
+              <p:style>
+                <a:lnRef idx="2">
+                  <a:schemeClr val="accent1">
+                    <a:shade val="50000"/>
+                  </a:schemeClr>
+                </a:lnRef>
+                <a:fillRef idx="1">
+                  <a:schemeClr val="accent1"/>
+                </a:fillRef>
+                <a:effectRef idx="0">
+                  <a:schemeClr val="accent1"/>
+                </a:effectRef>
+                <a:fontRef idx="minor">
+                  <a:schemeClr val="lt1"/>
+                </a:fontRef>
+              </p:style>
+              <p:txBody>
+                <a:bodyPr rtlCol="0" anchor="ctr"/>
+                <a:lstStyle/>
+                <a:p>
+                  <a:pPr algn="ctr"/>
+                  <a:endParaRPr lang="zh-CN" altLang="en-US" dirty="0">
+                    <a:latin typeface="+mj-ea"/>
+                    <a:ea typeface="+mj-ea"/>
+                  </a:endParaRPr>
+                </a:p>
+              </p:txBody>
+            </p:sp>
+            <p:sp>
+              <p:nvSpPr>
+                <p:cNvPr id="44" name="六边形 43"/>
+                <p:cNvSpPr/>
+                <p:nvPr/>
+              </p:nvSpPr>
+              <p:spPr>
+                <a:xfrm>
+                  <a:off x="662776" y="2583551"/>
+                  <a:ext cx="961719" cy="829261"/>
+                </a:xfrm>
+                <a:prstGeom prst="hexagon">
+                  <a:avLst/>
+                </a:prstGeom>
+                <a:solidFill>
+                  <a:srgbClr val="4ACBD6"/>
+                </a:solidFill>
+                <a:ln>
+                  <a:noFill/>
+                </a:ln>
+                <a:effectLst>
+                  <a:innerShdw blurRad="63500" dist="50800" dir="18900000">
+                    <a:prstClr val="black">
+                      <a:alpha val="50000"/>
+                    </a:prstClr>
+                  </a:innerShdw>
+                </a:effectLst>
+              </p:spPr>
+              <p:style>
+                <a:lnRef idx="2">
+                  <a:schemeClr val="accent1">
+                    <a:shade val="50000"/>
+                  </a:schemeClr>
+                </a:lnRef>
+                <a:fillRef idx="1">
+                  <a:schemeClr val="accent1"/>
+                </a:fillRef>
+                <a:effectRef idx="0">
+                  <a:schemeClr val="accent1"/>
+                </a:effectRef>
+                <a:fontRef idx="minor">
+                  <a:schemeClr val="lt1"/>
+                </a:fontRef>
+              </p:style>
+              <p:txBody>
+                <a:bodyPr rtlCol="0" anchor="ctr"/>
+                <a:lstStyle/>
+                <a:p>
+                  <a:pPr algn="ctr" defTabSz="914400"/>
+                  <a:endParaRPr lang="zh-CN" altLang="en-US" sz="1800" dirty="0">
+                    <a:solidFill>
+                      <a:schemeClr val="bg1"/>
+                    </a:solidFill>
+                  </a:endParaRPr>
+                </a:p>
+              </p:txBody>
+            </p:sp>
+          </p:grpSp>
+          <p:grpSp>
+            <p:nvGrpSpPr>
+              <p:cNvPr id="40" name="组合 39"/>
+              <p:cNvGrpSpPr/>
+              <p:nvPr userDrawn="1"/>
+            </p:nvGrpSpPr>
+            <p:grpSpPr>
+              <a:xfrm>
+                <a:off x="282982" y="173887"/>
+                <a:ext cx="743903" cy="641444"/>
+                <a:chOff x="540674" y="2478267"/>
+                <a:chExt cx="1205922" cy="1039829"/>
+              </a:xfrm>
+            </p:grpSpPr>
+            <p:sp>
+              <p:nvSpPr>
+                <p:cNvPr id="41" name="六边形 40"/>
+                <p:cNvSpPr/>
+                <p:nvPr/>
+              </p:nvSpPr>
+              <p:spPr>
+                <a:xfrm>
+                  <a:off x="540674" y="2478267"/>
+                  <a:ext cx="1205922" cy="1039829"/>
+                </a:xfrm>
+                <a:prstGeom prst="hexagon">
+                  <a:avLst/>
+                </a:prstGeom>
+                <a:gradFill flip="none" rotWithShape="1">
+                  <a:gsLst>
+                    <a:gs pos="100000">
+                      <a:srgbClr val="FCFCFC"/>
+                    </a:gs>
+                    <a:gs pos="0">
+                      <a:srgbClr val="CCCCCC"/>
+                    </a:gs>
+                  </a:gsLst>
+                  <a:lin ang="7200000" scaled="0"/>
+                  <a:tileRect/>
+                </a:gradFill>
+                <a:ln w="12700">
+                  <a:gradFill>
+                    <a:gsLst>
+                      <a:gs pos="89000">
+                        <a:schemeClr val="bg1">
+                          <a:lumMod val="85000"/>
+                        </a:schemeClr>
+                      </a:gs>
+                      <a:gs pos="0">
+                        <a:schemeClr val="bg1"/>
+                      </a:gs>
+                    </a:gsLst>
+                    <a:lin ang="7200000" scaled="0"/>
+                  </a:gradFill>
+                </a:ln>
+                <a:effectLst>
+                  <a:outerShdw blurRad="254000" dist="127000" dir="8160000" algn="tr" rotWithShape="0">
+                    <a:prstClr val="black">
+                      <a:alpha val="34000"/>
+                    </a:prstClr>
+                  </a:outerShdw>
+                </a:effectLst>
+              </p:spPr>
+              <p:style>
+                <a:lnRef idx="2">
+                  <a:schemeClr val="accent1">
+                    <a:shade val="50000"/>
+                  </a:schemeClr>
+                </a:lnRef>
+                <a:fillRef idx="1">
+                  <a:schemeClr val="accent1"/>
+                </a:fillRef>
+                <a:effectRef idx="0">
+                  <a:schemeClr val="accent1"/>
+                </a:effectRef>
+                <a:fontRef idx="minor">
+                  <a:schemeClr val="lt1"/>
+                </a:fontRef>
+              </p:style>
+              <p:txBody>
+                <a:bodyPr rtlCol="0" anchor="ctr"/>
+                <a:lstStyle/>
+                <a:p>
+                  <a:pPr algn="ctr"/>
+                  <a:endParaRPr lang="zh-CN" altLang="en-US" dirty="0">
+                    <a:latin typeface="+mj-ea"/>
+                    <a:ea typeface="+mj-ea"/>
+                  </a:endParaRPr>
+                </a:p>
+              </p:txBody>
+            </p:sp>
+            <p:sp>
+              <p:nvSpPr>
+                <p:cNvPr id="42" name="六边形 41"/>
+                <p:cNvSpPr/>
+                <p:nvPr/>
+              </p:nvSpPr>
+              <p:spPr>
+                <a:xfrm>
+                  <a:off x="662776" y="2583551"/>
+                  <a:ext cx="961719" cy="829261"/>
+                </a:xfrm>
+                <a:prstGeom prst="hexagon">
+                  <a:avLst/>
+                </a:prstGeom>
+                <a:solidFill>
+                  <a:schemeClr val="bg1">
+                    <a:lumMod val="85000"/>
+                  </a:schemeClr>
+                </a:solidFill>
+                <a:ln>
+                  <a:noFill/>
+                </a:ln>
+                <a:effectLst>
+                  <a:innerShdw blurRad="63500" dist="50800" dir="18900000">
+                    <a:prstClr val="black">
+                      <a:alpha val="50000"/>
+                    </a:prstClr>
+                  </a:innerShdw>
+                </a:effectLst>
+              </p:spPr>
+              <p:style>
+                <a:lnRef idx="2">
+                  <a:schemeClr val="accent1">
+                    <a:shade val="50000"/>
+                  </a:schemeClr>
+                </a:lnRef>
+                <a:fillRef idx="1">
+                  <a:schemeClr val="accent1"/>
+                </a:fillRef>
+                <a:effectRef idx="0">
+                  <a:schemeClr val="accent1"/>
+                </a:effectRef>
+                <a:fontRef idx="minor">
+                  <a:schemeClr val="lt1"/>
+                </a:fontRef>
+              </p:style>
+              <p:txBody>
+                <a:bodyPr rtlCol="0" anchor="ctr"/>
+                <a:lstStyle/>
+                <a:p>
+                  <a:pPr algn="ctr" defTabSz="914400"/>
+                  <a:endParaRPr lang="zh-CN" altLang="en-US" sz="1800" dirty="0">
+                    <a:solidFill>
+                      <a:schemeClr val="bg1"/>
+                    </a:solidFill>
+                  </a:endParaRPr>
+                </a:p>
+              </p:txBody>
+            </p:sp>
+          </p:grpSp>
+        </p:grpSp>
+      </p:grpSp>
+    </p:spTree>
+    <p:extLst>
+      <p:ext uri="{BB962C8B-B14F-4D97-AF65-F5344CB8AC3E}">
+        <p14:creationId xmlns:p14="http://schemas.microsoft.com/office/powerpoint/2010/main" val="2871397168"/>
+      </p:ext>
+    </p:extLst>
+  </p:cSld>
+  <p:clrMapOvr>
+    <a:masterClrMapping/>
+  </p:clrMapOvr>
+</p:sld>
+</file>
+
+<file path=ppt/slides/slide9.xml><?xml version="1.0" encoding="utf-8"?>
+<p:sld xmlns:a="http://schemas.openxmlformats.org/drawingml/2006/main" xmlns:r="http://schemas.openxmlformats.org/officeDocument/2006/relationships" xmlns:p="http://schemas.openxmlformats.org/presentationml/2006/main">
+  <p:cSld>
+    <p:spTree>
+      <p:nvGrpSpPr>
+        <p:cNvPr id="1" name=""/>
+        <p:cNvGrpSpPr/>
+        <p:nvPr/>
+      </p:nvGrpSpPr>
+      <p:grpSpPr>
+        <a:xfrm>
+          <a:off x="0" y="0"/>
+          <a:ext cx="0" cy="0"/>
+          <a:chOff x="0" y="0"/>
+          <a:chExt cx="0" cy="0"/>
+        </a:xfrm>
+      </p:grpSpPr>
+      <p:pic>
+        <p:nvPicPr>
+          <p:cNvPr id="17" name="图片占位符 16"/>
+          <p:cNvPicPr>
+            <a:picLocks noGrp="1" noChangeAspect="1"/>
+          </p:cNvPicPr>
+          <p:nvPr>
+            <p:ph type="pic" sz="quarter" idx="14"/>
+          </p:nvPr>
+        </p:nvPicPr>
+        <p:blipFill>
+          <a:blip r:embed="rId2"/>
+          <a:srcRect t="3593" b="3593"/>
+          <a:stretch>
+            <a:fillRect/>
+          </a:stretch>
+        </p:blipFill>
+        <p:spPr>
+          <a:xfrm>
+            <a:off x="3966983" y="1376363"/>
+            <a:ext cx="4719817" cy="3008312"/>
+          </a:xfrm>
+          <a:prstGeom prst="rect">
+            <a:avLst/>
+          </a:prstGeom>
+        </p:spPr>
+      </p:pic>
+      <p:sp>
+        <p:nvSpPr>
+          <p:cNvPr id="3" name="文本占位符 2"/>
+          <p:cNvSpPr>
+            <a:spLocks noGrp="1"/>
+          </p:cNvSpPr>
+          <p:nvPr>
+            <p:ph type="body" sz="quarter" idx="13"/>
+          </p:nvPr>
+        </p:nvSpPr>
+        <p:spPr>
+          <a:xfrm>
+            <a:off x="588105" y="1375703"/>
+            <a:ext cx="3140121" cy="3008506"/>
+          </a:xfrm>
+        </p:spPr>
+        <p:txBody>
+          <a:bodyPr/>
+          <a:lstStyle/>
+          <a:p>
+            <a:r>
+              <a:rPr lang="zh-CN" altLang="en-US" sz="1200" dirty="0" smtClean="0"/>
+              <a:t>第一步</a:t>
+            </a:r>
+            <a:r>
+              <a:rPr lang="en-US" altLang="zh-CN" sz="1200" dirty="0" smtClean="0"/>
+              <a:t>---</a:t>
+            </a:r>
+            <a:r>
+              <a:rPr lang="zh-CN" altLang="en-US" sz="1200" dirty="0" smtClean="0"/>
+              <a:t>文件读取</a:t>
+            </a:r>
+            <a:r>
+              <a:rPr lang="en-US" altLang="zh-CN" sz="1200" dirty="0" smtClean="0"/>
+              <a:t>:</a:t>
+            </a:r>
+          </a:p>
+          <a:p>
+            <a:r>
+              <a:rPr lang="en-US" altLang="zh-CN" dirty="0"/>
+              <a:t>	</a:t>
+            </a:r>
+            <a:r>
+              <a:rPr lang="zh-CN" altLang="en-US" sz="900" dirty="0" smtClean="0"/>
+              <a:t>读取自定义设置后</a:t>
+            </a:r>
+            <a:r>
+              <a:rPr lang="en-US" altLang="zh-CN" sz="900" dirty="0" smtClean="0"/>
+              <a:t>,</a:t>
+            </a:r>
+            <a:r>
+              <a:rPr lang="zh-CN" altLang="en-US" sz="900" dirty="0" smtClean="0"/>
+              <a:t>先获取筛选文件</a:t>
+            </a:r>
+            <a:r>
+              <a:rPr lang="en-US" altLang="zh-CN" sz="900" dirty="0" smtClean="0"/>
+              <a:t>,</a:t>
+            </a:r>
+            <a:r>
+              <a:rPr lang="zh-CN" altLang="en-US" sz="900" dirty="0" smtClean="0"/>
+              <a:t>并获取使用的关键词</a:t>
+            </a:r>
+            <a:r>
+              <a:rPr lang="en-US" altLang="zh-CN" sz="900" dirty="0" smtClean="0"/>
+              <a:t>,</a:t>
+            </a:r>
+            <a:r>
+              <a:rPr lang="zh-CN" altLang="en-US" sz="900" dirty="0" smtClean="0"/>
+              <a:t>然后获取每一个</a:t>
+            </a:r>
+            <a:r>
+              <a:rPr lang="en-US" altLang="zh-CN" sz="900" dirty="0" smtClean="0"/>
+              <a:t>CSS</a:t>
+            </a:r>
+            <a:r>
+              <a:rPr lang="zh-CN" altLang="en-US" sz="900" dirty="0" smtClean="0"/>
+              <a:t>文件</a:t>
+            </a:r>
+            <a:r>
+              <a:rPr lang="en-US" altLang="zh-CN" sz="900" dirty="0" smtClean="0"/>
+              <a:t>,</a:t>
+            </a:r>
+            <a:r>
+              <a:rPr lang="zh-CN" altLang="en-US" sz="900" dirty="0" smtClean="0"/>
+              <a:t>针对每一个</a:t>
+            </a:r>
+            <a:r>
+              <a:rPr lang="en-US" altLang="zh-CN" sz="900" dirty="0" smtClean="0"/>
+              <a:t>CSS</a:t>
+            </a:r>
+            <a:r>
+              <a:rPr lang="zh-CN" altLang="en-US" sz="900" dirty="0" smtClean="0"/>
+              <a:t>文件去进行接下来的步骤</a:t>
+            </a:r>
+            <a:r>
+              <a:rPr lang="en-US" altLang="zh-CN" sz="900" dirty="0" smtClean="0"/>
+              <a:t>;</a:t>
+            </a:r>
+          </a:p>
+          <a:p>
+            <a:r>
+              <a:rPr lang="zh-CN" altLang="en-US" sz="1200" dirty="0" smtClean="0"/>
+              <a:t>第二步</a:t>
+            </a:r>
+            <a:r>
+              <a:rPr lang="en-US" altLang="zh-CN" sz="1200" dirty="0" smtClean="0"/>
+              <a:t>---</a:t>
+            </a:r>
+            <a:r>
+              <a:rPr lang="zh-CN" altLang="en-US" sz="1200" dirty="0"/>
+              <a:t>关键词</a:t>
+            </a:r>
+            <a:r>
+              <a:rPr lang="zh-CN" altLang="en-US" sz="1200" dirty="0" smtClean="0"/>
+              <a:t>读取</a:t>
+            </a:r>
+            <a:r>
+              <a:rPr lang="en-US" altLang="zh-CN" sz="1200" dirty="0"/>
+              <a:t>:</a:t>
+            </a:r>
+          </a:p>
+          <a:p>
+            <a:r>
+              <a:rPr lang="en-US" altLang="zh-CN" dirty="0"/>
+              <a:t>	</a:t>
+            </a:r>
+            <a:r>
+              <a:rPr lang="zh-CN" altLang="en-US" sz="900" dirty="0" smtClean="0"/>
+              <a:t>读取了文件后</a:t>
+            </a:r>
+            <a:r>
+              <a:rPr lang="en-US" altLang="zh-CN" sz="900" dirty="0" smtClean="0"/>
+              <a:t>,</a:t>
+            </a:r>
+            <a:r>
+              <a:rPr lang="zh-CN" altLang="en-US" sz="900" dirty="0" smtClean="0"/>
+              <a:t>将筛选文件中的</a:t>
+            </a:r>
+            <a:r>
+              <a:rPr lang="en-US" altLang="zh-CN" sz="900" dirty="0" smtClean="0"/>
+              <a:t>JS</a:t>
+            </a:r>
+            <a:r>
+              <a:rPr lang="zh-CN" altLang="en-US" sz="900" dirty="0" smtClean="0"/>
+              <a:t>文件内容通过</a:t>
+            </a:r>
+            <a:r>
+              <a:rPr lang="en-US" altLang="zh-CN" sz="900" dirty="0" err="1" smtClean="0"/>
+              <a:t>Uglify</a:t>
+            </a:r>
+            <a:r>
+              <a:rPr lang="en-US" altLang="zh-CN" sz="900" dirty="0" smtClean="0"/>
+              <a:t>-JS</a:t>
+            </a:r>
+            <a:r>
+              <a:rPr lang="zh-CN" altLang="en-US" sz="900" dirty="0" smtClean="0"/>
+              <a:t>库解析为</a:t>
+            </a:r>
+            <a:r>
+              <a:rPr lang="en-US" altLang="zh-CN" sz="900" dirty="0" smtClean="0"/>
+              <a:t>AST,</a:t>
+            </a:r>
+            <a:r>
+              <a:rPr lang="zh-CN" altLang="en-US" sz="900" dirty="0" smtClean="0"/>
+              <a:t>然后解析</a:t>
+            </a:r>
+            <a:r>
+              <a:rPr lang="en-US" altLang="zh-CN" sz="900" dirty="0" smtClean="0"/>
+              <a:t>AST</a:t>
+            </a:r>
+            <a:r>
+              <a:rPr lang="zh-CN" altLang="en-US" sz="900" dirty="0" smtClean="0"/>
+              <a:t>获取关键词</a:t>
+            </a:r>
+            <a:r>
+              <a:rPr lang="en-US" altLang="zh-CN" sz="900" dirty="0" smtClean="0"/>
+              <a:t>,</a:t>
+            </a:r>
+            <a:r>
+              <a:rPr lang="zh-CN" altLang="en-US" sz="900" dirty="0" smtClean="0"/>
+              <a:t>针对每一个</a:t>
+            </a:r>
+            <a:r>
+              <a:rPr lang="en-US" altLang="zh-CN" sz="900" dirty="0" smtClean="0"/>
+              <a:t>CSS</a:t>
+            </a:r>
+            <a:r>
+              <a:rPr lang="zh-CN" altLang="en-US" sz="900" dirty="0" smtClean="0"/>
+              <a:t>文件提取</a:t>
+            </a:r>
+            <a:r>
+              <a:rPr lang="en-US" altLang="zh-CN" sz="900" dirty="0" smtClean="0"/>
+              <a:t>AST,AST</a:t>
+            </a:r>
+            <a:r>
+              <a:rPr lang="zh-CN" altLang="en-US" sz="900" dirty="0" smtClean="0"/>
+              <a:t>中包含了</a:t>
+            </a:r>
+            <a:r>
+              <a:rPr lang="en-US" altLang="zh-CN" sz="900" dirty="0" smtClean="0"/>
+              <a:t>CSS</a:t>
+            </a:r>
+            <a:r>
+              <a:rPr lang="zh-CN" altLang="en-US" sz="900" dirty="0" smtClean="0"/>
+              <a:t>的关键词</a:t>
+            </a:r>
+            <a:r>
+              <a:rPr lang="en-US" altLang="zh-CN" sz="900" dirty="0" smtClean="0"/>
+              <a:t>---</a:t>
+            </a:r>
+            <a:r>
+              <a:rPr lang="zh-CN" altLang="en-US" sz="900" dirty="0" smtClean="0"/>
+              <a:t>选择器</a:t>
+            </a:r>
+            <a:r>
+              <a:rPr lang="en-US" altLang="zh-CN" sz="900" dirty="0" smtClean="0"/>
+              <a:t>;</a:t>
+            </a:r>
+          </a:p>
+          <a:p>
+            <a:r>
+              <a:rPr lang="zh-CN" altLang="en-US" sz="1200" dirty="0" smtClean="0"/>
+              <a:t>第三步</a:t>
+            </a:r>
+            <a:r>
+              <a:rPr lang="en-US" altLang="zh-CN" sz="1200" dirty="0" smtClean="0"/>
+              <a:t>---</a:t>
+            </a:r>
+            <a:r>
+              <a:rPr lang="zh-CN" altLang="en-US" sz="1200" dirty="0" smtClean="0"/>
+              <a:t>冗余清除</a:t>
+            </a:r>
+            <a:r>
+              <a:rPr lang="en-US" altLang="zh-CN" sz="1200" dirty="0" smtClean="0"/>
+              <a:t>:</a:t>
+            </a:r>
+            <a:endParaRPr lang="en-US" altLang="zh-CN" sz="1200" dirty="0"/>
+          </a:p>
+          <a:p>
+            <a:r>
+              <a:rPr lang="en-US" altLang="zh-CN" dirty="0"/>
+              <a:t>	</a:t>
+            </a:r>
+            <a:r>
+              <a:rPr lang="zh-CN" altLang="en-US" sz="900" dirty="0" smtClean="0"/>
+              <a:t>读取</a:t>
+            </a:r>
+            <a:r>
+              <a:rPr lang="en-US" altLang="zh-CN" sz="900" dirty="0" smtClean="0"/>
+              <a:t>CSS</a:t>
+            </a:r>
+            <a:r>
+              <a:rPr lang="zh-CN" altLang="en-US" sz="900" dirty="0" smtClean="0"/>
+              <a:t>的</a:t>
+            </a:r>
+            <a:r>
+              <a:rPr lang="en-US" altLang="zh-CN" sz="900" dirty="0" smtClean="0"/>
+              <a:t>AST,</a:t>
+            </a:r>
+            <a:r>
+              <a:rPr lang="zh-CN" altLang="en-US" sz="900" dirty="0" smtClean="0"/>
+              <a:t>针对每一个选择器</a:t>
+            </a:r>
+            <a:r>
+              <a:rPr lang="en-US" altLang="zh-CN" sz="900" dirty="0" smtClean="0"/>
+              <a:t>,</a:t>
+            </a:r>
+            <a:r>
+              <a:rPr lang="zh-CN" altLang="en-US" sz="900" dirty="0" smtClean="0"/>
+              <a:t>在</a:t>
+            </a:r>
+            <a:r>
+              <a:rPr lang="en-US" altLang="zh-CN" sz="900" dirty="0" smtClean="0"/>
+              <a:t>JS</a:t>
+            </a:r>
+            <a:r>
+              <a:rPr lang="zh-CN" altLang="en-US" sz="900" dirty="0" smtClean="0"/>
+              <a:t>的关键词和</a:t>
+            </a:r>
+            <a:r>
+              <a:rPr lang="en-US" altLang="zh-CN" sz="900" dirty="0" smtClean="0"/>
+              <a:t>HTML</a:t>
+            </a:r>
+            <a:r>
+              <a:rPr lang="zh-CN" altLang="en-US" sz="900" dirty="0" smtClean="0"/>
+              <a:t>文件中去检测是否使用</a:t>
+            </a:r>
+            <a:r>
+              <a:rPr lang="en-US" altLang="zh-CN" sz="900" dirty="0" smtClean="0"/>
+              <a:t>,</a:t>
+            </a:r>
+            <a:r>
+              <a:rPr lang="zh-CN" altLang="en-US" sz="900" dirty="0" smtClean="0"/>
+              <a:t>未使用过的选择器会作为冗余被清除</a:t>
+            </a:r>
+            <a:r>
+              <a:rPr lang="en-US" altLang="zh-CN" sz="900" dirty="0" smtClean="0"/>
+              <a:t>;</a:t>
+            </a:r>
+          </a:p>
+          <a:p>
+            <a:r>
+              <a:rPr lang="zh-CN" altLang="en-US" sz="1400" dirty="0" smtClean="0"/>
+              <a:t>第四步</a:t>
+            </a:r>
+            <a:r>
+              <a:rPr lang="en-US" altLang="zh-CN" sz="1400" dirty="0" smtClean="0"/>
+              <a:t>---</a:t>
+            </a:r>
+            <a:r>
+              <a:rPr lang="zh-CN" altLang="en-US" sz="1400" dirty="0" smtClean="0"/>
+              <a:t>文件和</a:t>
+            </a:r>
+            <a:r>
+              <a:rPr lang="en-US" altLang="zh-CN" sz="1400" dirty="0" smtClean="0"/>
+              <a:t>log</a:t>
+            </a:r>
+            <a:r>
+              <a:rPr lang="zh-CN" altLang="en-US" sz="1400" dirty="0" smtClean="0"/>
+              <a:t>生成</a:t>
+            </a:r>
+            <a:r>
+              <a:rPr lang="en-US" altLang="zh-CN" sz="1400" dirty="0" smtClean="0"/>
+              <a:t>:</a:t>
+            </a:r>
+            <a:endParaRPr lang="en-US" altLang="zh-CN" sz="1400" dirty="0"/>
+          </a:p>
+          <a:p>
+            <a:r>
+              <a:rPr lang="en-US" altLang="zh-CN" dirty="0"/>
+              <a:t>	</a:t>
+            </a:r>
+            <a:r>
+              <a:rPr lang="zh-CN" altLang="en-US" sz="900" dirty="0" smtClean="0"/>
+              <a:t>将冗余清除后的</a:t>
+            </a:r>
+            <a:r>
+              <a:rPr lang="en-US" altLang="zh-CN" sz="900" dirty="0" smtClean="0"/>
+              <a:t>CSS</a:t>
+            </a:r>
+            <a:r>
+              <a:rPr lang="zh-CN" altLang="en-US" sz="900" dirty="0" smtClean="0"/>
+              <a:t>文件输出到指定的</a:t>
+            </a:r>
+            <a:r>
+              <a:rPr lang="en-US" altLang="zh-CN" sz="900" dirty="0" smtClean="0"/>
+              <a:t>output</a:t>
+            </a:r>
+            <a:r>
+              <a:rPr lang="zh-CN" altLang="en-US" sz="900" dirty="0" smtClean="0"/>
+              <a:t>文件夹</a:t>
+            </a:r>
+            <a:r>
+              <a:rPr lang="en-US" altLang="zh-CN" sz="900" dirty="0" smtClean="0"/>
+              <a:t>,</a:t>
+            </a:r>
+            <a:r>
+              <a:rPr lang="zh-CN" altLang="en-US" sz="900" dirty="0" smtClean="0"/>
+              <a:t>并使用清除前后的</a:t>
+            </a:r>
+            <a:r>
+              <a:rPr lang="en-US" altLang="zh-CN" sz="900" dirty="0" smtClean="0"/>
+              <a:t>CSS_AST</a:t>
+            </a:r>
+            <a:r>
+              <a:rPr lang="zh-CN" altLang="en-US" sz="900" dirty="0" smtClean="0"/>
+              <a:t>去生成</a:t>
+            </a:r>
+            <a:r>
+              <a:rPr lang="en-US" altLang="zh-CN" sz="900" smtClean="0"/>
+              <a:t>log.</a:t>
+            </a:r>
+            <a:endParaRPr lang="zh-CN" altLang="en-US" sz="900" dirty="0"/>
+          </a:p>
+        </p:txBody>
+      </p:sp>
+      <p:sp>
+        <p:nvSpPr>
+          <p:cNvPr id="5" name="标题 4"/>
+          <p:cNvSpPr>
+            <a:spLocks noGrp="1"/>
+          </p:cNvSpPr>
+          <p:nvPr>
+            <p:ph type="title"/>
+          </p:nvPr>
+        </p:nvSpPr>
+        <p:spPr>
+          <a:xfrm>
+            <a:off x="583870" y="944628"/>
+            <a:ext cx="8115630" cy="334607"/>
+          </a:xfrm>
+        </p:spPr>
+        <p:txBody>
+          <a:bodyPr/>
+          <a:lstStyle/>
+          <a:p>
+            <a:r>
+              <a:rPr lang="en-US" altLang="zh-CN" dirty="0" smtClean="0"/>
+              <a:t>CSS</a:t>
+            </a:r>
+            <a:r>
+              <a:rPr lang="zh-CN" altLang="en-US" dirty="0" smtClean="0"/>
+              <a:t>冗余去除</a:t>
+            </a:r>
+            <a:endParaRPr lang="zh-CN" altLang="en-US" dirty="0"/>
+          </a:p>
+        </p:txBody>
+      </p:sp>
+      <p:grpSp>
+        <p:nvGrpSpPr>
+          <p:cNvPr id="6" name="组合 5"/>
+          <p:cNvGrpSpPr/>
+          <p:nvPr/>
+        </p:nvGrpSpPr>
+        <p:grpSpPr>
+          <a:xfrm>
+            <a:off x="75322" y="64351"/>
+            <a:ext cx="6864824" cy="815331"/>
+            <a:chOff x="0" y="48256"/>
+            <a:chExt cx="6864824" cy="815331"/>
+          </a:xfrm>
+        </p:grpSpPr>
+        <p:sp>
+          <p:nvSpPr>
+            <p:cNvPr id="7" name="文本框 6"/>
+            <p:cNvSpPr txBox="1"/>
+            <p:nvPr/>
+          </p:nvSpPr>
+          <p:spPr>
+            <a:xfrm>
+              <a:off x="981470" y="297292"/>
+              <a:ext cx="2671435" cy="461665"/>
+            </a:xfrm>
+            <a:prstGeom prst="rect">
+              <a:avLst/>
+            </a:prstGeom>
+            <a:noFill/>
+          </p:spPr>
+          <p:txBody>
+            <a:bodyPr wrap="square" rtlCol="0">
+              <a:spAutoFit/>
+            </a:bodyPr>
+            <a:lstStyle/>
+            <a:p>
+              <a:r>
+                <a:rPr lang="zh-CN" altLang="en-US" sz="2400" dirty="0" smtClean="0">
+                  <a:solidFill>
+                    <a:srgbClr val="4ACBD6"/>
+                  </a:solidFill>
+                  <a:latin typeface="微软雅黑" panose="020B0503020204020204" pitchFamily="34" charset="-122"/>
+                  <a:ea typeface="微软雅黑" panose="020B0503020204020204" pitchFamily="34" charset="-122"/>
+                </a:rPr>
+                <a:t>课题</a:t>
+              </a:r>
+              <a:r>
+                <a:rPr lang="zh-CN" altLang="en-US" sz="2400" dirty="0" smtClean="0">
+                  <a:solidFill>
+                    <a:srgbClr val="4ACBD6"/>
+                  </a:solidFill>
+                  <a:latin typeface="微软雅黑" panose="020B0503020204020204" pitchFamily="34" charset="-122"/>
+                  <a:ea typeface="微软雅黑" panose="020B0503020204020204" pitchFamily="34" charset="-122"/>
+                </a:rPr>
+                <a:t>设计思路</a:t>
+              </a:r>
+              <a:endParaRPr lang="zh-CN" altLang="en-US" sz="2400" dirty="0">
+                <a:solidFill>
+                  <a:srgbClr val="4ACBD6"/>
+                </a:solidFill>
+                <a:latin typeface="微软雅黑" panose="020B0503020204020204" pitchFamily="34" charset="-122"/>
+                <a:ea typeface="微软雅黑" panose="020B0503020204020204" pitchFamily="34" charset="-122"/>
+              </a:endParaRPr>
+            </a:p>
+          </p:txBody>
+        </p:sp>
+        <p:cxnSp>
+          <p:nvCxnSpPr>
+            <p:cNvPr id="8" name="直接连接符 7"/>
+            <p:cNvCxnSpPr/>
+            <p:nvPr/>
+          </p:nvCxnSpPr>
+          <p:spPr>
+            <a:xfrm>
+              <a:off x="743903" y="768128"/>
+              <a:ext cx="6120921" cy="0"/>
+            </a:xfrm>
+            <a:prstGeom prst="line">
+              <a:avLst/>
+            </a:prstGeom>
+            <a:ln w="12700">
+              <a:solidFill>
+                <a:schemeClr val="bg1">
+                  <a:lumMod val="75000"/>
+                </a:schemeClr>
+              </a:solidFill>
+            </a:ln>
+          </p:spPr>
+          <p:style>
+            <a:lnRef idx="1">
+              <a:schemeClr val="accent1"/>
+            </a:lnRef>
+            <a:fillRef idx="0">
+              <a:schemeClr val="accent1"/>
+            </a:fillRef>
+            <a:effectRef idx="0">
+              <a:schemeClr val="accent1"/>
+            </a:effectRef>
+            <a:fontRef idx="minor">
+              <a:schemeClr val="tx1"/>
+            </a:fontRef>
+          </p:style>
+        </p:cxnSp>
+        <p:grpSp>
+          <p:nvGrpSpPr>
+            <p:cNvPr id="9" name="组合 8"/>
+            <p:cNvGrpSpPr/>
+            <p:nvPr/>
+          </p:nvGrpSpPr>
+          <p:grpSpPr>
+            <a:xfrm>
+              <a:off x="0" y="48256"/>
+              <a:ext cx="1026885" cy="815331"/>
+              <a:chOff x="0" y="0"/>
+              <a:chExt cx="1026885" cy="815331"/>
+            </a:xfrm>
+          </p:grpSpPr>
+          <p:grpSp>
+            <p:nvGrpSpPr>
+              <p:cNvPr id="10" name="组合 9"/>
+              <p:cNvGrpSpPr/>
+              <p:nvPr userDrawn="1"/>
+            </p:nvGrpSpPr>
+            <p:grpSpPr>
+              <a:xfrm>
+                <a:off x="0" y="0"/>
+                <a:ext cx="743903" cy="641444"/>
+                <a:chOff x="540674" y="2478267"/>
+                <a:chExt cx="1205922" cy="1039829"/>
+              </a:xfrm>
+            </p:grpSpPr>
+            <p:sp>
+              <p:nvSpPr>
+                <p:cNvPr id="14" name="六边形 13"/>
+                <p:cNvSpPr/>
+                <p:nvPr/>
+              </p:nvSpPr>
+              <p:spPr>
+                <a:xfrm>
+                  <a:off x="540674" y="2478267"/>
+                  <a:ext cx="1205922" cy="1039829"/>
+                </a:xfrm>
+                <a:prstGeom prst="hexagon">
+                  <a:avLst/>
+                </a:prstGeom>
+                <a:gradFill flip="none" rotWithShape="1">
+                  <a:gsLst>
+                    <a:gs pos="100000">
+                      <a:srgbClr val="FCFCFC"/>
+                    </a:gs>
+                    <a:gs pos="0">
+                      <a:srgbClr val="CCCCCC"/>
+                    </a:gs>
+                  </a:gsLst>
+                  <a:lin ang="7200000" scaled="0"/>
+                  <a:tileRect/>
+                </a:gradFill>
+                <a:ln w="12700">
+                  <a:gradFill>
+                    <a:gsLst>
+                      <a:gs pos="89000">
+                        <a:schemeClr val="bg1">
+                          <a:lumMod val="85000"/>
+                        </a:schemeClr>
+                      </a:gs>
+                      <a:gs pos="0">
+                        <a:schemeClr val="bg1"/>
+                      </a:gs>
+                    </a:gsLst>
+                    <a:lin ang="7200000" scaled="0"/>
+                  </a:gradFill>
+                </a:ln>
+                <a:effectLst>
+                  <a:outerShdw blurRad="254000" dist="127000" dir="8160000" algn="tr" rotWithShape="0">
+                    <a:prstClr val="black">
+                      <a:alpha val="34000"/>
+                    </a:prstClr>
+                  </a:outerShdw>
+                </a:effectLst>
+              </p:spPr>
+              <p:style>
+                <a:lnRef idx="2">
+                  <a:schemeClr val="accent1">
+                    <a:shade val="50000"/>
+                  </a:schemeClr>
+                </a:lnRef>
+                <a:fillRef idx="1">
+                  <a:schemeClr val="accent1"/>
+                </a:fillRef>
+                <a:effectRef idx="0">
+                  <a:schemeClr val="accent1"/>
+                </a:effectRef>
+                <a:fontRef idx="minor">
+                  <a:schemeClr val="lt1"/>
+                </a:fontRef>
+              </p:style>
+              <p:txBody>
+                <a:bodyPr rtlCol="0" anchor="ctr"/>
+                <a:lstStyle/>
+                <a:p>
+                  <a:pPr algn="ctr"/>
+                  <a:endParaRPr lang="zh-CN" altLang="en-US" dirty="0">
+                    <a:latin typeface="+mj-ea"/>
+                    <a:ea typeface="+mj-ea"/>
+                  </a:endParaRPr>
+                </a:p>
+              </p:txBody>
+            </p:sp>
+            <p:sp>
+              <p:nvSpPr>
+                <p:cNvPr id="15" name="六边形 14"/>
+                <p:cNvSpPr/>
+                <p:nvPr/>
+              </p:nvSpPr>
+              <p:spPr>
+                <a:xfrm>
+                  <a:off x="662776" y="2583551"/>
+                  <a:ext cx="961719" cy="829261"/>
+                </a:xfrm>
+                <a:prstGeom prst="hexagon">
+                  <a:avLst/>
+                </a:prstGeom>
+                <a:solidFill>
+                  <a:srgbClr val="4ACBD6"/>
+                </a:solidFill>
+                <a:ln>
+                  <a:noFill/>
+                </a:ln>
+                <a:effectLst>
+                  <a:innerShdw blurRad="63500" dist="50800" dir="18900000">
+                    <a:prstClr val="black">
+                      <a:alpha val="50000"/>
+                    </a:prstClr>
+                  </a:innerShdw>
+                </a:effectLst>
+              </p:spPr>
+              <p:style>
+                <a:lnRef idx="2">
+                  <a:schemeClr val="accent1">
+                    <a:shade val="50000"/>
+                  </a:schemeClr>
+                </a:lnRef>
+                <a:fillRef idx="1">
+                  <a:schemeClr val="accent1"/>
+                </a:fillRef>
+                <a:effectRef idx="0">
+                  <a:schemeClr val="accent1"/>
+                </a:effectRef>
+                <a:fontRef idx="minor">
+                  <a:schemeClr val="lt1"/>
+                </a:fontRef>
+              </p:style>
+              <p:txBody>
+                <a:bodyPr rtlCol="0" anchor="ctr"/>
+                <a:lstStyle/>
+                <a:p>
+                  <a:pPr algn="ctr" defTabSz="914400"/>
+                  <a:endParaRPr lang="zh-CN" altLang="en-US" sz="1800" dirty="0">
+                    <a:solidFill>
+                      <a:schemeClr val="bg1"/>
+                    </a:solidFill>
+                  </a:endParaRPr>
+                </a:p>
+              </p:txBody>
+            </p:sp>
+          </p:grpSp>
+          <p:grpSp>
+            <p:nvGrpSpPr>
+              <p:cNvPr id="11" name="组合 10"/>
+              <p:cNvGrpSpPr/>
+              <p:nvPr userDrawn="1"/>
+            </p:nvGrpSpPr>
+            <p:grpSpPr>
+              <a:xfrm>
+                <a:off x="282982" y="173887"/>
+                <a:ext cx="743903" cy="641444"/>
+                <a:chOff x="540674" y="2478267"/>
+                <a:chExt cx="1205922" cy="1039829"/>
+              </a:xfrm>
+            </p:grpSpPr>
+            <p:sp>
+              <p:nvSpPr>
+                <p:cNvPr id="12" name="六边形 11"/>
+                <p:cNvSpPr/>
+                <p:nvPr/>
+              </p:nvSpPr>
+              <p:spPr>
+                <a:xfrm>
+                  <a:off x="540674" y="2478267"/>
+                  <a:ext cx="1205922" cy="1039829"/>
+                </a:xfrm>
+                <a:prstGeom prst="hexagon">
+                  <a:avLst/>
+                </a:prstGeom>
+                <a:gradFill flip="none" rotWithShape="1">
+                  <a:gsLst>
+                    <a:gs pos="100000">
+                      <a:srgbClr val="FCFCFC"/>
+                    </a:gs>
+                    <a:gs pos="0">
+                      <a:srgbClr val="CCCCCC"/>
+                    </a:gs>
+                  </a:gsLst>
+                  <a:lin ang="7200000" scaled="0"/>
+                  <a:tileRect/>
+                </a:gradFill>
+                <a:ln w="12700">
+                  <a:gradFill>
+                    <a:gsLst>
+                      <a:gs pos="89000">
+                        <a:schemeClr val="bg1">
+                          <a:lumMod val="85000"/>
+                        </a:schemeClr>
+                      </a:gs>
+                      <a:gs pos="0">
+                        <a:schemeClr val="bg1"/>
+                      </a:gs>
+                    </a:gsLst>
+                    <a:lin ang="7200000" scaled="0"/>
+                  </a:gradFill>
+                </a:ln>
+                <a:effectLst>
+                  <a:outerShdw blurRad="254000" dist="127000" dir="8160000" algn="tr" rotWithShape="0">
+                    <a:prstClr val="black">
+                      <a:alpha val="34000"/>
+                    </a:prstClr>
+                  </a:outerShdw>
+                </a:effectLst>
+              </p:spPr>
+              <p:style>
+                <a:lnRef idx="2">
+                  <a:schemeClr val="accent1">
+                    <a:shade val="50000"/>
+                  </a:schemeClr>
+                </a:lnRef>
+                <a:fillRef idx="1">
+                  <a:schemeClr val="accent1"/>
+                </a:fillRef>
+                <a:effectRef idx="0">
+                  <a:schemeClr val="accent1"/>
+                </a:effectRef>
+                <a:fontRef idx="minor">
+                  <a:schemeClr val="lt1"/>
+                </a:fontRef>
+              </p:style>
+              <p:txBody>
+                <a:bodyPr rtlCol="0" anchor="ctr"/>
+                <a:lstStyle/>
+                <a:p>
+                  <a:pPr algn="ctr"/>
+                  <a:endParaRPr lang="zh-CN" altLang="en-US" dirty="0">
+                    <a:latin typeface="+mj-ea"/>
+                    <a:ea typeface="+mj-ea"/>
+                  </a:endParaRPr>
+                </a:p>
+              </p:txBody>
+            </p:sp>
+            <p:sp>
+              <p:nvSpPr>
+                <p:cNvPr id="13" name="六边形 12"/>
+                <p:cNvSpPr/>
+                <p:nvPr/>
+              </p:nvSpPr>
+              <p:spPr>
+                <a:xfrm>
+                  <a:off x="662776" y="2583551"/>
+                  <a:ext cx="961719" cy="829261"/>
+                </a:xfrm>
+                <a:prstGeom prst="hexagon">
+                  <a:avLst/>
+                </a:prstGeom>
+                <a:solidFill>
+                  <a:schemeClr val="bg1">
+                    <a:lumMod val="85000"/>
+                  </a:schemeClr>
+                </a:solidFill>
+                <a:ln>
+                  <a:noFill/>
+                </a:ln>
+                <a:effectLst>
+                  <a:innerShdw blurRad="63500" dist="50800" dir="18900000">
+                    <a:prstClr val="black">
+                      <a:alpha val="50000"/>
+                    </a:prstClr>
+                  </a:innerShdw>
+                </a:effectLst>
+              </p:spPr>
+              <p:style>
+                <a:lnRef idx="2">
+                  <a:schemeClr val="accent1">
+                    <a:shade val="50000"/>
+                  </a:schemeClr>
+                </a:lnRef>
+                <a:fillRef idx="1">
+                  <a:schemeClr val="accent1"/>
+                </a:fillRef>
+                <a:effectRef idx="0">
+                  <a:schemeClr val="accent1"/>
+                </a:effectRef>
+                <a:fontRef idx="minor">
+                  <a:schemeClr val="lt1"/>
+                </a:fontRef>
+              </p:style>
+              <p:txBody>
+                <a:bodyPr rtlCol="0" anchor="ctr"/>
+                <a:lstStyle/>
+                <a:p>
+                  <a:pPr algn="ctr" defTabSz="914400"/>
+                  <a:endParaRPr lang="zh-CN" altLang="en-US" sz="1800" dirty="0">
+                    <a:solidFill>
+                      <a:schemeClr val="bg1"/>
+                    </a:solidFill>
+                  </a:endParaRPr>
+                </a:p>
+              </p:txBody>
+            </p:sp>
+          </p:grpSp>
+        </p:grpSp>
+      </p:grpSp>
+    </p:spTree>
+    <p:extLst>
+      <p:ext uri="{BB962C8B-B14F-4D97-AF65-F5344CB8AC3E}">
+        <p14:creationId xmlns:p14="http://schemas.microsoft.com/office/powerpoint/2010/main" val="1604273989"/>
+      </p:ext>
+    </p:extLst>
+  </p:cSld>
+  <p:clrMapOvr>
+    <a:masterClrMapping/>
+  </p:clrMapOvr>
+</p:sld>
+</file>
+
 <file path=ppt/theme/theme1.xml><?xml version="1.0" encoding="utf-8"?>
 <a:theme xmlns:a="http://schemas.openxmlformats.org/drawingml/2006/main" name="Office Theme">
   <a:themeElements>
